--- a/springcloud.pptx
+++ b/springcloud.pptx
@@ -5,16 +5,17 @@
     <p:sldMasterId id="2147483648" r:id="rId1"/>
   </p:sldMasterIdLst>
   <p:notesMasterIdLst>
-    <p:notesMasterId r:id="rId4"/>
+    <p:notesMasterId r:id="rId5"/>
   </p:notesMasterIdLst>
   <p:sldIdLst>
     <p:sldId id="256" r:id="rId2"/>
     <p:sldId id="307" r:id="rId3"/>
+    <p:sldId id="308" r:id="rId4"/>
   </p:sldIdLst>
   <p:sldSz cx="12192000" cy="6858000"/>
   <p:notesSz cx="6858000" cy="9144000"/>
   <p:custDataLst>
-    <p:tags r:id="rId5"/>
+    <p:tags r:id="rId6"/>
   </p:custDataLst>
   <p:defaultTextStyle>
     <a:defPPr>
@@ -113,7 +114,7 @@
   </p:defaultTextStyle>
   <p:extLst>
     <p:ext uri="{EFAFB233-063F-42B5-8137-9DF3F51BA10A}">
-      <p15:sldGuideLst xmlns:p15="http://schemas.microsoft.com/office/powerpoint/2012/main" xmlns="">
+      <p15:sldGuideLst xmlns:p15="http://schemas.microsoft.com/office/powerpoint/2012/main">
         <p15:guide id="1" orient="horz" pos="2160" userDrawn="1">
           <p15:clr>
             <a:srgbClr val="A4A3A4"/>
@@ -128,10 +129,6 @@
     </p:ext>
   </p:extLst>
 </p:presentation>
-</file>
-
-<file path=ppt/revisionInfo.xml><?xml version="1.0" encoding="utf-8"?>
-<p1510:revInfo xmlns:a="http://schemas.openxmlformats.org/drawingml/2006/main" xmlns:r="http://schemas.openxmlformats.org/officeDocument/2006/relationships" xmlns:p1510="http://schemas.microsoft.com/office/powerpoint/2015/10/main"/>
 </file>
 
 <file path=ppt/notesMasters/notesMaster1.xml><?xml version="1.0" encoding="utf-8"?>
@@ -217,7 +214,7 @@
             <a:fld id="{05B1D5F9-199E-4B77-ACFB-0D659EE03F6C}" type="datetimeFigureOut">
               <a:rPr lang="zh-CN" altLang="en-US" smtClean="0"/>
               <a:pPr/>
-              <a:t>2018/5/28</a:t>
+              <a:t>2018/6/6</a:t>
             </a:fld>
             <a:endParaRPr lang="zh-CN" altLang="en-US"/>
           </a:p>
@@ -385,7 +382,7 @@
     </p:spTree>
     <p:extLst>
       <p:ext uri="{BB962C8B-B14F-4D97-AF65-F5344CB8AC3E}">
-        <p14:creationId xmlns:p14="http://schemas.microsoft.com/office/powerpoint/2010/main" xmlns="" val="4136795833"/>
+        <p14:creationId xmlns:p14="http://schemas.microsoft.com/office/powerpoint/2010/main" val="4136795833"/>
       </p:ext>
     </p:extLst>
   </p:cSld>
@@ -560,7 +557,7 @@
     </p:spTree>
     <p:extLst>
       <p:ext uri="{BB962C8B-B14F-4D97-AF65-F5344CB8AC3E}">
-        <p14:creationId xmlns:p14="http://schemas.microsoft.com/office/powerpoint/2010/main" xmlns="" val="2594768037"/>
+        <p14:creationId xmlns:p14="http://schemas.microsoft.com/office/powerpoint/2010/main" val="2594768037"/>
       </p:ext>
     </p:extLst>
   </p:cSld>
@@ -645,7 +642,92 @@
     </p:spTree>
     <p:extLst>
       <p:ext uri="{BB962C8B-B14F-4D97-AF65-F5344CB8AC3E}">
-        <p14:creationId xmlns:p14="http://schemas.microsoft.com/office/powerpoint/2010/main" xmlns="" val="2506518844"/>
+        <p14:creationId xmlns:p14="http://schemas.microsoft.com/office/powerpoint/2010/main" val="2506518844"/>
+      </p:ext>
+    </p:extLst>
+  </p:cSld>
+  <p:clrMapOvr>
+    <a:masterClrMapping/>
+  </p:clrMapOvr>
+</p:notes>
+</file>
+
+<file path=ppt/notesSlides/notesSlide3.xml><?xml version="1.0" encoding="utf-8"?>
+<p:notes xmlns:a="http://schemas.openxmlformats.org/drawingml/2006/main" xmlns:r="http://schemas.openxmlformats.org/officeDocument/2006/relationships" xmlns:p="http://schemas.openxmlformats.org/presentationml/2006/main">
+  <p:cSld>
+    <p:spTree>
+      <p:nvGrpSpPr>
+        <p:cNvPr id="1" name=""/>
+        <p:cNvGrpSpPr/>
+        <p:nvPr/>
+      </p:nvGrpSpPr>
+      <p:grpSpPr>
+        <a:xfrm>
+          <a:off x="0" y="0"/>
+          <a:ext cx="0" cy="0"/>
+          <a:chOff x="0" y="0"/>
+          <a:chExt cx="0" cy="0"/>
+        </a:xfrm>
+      </p:grpSpPr>
+      <p:sp>
+        <p:nvSpPr>
+          <p:cNvPr id="2" name="幻灯片图像占位符 1"/>
+          <p:cNvSpPr>
+            <a:spLocks noGrp="1" noRot="1" noChangeAspect="1"/>
+          </p:cNvSpPr>
+          <p:nvPr>
+            <p:ph type="sldImg"/>
+          </p:nvPr>
+        </p:nvSpPr>
+        <p:spPr/>
+      </p:sp>
+      <p:sp>
+        <p:nvSpPr>
+          <p:cNvPr id="3" name="备注占位符 2"/>
+          <p:cNvSpPr>
+            <a:spLocks noGrp="1"/>
+          </p:cNvSpPr>
+          <p:nvPr>
+            <p:ph type="body" idx="1"/>
+          </p:nvPr>
+        </p:nvSpPr>
+        <p:spPr/>
+        <p:txBody>
+          <a:bodyPr/>
+          <a:lstStyle/>
+          <a:p>
+            <a:endParaRPr lang="zh-CN" altLang="en-US"/>
+          </a:p>
+        </p:txBody>
+      </p:sp>
+      <p:sp>
+        <p:nvSpPr>
+          <p:cNvPr id="4" name="灯片编号占位符 3"/>
+          <p:cNvSpPr>
+            <a:spLocks noGrp="1"/>
+          </p:cNvSpPr>
+          <p:nvPr>
+            <p:ph type="sldNum" sz="quarter" idx="10"/>
+          </p:nvPr>
+        </p:nvSpPr>
+        <p:spPr/>
+        <p:txBody>
+          <a:bodyPr/>
+          <a:lstStyle/>
+          <a:p>
+            <a:fld id="{22553725-671C-4999-8D68-861E5DC01BD8}" type="slidenum">
+              <a:rPr lang="zh-CN" altLang="en-US" smtClean="0"/>
+              <a:pPr/>
+              <a:t>3</a:t>
+            </a:fld>
+            <a:endParaRPr lang="zh-CN" altLang="en-US"/>
+          </a:p>
+        </p:txBody>
+      </p:sp>
+    </p:spTree>
+    <p:extLst>
+      <p:ext uri="{BB962C8B-B14F-4D97-AF65-F5344CB8AC3E}">
+        <p14:creationId xmlns:p14="http://schemas.microsoft.com/office/powerpoint/2010/main" val="417888688"/>
       </p:ext>
     </p:extLst>
   </p:cSld>
@@ -785,7 +867,7 @@
             <a:fld id="{91AD7F68-8E1B-45E2-8A27-5D5DEAAB1BF2}" type="datetimeFigureOut">
               <a:rPr lang="zh-CN" altLang="en-US" smtClean="0"/>
               <a:pPr/>
-              <a:t>2018/5/28</a:t>
+              <a:t>2018/6/6</a:t>
             </a:fld>
             <a:endParaRPr lang="zh-CN" altLang="en-US"/>
           </a:p>
@@ -837,20 +919,20 @@
     </p:spTree>
     <p:extLst>
       <p:ext uri="{BB962C8B-B14F-4D97-AF65-F5344CB8AC3E}">
-        <p14:creationId xmlns:p14="http://schemas.microsoft.com/office/powerpoint/2010/main" xmlns="" val="3379505774"/>
+        <p14:creationId xmlns:p14="http://schemas.microsoft.com/office/powerpoint/2010/main" val="3379505774"/>
       </p:ext>
     </p:extLst>
   </p:cSld>
   <p:clrMapOvr>
     <a:masterClrMapping/>
   </p:clrMapOvr>
-  <mc:AlternateContent xmlns:mc="http://schemas.openxmlformats.org/markup-compatibility/2006">
-    <mc:Choice xmlns:p14="http://schemas.microsoft.com/office/powerpoint/2010/main" xmlns="" Requires="p14">
+  <mc:AlternateContent xmlns:mc="http://schemas.openxmlformats.org/markup-compatibility/2006" xmlns:p14="http://schemas.microsoft.com/office/powerpoint/2010/main">
+    <mc:Choice Requires="p14">
       <p:transition spd="slow" p14:dur="1500" advClick="0" advTm="0">
         <p:random/>
       </p:transition>
     </mc:Choice>
-    <mc:Fallback>
+    <mc:Fallback xmlns="">
       <p:transition spd="slow" advClick="0" advTm="0">
         <p:random/>
       </p:transition>
@@ -967,7 +1049,7 @@
             <a:fld id="{91AD7F68-8E1B-45E2-8A27-5D5DEAAB1BF2}" type="datetimeFigureOut">
               <a:rPr lang="zh-CN" altLang="en-US" smtClean="0"/>
               <a:pPr/>
-              <a:t>2018/5/28</a:t>
+              <a:t>2018/6/6</a:t>
             </a:fld>
             <a:endParaRPr lang="zh-CN" altLang="en-US"/>
           </a:p>
@@ -1019,20 +1101,20 @@
     </p:spTree>
     <p:extLst>
       <p:ext uri="{BB962C8B-B14F-4D97-AF65-F5344CB8AC3E}">
-        <p14:creationId xmlns:p14="http://schemas.microsoft.com/office/powerpoint/2010/main" xmlns="" val="4292131042"/>
+        <p14:creationId xmlns:p14="http://schemas.microsoft.com/office/powerpoint/2010/main" val="4292131042"/>
       </p:ext>
     </p:extLst>
   </p:cSld>
   <p:clrMapOvr>
     <a:masterClrMapping/>
   </p:clrMapOvr>
-  <mc:AlternateContent xmlns:mc="http://schemas.openxmlformats.org/markup-compatibility/2006">
-    <mc:Choice xmlns:p14="http://schemas.microsoft.com/office/powerpoint/2010/main" xmlns="" Requires="p14">
+  <mc:AlternateContent xmlns:mc="http://schemas.openxmlformats.org/markup-compatibility/2006" xmlns:p14="http://schemas.microsoft.com/office/powerpoint/2010/main">
+    <mc:Choice Requires="p14">
       <p:transition spd="slow" p14:dur="1500" advClick="0" advTm="0">
         <p:random/>
       </p:transition>
     </mc:Choice>
-    <mc:Fallback>
+    <mc:Fallback xmlns="">
       <p:transition spd="slow" advClick="0" advTm="0">
         <p:random/>
       </p:transition>
@@ -1159,7 +1241,7 @@
             <a:fld id="{91AD7F68-8E1B-45E2-8A27-5D5DEAAB1BF2}" type="datetimeFigureOut">
               <a:rPr lang="zh-CN" altLang="en-US" smtClean="0"/>
               <a:pPr/>
-              <a:t>2018/5/28</a:t>
+              <a:t>2018/6/6</a:t>
             </a:fld>
             <a:endParaRPr lang="zh-CN" altLang="en-US"/>
           </a:p>
@@ -1211,20 +1293,20 @@
     </p:spTree>
     <p:extLst>
       <p:ext uri="{BB962C8B-B14F-4D97-AF65-F5344CB8AC3E}">
-        <p14:creationId xmlns:p14="http://schemas.microsoft.com/office/powerpoint/2010/main" xmlns="" val="1952128637"/>
+        <p14:creationId xmlns:p14="http://schemas.microsoft.com/office/powerpoint/2010/main" val="1952128637"/>
       </p:ext>
     </p:extLst>
   </p:cSld>
   <p:clrMapOvr>
     <a:masterClrMapping/>
   </p:clrMapOvr>
-  <mc:AlternateContent xmlns:mc="http://schemas.openxmlformats.org/markup-compatibility/2006">
-    <mc:Choice xmlns:p14="http://schemas.microsoft.com/office/powerpoint/2010/main" xmlns="" Requires="p14">
+  <mc:AlternateContent xmlns:mc="http://schemas.openxmlformats.org/markup-compatibility/2006" xmlns:p14="http://schemas.microsoft.com/office/powerpoint/2010/main">
+    <mc:Choice Requires="p14">
       <p:transition spd="slow" p14:dur="1500" advClick="0" advTm="0">
         <p:random/>
       </p:transition>
     </mc:Choice>
-    <mc:Fallback>
+    <mc:Fallback xmlns="">
       <p:transition spd="slow" advClick="0" advTm="0">
         <p:random/>
       </p:transition>
@@ -1341,7 +1423,7 @@
             <a:fld id="{91AD7F68-8E1B-45E2-8A27-5D5DEAAB1BF2}" type="datetimeFigureOut">
               <a:rPr lang="zh-CN" altLang="en-US" smtClean="0"/>
               <a:pPr/>
-              <a:t>2018/5/28</a:t>
+              <a:t>2018/6/6</a:t>
             </a:fld>
             <a:endParaRPr lang="zh-CN" altLang="en-US"/>
           </a:p>
@@ -1393,20 +1475,20 @@
     </p:spTree>
     <p:extLst>
       <p:ext uri="{BB962C8B-B14F-4D97-AF65-F5344CB8AC3E}">
-        <p14:creationId xmlns:p14="http://schemas.microsoft.com/office/powerpoint/2010/main" xmlns="" val="4173798514"/>
+        <p14:creationId xmlns:p14="http://schemas.microsoft.com/office/powerpoint/2010/main" val="4173798514"/>
       </p:ext>
     </p:extLst>
   </p:cSld>
   <p:clrMapOvr>
     <a:masterClrMapping/>
   </p:clrMapOvr>
-  <mc:AlternateContent xmlns:mc="http://schemas.openxmlformats.org/markup-compatibility/2006">
-    <mc:Choice xmlns:p14="http://schemas.microsoft.com/office/powerpoint/2010/main" xmlns="" Requires="p14">
+  <mc:AlternateContent xmlns:mc="http://schemas.openxmlformats.org/markup-compatibility/2006" xmlns:p14="http://schemas.microsoft.com/office/powerpoint/2010/main">
+    <mc:Choice Requires="p14">
       <p:transition spd="slow" p14:dur="1500" advClick="0" advTm="0">
         <p:random/>
       </p:transition>
     </mc:Choice>
-    <mc:Fallback>
+    <mc:Fallback xmlns="">
       <p:transition spd="slow" advClick="0" advTm="0">
         <p:random/>
       </p:transition>
@@ -1600,7 +1682,7 @@
             <a:fld id="{91AD7F68-8E1B-45E2-8A27-5D5DEAAB1BF2}" type="datetimeFigureOut">
               <a:rPr lang="zh-CN" altLang="en-US" smtClean="0"/>
               <a:pPr/>
-              <a:t>2018/5/28</a:t>
+              <a:t>2018/6/6</a:t>
             </a:fld>
             <a:endParaRPr lang="zh-CN" altLang="en-US"/>
           </a:p>
@@ -1652,20 +1734,20 @@
     </p:spTree>
     <p:extLst>
       <p:ext uri="{BB962C8B-B14F-4D97-AF65-F5344CB8AC3E}">
-        <p14:creationId xmlns:p14="http://schemas.microsoft.com/office/powerpoint/2010/main" xmlns="" val="2343028950"/>
+        <p14:creationId xmlns:p14="http://schemas.microsoft.com/office/powerpoint/2010/main" val="2343028950"/>
       </p:ext>
     </p:extLst>
   </p:cSld>
   <p:clrMapOvr>
     <a:masterClrMapping/>
   </p:clrMapOvr>
-  <mc:AlternateContent xmlns:mc="http://schemas.openxmlformats.org/markup-compatibility/2006">
-    <mc:Choice xmlns:p14="http://schemas.microsoft.com/office/powerpoint/2010/main" xmlns="" Requires="p14">
+  <mc:AlternateContent xmlns:mc="http://schemas.openxmlformats.org/markup-compatibility/2006" xmlns:p14="http://schemas.microsoft.com/office/powerpoint/2010/main">
+    <mc:Choice Requires="p14">
       <p:transition spd="slow" p14:dur="1500" advClick="0" advTm="0">
         <p:random/>
       </p:transition>
     </mc:Choice>
-    <mc:Fallback>
+    <mc:Fallback xmlns="">
       <p:transition spd="slow" advClick="0" advTm="0">
         <p:random/>
       </p:transition>
@@ -1843,7 +1925,7 @@
             <a:fld id="{91AD7F68-8E1B-45E2-8A27-5D5DEAAB1BF2}" type="datetimeFigureOut">
               <a:rPr lang="zh-CN" altLang="en-US" smtClean="0"/>
               <a:pPr/>
-              <a:t>2018/5/28</a:t>
+              <a:t>2018/6/6</a:t>
             </a:fld>
             <a:endParaRPr lang="zh-CN" altLang="en-US"/>
           </a:p>
@@ -1895,20 +1977,20 @@
     </p:spTree>
     <p:extLst>
       <p:ext uri="{BB962C8B-B14F-4D97-AF65-F5344CB8AC3E}">
-        <p14:creationId xmlns:p14="http://schemas.microsoft.com/office/powerpoint/2010/main" xmlns="" val="1951757828"/>
+        <p14:creationId xmlns:p14="http://schemas.microsoft.com/office/powerpoint/2010/main" val="1951757828"/>
       </p:ext>
     </p:extLst>
   </p:cSld>
   <p:clrMapOvr>
     <a:masterClrMapping/>
   </p:clrMapOvr>
-  <mc:AlternateContent xmlns:mc="http://schemas.openxmlformats.org/markup-compatibility/2006">
-    <mc:Choice xmlns:p14="http://schemas.microsoft.com/office/powerpoint/2010/main" xmlns="" Requires="p14">
+  <mc:AlternateContent xmlns:mc="http://schemas.openxmlformats.org/markup-compatibility/2006" xmlns:p14="http://schemas.microsoft.com/office/powerpoint/2010/main">
+    <mc:Choice Requires="p14">
       <p:transition spd="slow" p14:dur="1500" advClick="0" advTm="0">
         <p:random/>
       </p:transition>
     </mc:Choice>
-    <mc:Fallback>
+    <mc:Fallback xmlns="">
       <p:transition spd="slow" advClick="0" advTm="0">
         <p:random/>
       </p:transition>
@@ -2221,7 +2303,7 @@
             <a:fld id="{91AD7F68-8E1B-45E2-8A27-5D5DEAAB1BF2}" type="datetimeFigureOut">
               <a:rPr lang="zh-CN" altLang="en-US" smtClean="0"/>
               <a:pPr/>
-              <a:t>2018/5/28</a:t>
+              <a:t>2018/6/6</a:t>
             </a:fld>
             <a:endParaRPr lang="zh-CN" altLang="en-US"/>
           </a:p>
@@ -2273,20 +2355,20 @@
     </p:spTree>
     <p:extLst>
       <p:ext uri="{BB962C8B-B14F-4D97-AF65-F5344CB8AC3E}">
-        <p14:creationId xmlns:p14="http://schemas.microsoft.com/office/powerpoint/2010/main" xmlns="" val="3785743930"/>
+        <p14:creationId xmlns:p14="http://schemas.microsoft.com/office/powerpoint/2010/main" val="3785743930"/>
       </p:ext>
     </p:extLst>
   </p:cSld>
   <p:clrMapOvr>
     <a:masterClrMapping/>
   </p:clrMapOvr>
-  <mc:AlternateContent xmlns:mc="http://schemas.openxmlformats.org/markup-compatibility/2006">
-    <mc:Choice xmlns:p14="http://schemas.microsoft.com/office/powerpoint/2010/main" xmlns="" Requires="p14">
+  <mc:AlternateContent xmlns:mc="http://schemas.openxmlformats.org/markup-compatibility/2006" xmlns:p14="http://schemas.microsoft.com/office/powerpoint/2010/main">
+    <mc:Choice Requires="p14">
       <p:transition spd="slow" p14:dur="1500" advClick="0" advTm="0">
         <p:random/>
       </p:transition>
     </mc:Choice>
-    <mc:Fallback>
+    <mc:Fallback xmlns="">
       <p:transition spd="slow" advClick="0" advTm="0">
         <p:random/>
       </p:transition>
@@ -2352,7 +2434,7 @@
             <a:fld id="{91AD7F68-8E1B-45E2-8A27-5D5DEAAB1BF2}" type="datetimeFigureOut">
               <a:rPr lang="zh-CN" altLang="en-US" smtClean="0"/>
               <a:pPr/>
-              <a:t>2018/5/28</a:t>
+              <a:t>2018/6/6</a:t>
             </a:fld>
             <a:endParaRPr lang="zh-CN" altLang="en-US"/>
           </a:p>
@@ -2404,20 +2486,20 @@
     </p:spTree>
     <p:extLst>
       <p:ext uri="{BB962C8B-B14F-4D97-AF65-F5344CB8AC3E}">
-        <p14:creationId xmlns:p14="http://schemas.microsoft.com/office/powerpoint/2010/main" xmlns="" val="1272998583"/>
+        <p14:creationId xmlns:p14="http://schemas.microsoft.com/office/powerpoint/2010/main" val="1272998583"/>
       </p:ext>
     </p:extLst>
   </p:cSld>
   <p:clrMapOvr>
     <a:masterClrMapping/>
   </p:clrMapOvr>
-  <mc:AlternateContent xmlns:mc="http://schemas.openxmlformats.org/markup-compatibility/2006">
-    <mc:Choice xmlns:p14="http://schemas.microsoft.com/office/powerpoint/2010/main" xmlns="" Requires="p14">
+  <mc:AlternateContent xmlns:mc="http://schemas.openxmlformats.org/markup-compatibility/2006" xmlns:p14="http://schemas.microsoft.com/office/powerpoint/2010/main">
+    <mc:Choice Requires="p14">
       <p:transition spd="slow" p14:dur="1500" advClick="0" advTm="0">
         <p:random/>
       </p:transition>
     </mc:Choice>
-    <mc:Fallback>
+    <mc:Fallback xmlns="">
       <p:transition spd="slow" advClick="0" advTm="0">
         <p:random/>
       </p:transition>
@@ -2461,7 +2543,7 @@
             <a:fld id="{91AD7F68-8E1B-45E2-8A27-5D5DEAAB1BF2}" type="datetimeFigureOut">
               <a:rPr lang="zh-CN" altLang="en-US" smtClean="0"/>
               <a:pPr/>
-              <a:t>2018/5/28</a:t>
+              <a:t>2018/6/6</a:t>
             </a:fld>
             <a:endParaRPr lang="zh-CN" altLang="en-US"/>
           </a:p>
@@ -2513,20 +2595,20 @@
     </p:spTree>
     <p:extLst>
       <p:ext uri="{BB962C8B-B14F-4D97-AF65-F5344CB8AC3E}">
-        <p14:creationId xmlns:p14="http://schemas.microsoft.com/office/powerpoint/2010/main" xmlns="" val="2103091704"/>
+        <p14:creationId xmlns:p14="http://schemas.microsoft.com/office/powerpoint/2010/main" val="2103091704"/>
       </p:ext>
     </p:extLst>
   </p:cSld>
   <p:clrMapOvr>
     <a:masterClrMapping/>
   </p:clrMapOvr>
-  <mc:AlternateContent xmlns:mc="http://schemas.openxmlformats.org/markup-compatibility/2006">
-    <mc:Choice xmlns:p14="http://schemas.microsoft.com/office/powerpoint/2010/main" xmlns="" Requires="p14">
+  <mc:AlternateContent xmlns:mc="http://schemas.openxmlformats.org/markup-compatibility/2006" xmlns:p14="http://schemas.microsoft.com/office/powerpoint/2010/main">
+    <mc:Choice Requires="p14">
       <p:transition spd="slow" p14:dur="1500" advClick="0" advTm="0">
         <p:random/>
       </p:transition>
     </mc:Choice>
-    <mc:Fallback>
+    <mc:Fallback xmlns="">
       <p:transition spd="slow" advClick="0" advTm="0">
         <p:random/>
       </p:transition>
@@ -2750,7 +2832,7 @@
             <a:fld id="{91AD7F68-8E1B-45E2-8A27-5D5DEAAB1BF2}" type="datetimeFigureOut">
               <a:rPr lang="zh-CN" altLang="en-US" smtClean="0"/>
               <a:pPr/>
-              <a:t>2018/5/28</a:t>
+              <a:t>2018/6/6</a:t>
             </a:fld>
             <a:endParaRPr lang="zh-CN" altLang="en-US"/>
           </a:p>
@@ -2802,20 +2884,20 @@
     </p:spTree>
     <p:extLst>
       <p:ext uri="{BB962C8B-B14F-4D97-AF65-F5344CB8AC3E}">
-        <p14:creationId xmlns:p14="http://schemas.microsoft.com/office/powerpoint/2010/main" xmlns="" val="2275436477"/>
+        <p14:creationId xmlns:p14="http://schemas.microsoft.com/office/powerpoint/2010/main" val="2275436477"/>
       </p:ext>
     </p:extLst>
   </p:cSld>
   <p:clrMapOvr>
     <a:masterClrMapping/>
   </p:clrMapOvr>
-  <mc:AlternateContent xmlns:mc="http://schemas.openxmlformats.org/markup-compatibility/2006">
-    <mc:Choice xmlns:p14="http://schemas.microsoft.com/office/powerpoint/2010/main" xmlns="" Requires="p14">
+  <mc:AlternateContent xmlns:mc="http://schemas.openxmlformats.org/markup-compatibility/2006" xmlns:p14="http://schemas.microsoft.com/office/powerpoint/2010/main">
+    <mc:Choice Requires="p14">
       <p:transition spd="slow" p14:dur="1500" advClick="0" advTm="0">
         <p:random/>
       </p:transition>
     </mc:Choice>
-    <mc:Fallback>
+    <mc:Fallback xmlns="">
       <p:transition spd="slow" advClick="0" advTm="0">
         <p:random/>
       </p:transition>
@@ -3016,7 +3098,7 @@
             <a:fld id="{91AD7F68-8E1B-45E2-8A27-5D5DEAAB1BF2}" type="datetimeFigureOut">
               <a:rPr lang="zh-CN" altLang="en-US" smtClean="0"/>
               <a:pPr/>
-              <a:t>2018/5/28</a:t>
+              <a:t>2018/6/6</a:t>
             </a:fld>
             <a:endParaRPr lang="zh-CN" altLang="en-US"/>
           </a:p>
@@ -3068,20 +3150,20 @@
     </p:spTree>
     <p:extLst>
       <p:ext uri="{BB962C8B-B14F-4D97-AF65-F5344CB8AC3E}">
-        <p14:creationId xmlns:p14="http://schemas.microsoft.com/office/powerpoint/2010/main" xmlns="" val="2724821356"/>
+        <p14:creationId xmlns:p14="http://schemas.microsoft.com/office/powerpoint/2010/main" val="2724821356"/>
       </p:ext>
     </p:extLst>
   </p:cSld>
   <p:clrMapOvr>
     <a:masterClrMapping/>
   </p:clrMapOvr>
-  <mc:AlternateContent xmlns:mc="http://schemas.openxmlformats.org/markup-compatibility/2006">
-    <mc:Choice xmlns:p14="http://schemas.microsoft.com/office/powerpoint/2010/main" xmlns="" Requires="p14">
+  <mc:AlternateContent xmlns:mc="http://schemas.openxmlformats.org/markup-compatibility/2006" xmlns:p14="http://schemas.microsoft.com/office/powerpoint/2010/main">
+    <mc:Choice Requires="p14">
       <p:transition spd="slow" p14:dur="1500" advClick="0" advTm="0">
         <p:random/>
       </p:transition>
     </mc:Choice>
-    <mc:Fallback>
+    <mc:Fallback xmlns="">
       <p:transition spd="slow" advClick="0" advTm="0">
         <p:random/>
       </p:transition>
@@ -3241,7 +3323,7 @@
             <a:fld id="{91AD7F68-8E1B-45E2-8A27-5D5DEAAB1BF2}" type="datetimeFigureOut">
               <a:rPr lang="zh-CN" altLang="en-US" smtClean="0"/>
               <a:pPr/>
-              <a:t>2018/5/28</a:t>
+              <a:t>2018/6/6</a:t>
             </a:fld>
             <a:endParaRPr lang="zh-CN" altLang="en-US"/>
           </a:p>
@@ -3329,7 +3411,7 @@
     </p:spTree>
     <p:extLst>
       <p:ext uri="{BB962C8B-B14F-4D97-AF65-F5344CB8AC3E}">
-        <p14:creationId xmlns:p14="http://schemas.microsoft.com/office/powerpoint/2010/main" xmlns="" val="666783823"/>
+        <p14:creationId xmlns:p14="http://schemas.microsoft.com/office/powerpoint/2010/main" val="666783823"/>
       </p:ext>
     </p:extLst>
   </p:cSld>
@@ -3347,13 +3429,13 @@
     <p:sldLayoutId id="2147483658" r:id="rId10"/>
     <p:sldLayoutId id="2147483659" r:id="rId11"/>
   </p:sldLayoutIdLst>
-  <mc:AlternateContent xmlns:mc="http://schemas.openxmlformats.org/markup-compatibility/2006">
-    <mc:Choice xmlns:p14="http://schemas.microsoft.com/office/powerpoint/2010/main" xmlns="" Requires="p14">
+  <mc:AlternateContent xmlns:mc="http://schemas.openxmlformats.org/markup-compatibility/2006" xmlns:p14="http://schemas.microsoft.com/office/powerpoint/2010/main">
+    <mc:Choice Requires="p14">
       <p:transition spd="slow" p14:dur="1500" advClick="0" advTm="0">
         <p:random/>
       </p:transition>
     </mc:Choice>
-    <mc:Fallback>
+    <mc:Fallback xmlns="">
       <p:transition spd="slow" advClick="0" advTm="0">
         <p:random/>
       </p:transition>
@@ -3671,7 +3753,7 @@
           <a:blip r:embed="rId3" cstate="print">
             <a:extLst>
               <a:ext uri="{28A0092B-C50C-407E-A947-70E740481C1C}">
-                <a14:useLocalDpi xmlns:a14="http://schemas.microsoft.com/office/drawing/2010/main" xmlns=""/>
+                <a14:useLocalDpi xmlns:a14="http://schemas.microsoft.com/office/drawing/2010/main"/>
               </a:ext>
             </a:extLst>
           </a:blip>
@@ -9245,7 +9327,7 @@
           <p:cNvPr id="9" name="TextBox 8">
             <a:extLst>
               <a:ext uri="{FF2B5EF4-FFF2-40B4-BE49-F238E27FC236}">
-                <a16:creationId xmlns:a16="http://schemas.microsoft.com/office/drawing/2014/main" xmlns="" id="{73C77ED2-C357-47B7-8381-585C44BF2B89}"/>
+                <a16:creationId xmlns:a16="http://schemas.microsoft.com/office/drawing/2014/main" id="{73C77ED2-C357-47B7-8381-585C44BF2B89}"/>
               </a:ext>
             </a:extLst>
           </p:cNvPr>
@@ -9270,7 +9352,7 @@
           <a:p>
             <a:pPr algn="ctr"/>
             <a:r>
-              <a:rPr lang="en-US" altLang="zh-CN" sz="8800" dirty="0" smtClean="0">
+              <a:rPr lang="en-US" altLang="zh-CN" sz="8800" dirty="0">
                 <a:solidFill>
                   <a:schemeClr val="bg1"/>
                 </a:solidFill>
@@ -9279,33 +9361,26 @@
               </a:rPr>
               <a:t>Spring Cloud</a:t>
             </a:r>
-            <a:endParaRPr lang="en-US" altLang="zh-CN" sz="8800" dirty="0" smtClean="0">
-              <a:solidFill>
-                <a:schemeClr val="bg1"/>
-              </a:solidFill>
-              <a:latin typeface="Aharoni" panose="02010803020104030203" pitchFamily="2" charset="-79"/>
-              <a:cs typeface="Aharoni" panose="02010803020104030203" pitchFamily="2" charset="-79"/>
-            </a:endParaRPr>
           </a:p>
         </p:txBody>
       </p:sp>
     </p:spTree>
     <p:extLst>
       <p:ext uri="{BB962C8B-B14F-4D97-AF65-F5344CB8AC3E}">
-        <p14:creationId xmlns:p14="http://schemas.microsoft.com/office/powerpoint/2010/main" xmlns="" val="656483861"/>
+        <p14:creationId xmlns:p14="http://schemas.microsoft.com/office/powerpoint/2010/main" val="656483861"/>
       </p:ext>
     </p:extLst>
   </p:cSld>
   <p:clrMapOvr>
     <a:masterClrMapping/>
   </p:clrMapOvr>
-  <mc:AlternateContent xmlns:mc="http://schemas.openxmlformats.org/markup-compatibility/2006">
-    <mc:Choice xmlns:p14="http://schemas.microsoft.com/office/powerpoint/2010/main" xmlns="" Requires="p14">
+  <mc:AlternateContent xmlns:mc="http://schemas.openxmlformats.org/markup-compatibility/2006" xmlns:p14="http://schemas.microsoft.com/office/powerpoint/2010/main">
+    <mc:Choice Requires="p14">
       <p:transition spd="slow" p14:dur="1500">
         <p:random/>
       </p:transition>
     </mc:Choice>
-    <mc:Fallback>
+    <mc:Fallback xmlns="">
       <p:transition spd="slow">
         <p:random/>
       </p:transition>
@@ -9799,14 +9874,1370 @@
           <a:p>
             <a:pPr marL="0" lvl="1"/>
             <a:r>
-              <a:rPr lang="en-US" altLang="zh-CN" sz="2800" spc="300" dirty="0" smtClean="0">
+              <a:rPr lang="en-US" altLang="zh-CN" sz="2800" spc="300" dirty="0">
                 <a:solidFill>
                   <a:srgbClr val="0D4960"/>
                 </a:solidFill>
                 <a:latin typeface="方正尚酷简体" panose="03000509000000000000" pitchFamily="65" charset="-122"/>
                 <a:ea typeface="方正尚酷简体" panose="03000509000000000000" pitchFamily="65" charset="-122"/>
               </a:rPr>
-              <a:t>Projects</a:t>
+              <a:t>Spring Cloud Eureka</a:t>
+            </a:r>
+          </a:p>
+        </p:txBody>
+      </p:sp>
+      <p:cxnSp>
+        <p:nvCxnSpPr>
+          <p:cNvPr id="17" name="3"/>
+          <p:cNvCxnSpPr/>
+          <p:nvPr/>
+        </p:nvCxnSpPr>
+        <p:spPr>
+          <a:xfrm>
+            <a:off x="1418247" y="761569"/>
+            <a:ext cx="10174106" cy="0"/>
+          </a:xfrm>
+          <a:prstGeom prst="line">
+            <a:avLst/>
+          </a:prstGeom>
+          <a:ln>
+            <a:solidFill>
+              <a:schemeClr val="bg1">
+                <a:lumMod val="75000"/>
+              </a:schemeClr>
+            </a:solidFill>
+          </a:ln>
+        </p:spPr>
+        <p:style>
+          <a:lnRef idx="1">
+            <a:schemeClr val="accent1"/>
+          </a:lnRef>
+          <a:fillRef idx="0">
+            <a:schemeClr val="accent1"/>
+          </a:fillRef>
+          <a:effectRef idx="0">
+            <a:schemeClr val="accent1"/>
+          </a:effectRef>
+          <a:fontRef idx="minor">
+            <a:schemeClr val="tx1"/>
+          </a:fontRef>
+        </p:style>
+      </p:cxnSp>
+      <p:sp>
+        <p:nvSpPr>
+          <p:cNvPr id="3" name="Rectangle: Rounded Corners 2">
+            <a:extLst>
+              <a:ext uri="{FF2B5EF4-FFF2-40B4-BE49-F238E27FC236}">
+                <a16:creationId xmlns:a16="http://schemas.microsoft.com/office/drawing/2014/main" id="{10D38064-0938-4DB2-8601-E7D0F49FA03C}"/>
+              </a:ext>
+            </a:extLst>
+          </p:cNvPr>
+          <p:cNvSpPr/>
+          <p:nvPr/>
+        </p:nvSpPr>
+        <p:spPr>
+          <a:xfrm>
+            <a:off x="2473036" y="1101436"/>
+            <a:ext cx="1697818" cy="1288438"/>
+          </a:xfrm>
+          <a:prstGeom prst="roundRect">
+            <a:avLst/>
+          </a:prstGeom>
+        </p:spPr>
+        <p:style>
+          <a:lnRef idx="2">
+            <a:schemeClr val="accent1">
+              <a:shade val="50000"/>
+            </a:schemeClr>
+          </a:lnRef>
+          <a:fillRef idx="1">
+            <a:schemeClr val="accent1"/>
+          </a:fillRef>
+          <a:effectRef idx="0">
+            <a:schemeClr val="accent1"/>
+          </a:effectRef>
+          <a:fontRef idx="minor">
+            <a:schemeClr val="lt1"/>
+          </a:fontRef>
+        </p:style>
+        <p:txBody>
+          <a:bodyPr rtlCol="0" anchor="ctr"/>
+          <a:lstStyle/>
+          <a:p>
+            <a:pPr algn="ctr"/>
+            <a:r>
+              <a:rPr lang="en-US" dirty="0"/>
+              <a:t>Eureka Server </a:t>
+            </a:r>
+          </a:p>
+          <a:p>
+            <a:pPr algn="ctr"/>
+            <a:r>
+              <a:rPr lang="en-US" dirty="0"/>
+              <a:t>192.168.1.200</a:t>
+            </a:r>
+          </a:p>
+        </p:txBody>
+      </p:sp>
+      <p:sp>
+        <p:nvSpPr>
+          <p:cNvPr id="9" name="Rectangle: Rounded Corners 8">
+            <a:extLst>
+              <a:ext uri="{FF2B5EF4-FFF2-40B4-BE49-F238E27FC236}">
+                <a16:creationId xmlns:a16="http://schemas.microsoft.com/office/drawing/2014/main" id="{B935B0D4-597E-4C31-AD2F-D911B5AA7F9D}"/>
+              </a:ext>
+            </a:extLst>
+          </p:cNvPr>
+          <p:cNvSpPr/>
+          <p:nvPr/>
+        </p:nvSpPr>
+        <p:spPr>
+          <a:xfrm>
+            <a:off x="6895989" y="1101436"/>
+            <a:ext cx="1697818" cy="1288438"/>
+          </a:xfrm>
+          <a:prstGeom prst="roundRect">
+            <a:avLst/>
+          </a:prstGeom>
+        </p:spPr>
+        <p:style>
+          <a:lnRef idx="2">
+            <a:schemeClr val="accent1">
+              <a:shade val="50000"/>
+            </a:schemeClr>
+          </a:lnRef>
+          <a:fillRef idx="1">
+            <a:schemeClr val="accent1"/>
+          </a:fillRef>
+          <a:effectRef idx="0">
+            <a:schemeClr val="accent1"/>
+          </a:effectRef>
+          <a:fontRef idx="minor">
+            <a:schemeClr val="lt1"/>
+          </a:fontRef>
+        </p:style>
+        <p:txBody>
+          <a:bodyPr rtlCol="0" anchor="ctr"/>
+          <a:lstStyle/>
+          <a:p>
+            <a:pPr algn="ctr"/>
+            <a:r>
+              <a:rPr lang="en-US" dirty="0"/>
+              <a:t>Eureka Server 192.168.1.201</a:t>
+            </a:r>
+          </a:p>
+        </p:txBody>
+      </p:sp>
+      <p:cxnSp>
+        <p:nvCxnSpPr>
+          <p:cNvPr id="7" name="Straight Arrow Connector 6">
+            <a:extLst>
+              <a:ext uri="{FF2B5EF4-FFF2-40B4-BE49-F238E27FC236}">
+                <a16:creationId xmlns:a16="http://schemas.microsoft.com/office/drawing/2014/main" id="{100989EA-281B-42B0-963F-CECE624E95A5}"/>
+              </a:ext>
+            </a:extLst>
+          </p:cNvPr>
+          <p:cNvCxnSpPr>
+            <a:cxnSpLocks/>
+            <a:stCxn id="3" idx="3"/>
+            <a:endCxn id="9" idx="1"/>
+          </p:cNvCxnSpPr>
+          <p:nvPr/>
+        </p:nvCxnSpPr>
+        <p:spPr>
+          <a:xfrm>
+            <a:off x="4170854" y="1745655"/>
+            <a:ext cx="2725135" cy="0"/>
+          </a:xfrm>
+          <a:prstGeom prst="straightConnector1">
+            <a:avLst/>
+          </a:prstGeom>
+          <a:ln>
+            <a:headEnd type="triangle"/>
+            <a:tailEnd type="triangle"/>
+          </a:ln>
+        </p:spPr>
+        <p:style>
+          <a:lnRef idx="1">
+            <a:schemeClr val="accent1"/>
+          </a:lnRef>
+          <a:fillRef idx="0">
+            <a:schemeClr val="accent1"/>
+          </a:fillRef>
+          <a:effectRef idx="0">
+            <a:schemeClr val="accent1"/>
+          </a:effectRef>
+          <a:fontRef idx="minor">
+            <a:schemeClr val="tx1"/>
+          </a:fontRef>
+        </p:style>
+      </p:cxnSp>
+      <p:sp>
+        <p:nvSpPr>
+          <p:cNvPr id="18" name="Rectangle: Rounded Corners 17">
+            <a:extLst>
+              <a:ext uri="{FF2B5EF4-FFF2-40B4-BE49-F238E27FC236}">
+                <a16:creationId xmlns:a16="http://schemas.microsoft.com/office/drawing/2014/main" id="{1FFA5882-5D9B-4F86-8799-2355662C7436}"/>
+              </a:ext>
+            </a:extLst>
+          </p:cNvPr>
+          <p:cNvSpPr/>
+          <p:nvPr/>
+        </p:nvSpPr>
+        <p:spPr>
+          <a:xfrm>
+            <a:off x="1418247" y="3429000"/>
+            <a:ext cx="1697818" cy="1288438"/>
+          </a:xfrm>
+          <a:prstGeom prst="roundRect">
+            <a:avLst/>
+          </a:prstGeom>
+        </p:spPr>
+        <p:style>
+          <a:lnRef idx="2">
+            <a:schemeClr val="accent1">
+              <a:shade val="50000"/>
+            </a:schemeClr>
+          </a:lnRef>
+          <a:fillRef idx="1">
+            <a:schemeClr val="accent1"/>
+          </a:fillRef>
+          <a:effectRef idx="0">
+            <a:schemeClr val="accent1"/>
+          </a:effectRef>
+          <a:fontRef idx="minor">
+            <a:schemeClr val="lt1"/>
+          </a:fontRef>
+        </p:style>
+        <p:txBody>
+          <a:bodyPr rtlCol="0" anchor="ctr"/>
+          <a:lstStyle/>
+          <a:p>
+            <a:pPr algn="ctr"/>
+            <a:r>
+              <a:rPr lang="en-US" dirty="0"/>
+              <a:t>Eureka Client </a:t>
+            </a:r>
+          </a:p>
+          <a:p>
+            <a:pPr algn="ctr"/>
+            <a:r>
+              <a:rPr lang="en-US" dirty="0"/>
+              <a:t>192.168.1.202</a:t>
+            </a:r>
+          </a:p>
+        </p:txBody>
+      </p:sp>
+      <p:sp>
+        <p:nvSpPr>
+          <p:cNvPr id="19" name="Rectangle: Rounded Corners 18">
+            <a:extLst>
+              <a:ext uri="{FF2B5EF4-FFF2-40B4-BE49-F238E27FC236}">
+                <a16:creationId xmlns:a16="http://schemas.microsoft.com/office/drawing/2014/main" id="{DFCCEBA4-6C9B-4728-BFA4-E166BBB14108}"/>
+              </a:ext>
+            </a:extLst>
+          </p:cNvPr>
+          <p:cNvSpPr/>
+          <p:nvPr/>
+        </p:nvSpPr>
+        <p:spPr>
+          <a:xfrm>
+            <a:off x="4071569" y="3429000"/>
+            <a:ext cx="1697818" cy="1288438"/>
+          </a:xfrm>
+          <a:prstGeom prst="roundRect">
+            <a:avLst/>
+          </a:prstGeom>
+        </p:spPr>
+        <p:style>
+          <a:lnRef idx="2">
+            <a:schemeClr val="accent1">
+              <a:shade val="50000"/>
+            </a:schemeClr>
+          </a:lnRef>
+          <a:fillRef idx="1">
+            <a:schemeClr val="accent1"/>
+          </a:fillRef>
+          <a:effectRef idx="0">
+            <a:schemeClr val="accent1"/>
+          </a:effectRef>
+          <a:fontRef idx="minor">
+            <a:schemeClr val="lt1"/>
+          </a:fontRef>
+        </p:style>
+        <p:txBody>
+          <a:bodyPr rtlCol="0" anchor="ctr"/>
+          <a:lstStyle/>
+          <a:p>
+            <a:pPr algn="ctr"/>
+            <a:r>
+              <a:rPr lang="en-US" dirty="0"/>
+              <a:t>Eureka Client </a:t>
+            </a:r>
+          </a:p>
+          <a:p>
+            <a:pPr algn="ctr"/>
+            <a:r>
+              <a:rPr lang="en-US" dirty="0"/>
+              <a:t>192.168.1.203</a:t>
+            </a:r>
+          </a:p>
+        </p:txBody>
+      </p:sp>
+      <p:sp>
+        <p:nvSpPr>
+          <p:cNvPr id="20" name="Rectangle: Rounded Corners 19">
+            <a:extLst>
+              <a:ext uri="{FF2B5EF4-FFF2-40B4-BE49-F238E27FC236}">
+                <a16:creationId xmlns:a16="http://schemas.microsoft.com/office/drawing/2014/main" id="{547CB603-1086-4990-9058-14326DCC1CEC}"/>
+              </a:ext>
+            </a:extLst>
+          </p:cNvPr>
+          <p:cNvSpPr/>
+          <p:nvPr/>
+        </p:nvSpPr>
+        <p:spPr>
+          <a:xfrm>
+            <a:off x="6796958" y="3429000"/>
+            <a:ext cx="1697564" cy="1288438"/>
+          </a:xfrm>
+          <a:prstGeom prst="roundRect">
+            <a:avLst/>
+          </a:prstGeom>
+        </p:spPr>
+        <p:style>
+          <a:lnRef idx="2">
+            <a:schemeClr val="accent1">
+              <a:shade val="50000"/>
+            </a:schemeClr>
+          </a:lnRef>
+          <a:fillRef idx="1">
+            <a:schemeClr val="accent1"/>
+          </a:fillRef>
+          <a:effectRef idx="0">
+            <a:schemeClr val="accent1"/>
+          </a:effectRef>
+          <a:fontRef idx="minor">
+            <a:schemeClr val="lt1"/>
+          </a:fontRef>
+        </p:style>
+        <p:txBody>
+          <a:bodyPr rtlCol="0" anchor="ctr"/>
+          <a:lstStyle/>
+          <a:p>
+            <a:pPr algn="ctr"/>
+            <a:r>
+              <a:rPr lang="en-US" dirty="0"/>
+              <a:t>Eureka Client 192.168.1.204</a:t>
+            </a:r>
+          </a:p>
+        </p:txBody>
+      </p:sp>
+      <p:sp>
+        <p:nvSpPr>
+          <p:cNvPr id="21" name="Rectangle: Rounded Corners 20">
+            <a:extLst>
+              <a:ext uri="{FF2B5EF4-FFF2-40B4-BE49-F238E27FC236}">
+                <a16:creationId xmlns:a16="http://schemas.microsoft.com/office/drawing/2014/main" id="{DAC3782F-8696-432A-89D9-E450482B4A6A}"/>
+              </a:ext>
+            </a:extLst>
+          </p:cNvPr>
+          <p:cNvSpPr/>
+          <p:nvPr/>
+        </p:nvSpPr>
+        <p:spPr>
+          <a:xfrm>
+            <a:off x="9522094" y="3429000"/>
+            <a:ext cx="1697690" cy="1288438"/>
+          </a:xfrm>
+          <a:prstGeom prst="roundRect">
+            <a:avLst/>
+          </a:prstGeom>
+        </p:spPr>
+        <p:style>
+          <a:lnRef idx="2">
+            <a:schemeClr val="accent1">
+              <a:shade val="50000"/>
+            </a:schemeClr>
+          </a:lnRef>
+          <a:fillRef idx="1">
+            <a:schemeClr val="accent1"/>
+          </a:fillRef>
+          <a:effectRef idx="0">
+            <a:schemeClr val="accent1"/>
+          </a:effectRef>
+          <a:fontRef idx="minor">
+            <a:schemeClr val="lt1"/>
+          </a:fontRef>
+        </p:style>
+        <p:txBody>
+          <a:bodyPr rtlCol="0" anchor="ctr"/>
+          <a:lstStyle/>
+          <a:p>
+            <a:pPr algn="ctr"/>
+            <a:r>
+              <a:rPr lang="en-US" dirty="0"/>
+              <a:t>Eureka Client 192.168.1.205</a:t>
+            </a:r>
+          </a:p>
+        </p:txBody>
+      </p:sp>
+      <p:cxnSp>
+        <p:nvCxnSpPr>
+          <p:cNvPr id="25" name="Straight Arrow Connector 24">
+            <a:extLst>
+              <a:ext uri="{FF2B5EF4-FFF2-40B4-BE49-F238E27FC236}">
+                <a16:creationId xmlns:a16="http://schemas.microsoft.com/office/drawing/2014/main" id="{9CC2814F-F387-4C24-B867-85692E9F7CB2}"/>
+              </a:ext>
+            </a:extLst>
+          </p:cNvPr>
+          <p:cNvCxnSpPr>
+            <a:cxnSpLocks/>
+            <a:stCxn id="18" idx="0"/>
+            <a:endCxn id="3" idx="2"/>
+          </p:cNvCxnSpPr>
+          <p:nvPr/>
+        </p:nvCxnSpPr>
+        <p:spPr>
+          <a:xfrm flipV="1">
+            <a:off x="2267156" y="2389874"/>
+            <a:ext cx="1054789" cy="1039126"/>
+          </a:xfrm>
+          <a:prstGeom prst="straightConnector1">
+            <a:avLst/>
+          </a:prstGeom>
+          <a:ln>
+            <a:tailEnd type="triangle"/>
+          </a:ln>
+        </p:spPr>
+        <p:style>
+          <a:lnRef idx="1">
+            <a:schemeClr val="accent2"/>
+          </a:lnRef>
+          <a:fillRef idx="0">
+            <a:schemeClr val="accent2"/>
+          </a:fillRef>
+          <a:effectRef idx="0">
+            <a:schemeClr val="accent2"/>
+          </a:effectRef>
+          <a:fontRef idx="minor">
+            <a:schemeClr val="tx1"/>
+          </a:fontRef>
+        </p:style>
+      </p:cxnSp>
+      <p:cxnSp>
+        <p:nvCxnSpPr>
+          <p:cNvPr id="27" name="Straight Arrow Connector 26">
+            <a:extLst>
+              <a:ext uri="{FF2B5EF4-FFF2-40B4-BE49-F238E27FC236}">
+                <a16:creationId xmlns:a16="http://schemas.microsoft.com/office/drawing/2014/main" id="{93682BC6-E958-4F65-8C5D-B73AC062922D}"/>
+              </a:ext>
+            </a:extLst>
+          </p:cNvPr>
+          <p:cNvCxnSpPr>
+            <a:cxnSpLocks/>
+            <a:stCxn id="19" idx="0"/>
+            <a:endCxn id="3" idx="2"/>
+          </p:cNvCxnSpPr>
+          <p:nvPr/>
+        </p:nvCxnSpPr>
+        <p:spPr>
+          <a:xfrm flipH="1" flipV="1">
+            <a:off x="3321945" y="2389874"/>
+            <a:ext cx="1598533" cy="1039126"/>
+          </a:xfrm>
+          <a:prstGeom prst="straightConnector1">
+            <a:avLst/>
+          </a:prstGeom>
+          <a:ln>
+            <a:tailEnd type="triangle"/>
+          </a:ln>
+        </p:spPr>
+        <p:style>
+          <a:lnRef idx="1">
+            <a:schemeClr val="accent2"/>
+          </a:lnRef>
+          <a:fillRef idx="0">
+            <a:schemeClr val="accent2"/>
+          </a:fillRef>
+          <a:effectRef idx="0">
+            <a:schemeClr val="accent2"/>
+          </a:effectRef>
+          <a:fontRef idx="minor">
+            <a:schemeClr val="tx1"/>
+          </a:fontRef>
+        </p:style>
+      </p:cxnSp>
+      <p:cxnSp>
+        <p:nvCxnSpPr>
+          <p:cNvPr id="29" name="Straight Arrow Connector 28">
+            <a:extLst>
+              <a:ext uri="{FF2B5EF4-FFF2-40B4-BE49-F238E27FC236}">
+                <a16:creationId xmlns:a16="http://schemas.microsoft.com/office/drawing/2014/main" id="{C8CA35CC-D644-4F03-A945-BFC7BD105BD1}"/>
+              </a:ext>
+            </a:extLst>
+          </p:cNvPr>
+          <p:cNvCxnSpPr>
+            <a:cxnSpLocks/>
+            <a:stCxn id="20" idx="0"/>
+            <a:endCxn id="9" idx="2"/>
+          </p:cNvCxnSpPr>
+          <p:nvPr/>
+        </p:nvCxnSpPr>
+        <p:spPr>
+          <a:xfrm flipV="1">
+            <a:off x="7645740" y="2389874"/>
+            <a:ext cx="99158" cy="1039126"/>
+          </a:xfrm>
+          <a:prstGeom prst="straightConnector1">
+            <a:avLst/>
+          </a:prstGeom>
+          <a:ln>
+            <a:tailEnd type="triangle"/>
+          </a:ln>
+        </p:spPr>
+        <p:style>
+          <a:lnRef idx="1">
+            <a:schemeClr val="accent1"/>
+          </a:lnRef>
+          <a:fillRef idx="0">
+            <a:schemeClr val="accent1"/>
+          </a:fillRef>
+          <a:effectRef idx="0">
+            <a:schemeClr val="accent1"/>
+          </a:effectRef>
+          <a:fontRef idx="minor">
+            <a:schemeClr val="tx1"/>
+          </a:fontRef>
+        </p:style>
+      </p:cxnSp>
+      <p:cxnSp>
+        <p:nvCxnSpPr>
+          <p:cNvPr id="31" name="Straight Arrow Connector 30">
+            <a:extLst>
+              <a:ext uri="{FF2B5EF4-FFF2-40B4-BE49-F238E27FC236}">
+                <a16:creationId xmlns:a16="http://schemas.microsoft.com/office/drawing/2014/main" id="{5A0C37FC-A2C5-4279-BE26-59185A384733}"/>
+              </a:ext>
+            </a:extLst>
+          </p:cNvPr>
+          <p:cNvCxnSpPr>
+            <a:cxnSpLocks/>
+            <a:stCxn id="20" idx="0"/>
+            <a:endCxn id="3" idx="2"/>
+          </p:cNvCxnSpPr>
+          <p:nvPr/>
+        </p:nvCxnSpPr>
+        <p:spPr>
+          <a:xfrm flipH="1" flipV="1">
+            <a:off x="3321945" y="2389874"/>
+            <a:ext cx="4323795" cy="1039126"/>
+          </a:xfrm>
+          <a:prstGeom prst="straightConnector1">
+            <a:avLst/>
+          </a:prstGeom>
+          <a:ln>
+            <a:tailEnd type="triangle"/>
+          </a:ln>
+        </p:spPr>
+        <p:style>
+          <a:lnRef idx="1">
+            <a:schemeClr val="accent2"/>
+          </a:lnRef>
+          <a:fillRef idx="0">
+            <a:schemeClr val="accent2"/>
+          </a:fillRef>
+          <a:effectRef idx="0">
+            <a:schemeClr val="accent2"/>
+          </a:effectRef>
+          <a:fontRef idx="minor">
+            <a:schemeClr val="tx1"/>
+          </a:fontRef>
+        </p:style>
+      </p:cxnSp>
+      <p:cxnSp>
+        <p:nvCxnSpPr>
+          <p:cNvPr id="33" name="Straight Arrow Connector 32">
+            <a:extLst>
+              <a:ext uri="{FF2B5EF4-FFF2-40B4-BE49-F238E27FC236}">
+                <a16:creationId xmlns:a16="http://schemas.microsoft.com/office/drawing/2014/main" id="{06D91E46-7AA4-4603-8FCB-DCACC0D67A0A}"/>
+              </a:ext>
+            </a:extLst>
+          </p:cNvPr>
+          <p:cNvCxnSpPr>
+            <a:cxnSpLocks/>
+            <a:stCxn id="21" idx="0"/>
+            <a:endCxn id="3" idx="2"/>
+          </p:cNvCxnSpPr>
+          <p:nvPr/>
+        </p:nvCxnSpPr>
+        <p:spPr>
+          <a:xfrm flipH="1" flipV="1">
+            <a:off x="3321945" y="2389874"/>
+            <a:ext cx="7048994" cy="1039126"/>
+          </a:xfrm>
+          <a:prstGeom prst="straightConnector1">
+            <a:avLst/>
+          </a:prstGeom>
+          <a:ln>
+            <a:tailEnd type="triangle"/>
+          </a:ln>
+        </p:spPr>
+        <p:style>
+          <a:lnRef idx="1">
+            <a:schemeClr val="accent2"/>
+          </a:lnRef>
+          <a:fillRef idx="0">
+            <a:schemeClr val="accent2"/>
+          </a:fillRef>
+          <a:effectRef idx="0">
+            <a:schemeClr val="accent2"/>
+          </a:effectRef>
+          <a:fontRef idx="minor">
+            <a:schemeClr val="tx1"/>
+          </a:fontRef>
+        </p:style>
+      </p:cxnSp>
+      <p:cxnSp>
+        <p:nvCxnSpPr>
+          <p:cNvPr id="35" name="Straight Arrow Connector 34">
+            <a:extLst>
+              <a:ext uri="{FF2B5EF4-FFF2-40B4-BE49-F238E27FC236}">
+                <a16:creationId xmlns:a16="http://schemas.microsoft.com/office/drawing/2014/main" id="{39D53920-5573-403C-B574-200D3EEC671D}"/>
+              </a:ext>
+            </a:extLst>
+          </p:cNvPr>
+          <p:cNvCxnSpPr>
+            <a:cxnSpLocks/>
+            <a:stCxn id="18" idx="0"/>
+            <a:endCxn id="9" idx="2"/>
+          </p:cNvCxnSpPr>
+          <p:nvPr/>
+        </p:nvCxnSpPr>
+        <p:spPr>
+          <a:xfrm flipV="1">
+            <a:off x="2267156" y="2389874"/>
+            <a:ext cx="5477742" cy="1039126"/>
+          </a:xfrm>
+          <a:prstGeom prst="straightConnector1">
+            <a:avLst/>
+          </a:prstGeom>
+          <a:ln>
+            <a:tailEnd type="triangle"/>
+          </a:ln>
+        </p:spPr>
+        <p:style>
+          <a:lnRef idx="1">
+            <a:schemeClr val="accent1"/>
+          </a:lnRef>
+          <a:fillRef idx="0">
+            <a:schemeClr val="accent1"/>
+          </a:fillRef>
+          <a:effectRef idx="0">
+            <a:schemeClr val="accent1"/>
+          </a:effectRef>
+          <a:fontRef idx="minor">
+            <a:schemeClr val="tx1"/>
+          </a:fontRef>
+        </p:style>
+      </p:cxnSp>
+      <p:cxnSp>
+        <p:nvCxnSpPr>
+          <p:cNvPr id="37" name="Straight Arrow Connector 36">
+            <a:extLst>
+              <a:ext uri="{FF2B5EF4-FFF2-40B4-BE49-F238E27FC236}">
+                <a16:creationId xmlns:a16="http://schemas.microsoft.com/office/drawing/2014/main" id="{5A72B58E-2766-4B06-9EDB-15A23C502ED3}"/>
+              </a:ext>
+            </a:extLst>
+          </p:cNvPr>
+          <p:cNvCxnSpPr>
+            <a:cxnSpLocks/>
+            <a:stCxn id="19" idx="0"/>
+            <a:endCxn id="9" idx="2"/>
+          </p:cNvCxnSpPr>
+          <p:nvPr/>
+        </p:nvCxnSpPr>
+        <p:spPr>
+          <a:xfrm flipV="1">
+            <a:off x="4920478" y="2389874"/>
+            <a:ext cx="2824420" cy="1039126"/>
+          </a:xfrm>
+          <a:prstGeom prst="straightConnector1">
+            <a:avLst/>
+          </a:prstGeom>
+          <a:ln>
+            <a:tailEnd type="triangle"/>
+          </a:ln>
+        </p:spPr>
+        <p:style>
+          <a:lnRef idx="1">
+            <a:schemeClr val="accent1"/>
+          </a:lnRef>
+          <a:fillRef idx="0">
+            <a:schemeClr val="accent1"/>
+          </a:fillRef>
+          <a:effectRef idx="0">
+            <a:schemeClr val="accent1"/>
+          </a:effectRef>
+          <a:fontRef idx="minor">
+            <a:schemeClr val="tx1"/>
+          </a:fontRef>
+        </p:style>
+      </p:cxnSp>
+      <p:cxnSp>
+        <p:nvCxnSpPr>
+          <p:cNvPr id="39" name="Straight Arrow Connector 38">
+            <a:extLst>
+              <a:ext uri="{FF2B5EF4-FFF2-40B4-BE49-F238E27FC236}">
+                <a16:creationId xmlns:a16="http://schemas.microsoft.com/office/drawing/2014/main" id="{0A6B2A85-1C4B-410A-B35B-327DF8542BF3}"/>
+              </a:ext>
+            </a:extLst>
+          </p:cNvPr>
+          <p:cNvCxnSpPr>
+            <a:cxnSpLocks/>
+            <a:stCxn id="21" idx="0"/>
+            <a:endCxn id="9" idx="2"/>
+          </p:cNvCxnSpPr>
+          <p:nvPr/>
+        </p:nvCxnSpPr>
+        <p:spPr>
+          <a:xfrm flipH="1" flipV="1">
+            <a:off x="7744898" y="2389874"/>
+            <a:ext cx="2626041" cy="1039126"/>
+          </a:xfrm>
+          <a:prstGeom prst="straightConnector1">
+            <a:avLst/>
+          </a:prstGeom>
+          <a:ln>
+            <a:tailEnd type="triangle"/>
+          </a:ln>
+        </p:spPr>
+        <p:style>
+          <a:lnRef idx="1">
+            <a:schemeClr val="accent1"/>
+          </a:lnRef>
+          <a:fillRef idx="0">
+            <a:schemeClr val="accent1"/>
+          </a:fillRef>
+          <a:effectRef idx="0">
+            <a:schemeClr val="accent1"/>
+          </a:effectRef>
+          <a:fontRef idx="minor">
+            <a:schemeClr val="tx1"/>
+          </a:fontRef>
+        </p:style>
+      </p:cxnSp>
+      <p:sp>
+        <p:nvSpPr>
+          <p:cNvPr id="40" name="Rectangle 39">
+            <a:extLst>
+              <a:ext uri="{FF2B5EF4-FFF2-40B4-BE49-F238E27FC236}">
+                <a16:creationId xmlns:a16="http://schemas.microsoft.com/office/drawing/2014/main" id="{08205376-CD3A-4D74-AA6A-04347A8C6EAE}"/>
+              </a:ext>
+            </a:extLst>
+          </p:cNvPr>
+          <p:cNvSpPr/>
+          <p:nvPr/>
+        </p:nvSpPr>
+        <p:spPr>
+          <a:xfrm>
+            <a:off x="3673047" y="834811"/>
+            <a:ext cx="4071851" cy="1232954"/>
+          </a:xfrm>
+          <a:prstGeom prst="rect">
+            <a:avLst/>
+          </a:prstGeom>
+        </p:spPr>
+        <p:style>
+          <a:lnRef idx="2">
+            <a:schemeClr val="accent6"/>
+          </a:lnRef>
+          <a:fillRef idx="1">
+            <a:schemeClr val="lt1"/>
+          </a:fillRef>
+          <a:effectRef idx="0">
+            <a:schemeClr val="accent6"/>
+          </a:effectRef>
+          <a:fontRef idx="minor">
+            <a:schemeClr val="dk1"/>
+          </a:fontRef>
+        </p:style>
+        <p:txBody>
+          <a:bodyPr rtlCol="0" anchor="ctr"/>
+          <a:lstStyle/>
+          <a:p>
+            <a:r>
+              <a:rPr lang="en-US" dirty="0"/>
+              <a:t>spring.application.name=eureka-server</a:t>
+            </a:r>
+          </a:p>
+          <a:p>
+            <a:r>
+              <a:rPr lang="en-US" dirty="0" err="1"/>
+              <a:t>eureka.instance.prefer</a:t>
+            </a:r>
+            <a:r>
+              <a:rPr lang="en-US" dirty="0"/>
+              <a:t>-</a:t>
+            </a:r>
+            <a:r>
+              <a:rPr lang="en-US" dirty="0" err="1"/>
+              <a:t>ip</a:t>
+            </a:r>
+            <a:r>
+              <a:rPr lang="en-US" dirty="0"/>
+              <a:t>-address=true</a:t>
+            </a:r>
+          </a:p>
+          <a:p>
+            <a:r>
+              <a:rPr lang="en-US" dirty="0" err="1"/>
+              <a:t>eureka.client.serviceUrl.defaultZone</a:t>
+            </a:r>
+            <a:r>
+              <a:rPr lang="en-US" dirty="0"/>
+              <a:t>=http://192.168.1.201/eureka/</a:t>
+            </a:r>
+          </a:p>
+        </p:txBody>
+      </p:sp>
+      <p:sp>
+        <p:nvSpPr>
+          <p:cNvPr id="65" name="Rectangle 64">
+            <a:extLst>
+              <a:ext uri="{FF2B5EF4-FFF2-40B4-BE49-F238E27FC236}">
+                <a16:creationId xmlns:a16="http://schemas.microsoft.com/office/drawing/2014/main" id="{C5E324DB-6B02-43E8-93BF-C07286747FD2}"/>
+              </a:ext>
+            </a:extLst>
+          </p:cNvPr>
+          <p:cNvSpPr/>
+          <p:nvPr/>
+        </p:nvSpPr>
+        <p:spPr>
+          <a:xfrm>
+            <a:off x="3547989" y="4468126"/>
+            <a:ext cx="5298695" cy="1232954"/>
+          </a:xfrm>
+          <a:prstGeom prst="rect">
+            <a:avLst/>
+          </a:prstGeom>
+        </p:spPr>
+        <p:style>
+          <a:lnRef idx="2">
+            <a:schemeClr val="accent6"/>
+          </a:lnRef>
+          <a:fillRef idx="1">
+            <a:schemeClr val="lt1"/>
+          </a:fillRef>
+          <a:effectRef idx="0">
+            <a:schemeClr val="accent6"/>
+          </a:effectRef>
+          <a:fontRef idx="minor">
+            <a:schemeClr val="dk1"/>
+          </a:fontRef>
+        </p:style>
+        <p:txBody>
+          <a:bodyPr rtlCol="0" anchor="ctr"/>
+          <a:lstStyle/>
+          <a:p>
+            <a:r>
+              <a:rPr lang="en-US" dirty="0"/>
+              <a:t>spring.application.name=eureka-server</a:t>
+            </a:r>
+          </a:p>
+          <a:p>
+            <a:r>
+              <a:rPr lang="en-US" dirty="0" err="1"/>
+              <a:t>eureka.instance.prefer</a:t>
+            </a:r>
+            <a:r>
+              <a:rPr lang="en-US" dirty="0"/>
+              <a:t>-</a:t>
+            </a:r>
+            <a:r>
+              <a:rPr lang="en-US" dirty="0" err="1"/>
+              <a:t>ip</a:t>
+            </a:r>
+            <a:r>
+              <a:rPr lang="en-US" dirty="0"/>
+              <a:t>-address=true</a:t>
+            </a:r>
+          </a:p>
+          <a:p>
+            <a:r>
+              <a:rPr lang="en-US" dirty="0" err="1"/>
+              <a:t>eureka.client.serviceUrl.defaultZone</a:t>
+            </a:r>
+            <a:r>
+              <a:rPr lang="en-US" dirty="0"/>
+              <a:t>=http://192.168.1.200/eureka/, http://192.168.1.200/eureka/</a:t>
+            </a:r>
+          </a:p>
+        </p:txBody>
+      </p:sp>
+    </p:spTree>
+    <p:extLst>
+      <p:ext uri="{BB962C8B-B14F-4D97-AF65-F5344CB8AC3E}">
+        <p14:creationId xmlns:p14="http://schemas.microsoft.com/office/powerpoint/2010/main" val="264814506"/>
+      </p:ext>
+    </p:extLst>
+  </p:cSld>
+  <p:clrMapOvr>
+    <a:masterClrMapping/>
+  </p:clrMapOvr>
+  <mc:AlternateContent xmlns:mc="http://schemas.openxmlformats.org/markup-compatibility/2006" xmlns:p14="http://schemas.microsoft.com/office/powerpoint/2010/main">
+    <mc:Choice Requires="p14">
+      <p:transition spd="slow" p14:dur="1500">
+        <p:random/>
+      </p:transition>
+    </mc:Choice>
+    <mc:Fallback xmlns="">
+      <p:transition spd="slow">
+        <p:random/>
+      </p:transition>
+    </mc:Fallback>
+  </mc:AlternateContent>
+  <p:timing>
+    <p:tnLst>
+      <p:par>
+        <p:cTn id="1" dur="indefinite" restart="never" nodeType="tmRoot">
+          <p:childTnLst>
+            <p:seq concurrent="1" nextAc="seek">
+              <p:cTn id="2" dur="indefinite" nodeType="mainSeq">
+                <p:childTnLst>
+                  <p:par>
+                    <p:cTn id="3" fill="hold">
+                      <p:stCondLst>
+                        <p:cond delay="indefinite"/>
+                        <p:cond evt="onBegin" delay="0">
+                          <p:tn val="2"/>
+                        </p:cond>
+                      </p:stCondLst>
+                      <p:childTnLst>
+                        <p:par>
+                          <p:cTn id="4" fill="hold">
+                            <p:stCondLst>
+                              <p:cond delay="0"/>
+                            </p:stCondLst>
+                            <p:childTnLst>
+                              <p:par>
+                                <p:cTn id="5" presetID="2" presetClass="entr" presetSubtype="8" fill="hold" nodeType="afterEffect">
+                                  <p:stCondLst>
+                                    <p:cond delay="0"/>
+                                  </p:stCondLst>
+                                  <p:childTnLst>
+                                    <p:set>
+                                      <p:cBhvr>
+                                        <p:cTn id="6" dur="1" fill="hold">
+                                          <p:stCondLst>
+                                            <p:cond delay="0"/>
+                                          </p:stCondLst>
+                                        </p:cTn>
+                                        <p:tgtEl>
+                                          <p:spTgt spid="2"/>
+                                        </p:tgtEl>
+                                        <p:attrNameLst>
+                                          <p:attrName>style.visibility</p:attrName>
+                                        </p:attrNameLst>
+                                      </p:cBhvr>
+                                      <p:to>
+                                        <p:strVal val="visible"/>
+                                      </p:to>
+                                    </p:set>
+                                    <p:anim calcmode="lin" valueType="num">
+                                      <p:cBhvr additive="base">
+                                        <p:cTn id="7" dur="750" fill="hold"/>
+                                        <p:tgtEl>
+                                          <p:spTgt spid="2"/>
+                                        </p:tgtEl>
+                                        <p:attrNameLst>
+                                          <p:attrName>ppt_x</p:attrName>
+                                        </p:attrNameLst>
+                                      </p:cBhvr>
+                                      <p:tavLst>
+                                        <p:tav tm="0">
+                                          <p:val>
+                                            <p:strVal val="0-#ppt_w/2"/>
+                                          </p:val>
+                                        </p:tav>
+                                        <p:tav tm="100000">
+                                          <p:val>
+                                            <p:strVal val="#ppt_x"/>
+                                          </p:val>
+                                        </p:tav>
+                                      </p:tavLst>
+                                    </p:anim>
+                                    <p:anim calcmode="lin" valueType="num">
+                                      <p:cBhvr additive="base">
+                                        <p:cTn id="8" dur="750" fill="hold"/>
+                                        <p:tgtEl>
+                                          <p:spTgt spid="2"/>
+                                        </p:tgtEl>
+                                        <p:attrNameLst>
+                                          <p:attrName>ppt_y</p:attrName>
+                                        </p:attrNameLst>
+                                      </p:cBhvr>
+                                      <p:tavLst>
+                                        <p:tav tm="0">
+                                          <p:val>
+                                            <p:strVal val="#ppt_y"/>
+                                          </p:val>
+                                        </p:tav>
+                                        <p:tav tm="100000">
+                                          <p:val>
+                                            <p:strVal val="#ppt_y"/>
+                                          </p:val>
+                                        </p:tav>
+                                      </p:tavLst>
+                                    </p:anim>
+                                  </p:childTnLst>
+                                </p:cTn>
+                              </p:par>
+                            </p:childTnLst>
+                          </p:cTn>
+                        </p:par>
+                        <p:par>
+                          <p:cTn id="9" fill="hold">
+                            <p:stCondLst>
+                              <p:cond delay="750"/>
+                            </p:stCondLst>
+                            <p:childTnLst>
+                              <p:par>
+                                <p:cTn id="10" presetID="53" presetClass="entr" presetSubtype="16" fill="hold" grpId="0" nodeType="afterEffect">
+                                  <p:stCondLst>
+                                    <p:cond delay="0"/>
+                                  </p:stCondLst>
+                                  <p:iterate type="lt">
+                                    <p:tmPct val="10000"/>
+                                  </p:iterate>
+                                  <p:childTnLst>
+                                    <p:set>
+                                      <p:cBhvr>
+                                        <p:cTn id="11" dur="1" fill="hold">
+                                          <p:stCondLst>
+                                            <p:cond delay="0"/>
+                                          </p:stCondLst>
+                                        </p:cTn>
+                                        <p:tgtEl>
+                                          <p:spTgt spid="16"/>
+                                        </p:tgtEl>
+                                        <p:attrNameLst>
+                                          <p:attrName>style.visibility</p:attrName>
+                                        </p:attrNameLst>
+                                      </p:cBhvr>
+                                      <p:to>
+                                        <p:strVal val="visible"/>
+                                      </p:to>
+                                    </p:set>
+                                    <p:anim calcmode="lin" valueType="num">
+                                      <p:cBhvr>
+                                        <p:cTn id="12" dur="500" fill="hold"/>
+                                        <p:tgtEl>
+                                          <p:spTgt spid="16"/>
+                                        </p:tgtEl>
+                                        <p:attrNameLst>
+                                          <p:attrName>ppt_w</p:attrName>
+                                        </p:attrNameLst>
+                                      </p:cBhvr>
+                                      <p:tavLst>
+                                        <p:tav tm="0">
+                                          <p:val>
+                                            <p:fltVal val="0"/>
+                                          </p:val>
+                                        </p:tav>
+                                        <p:tav tm="100000">
+                                          <p:val>
+                                            <p:strVal val="#ppt_w"/>
+                                          </p:val>
+                                        </p:tav>
+                                      </p:tavLst>
+                                    </p:anim>
+                                    <p:anim calcmode="lin" valueType="num">
+                                      <p:cBhvr>
+                                        <p:cTn id="13" dur="500" fill="hold"/>
+                                        <p:tgtEl>
+                                          <p:spTgt spid="16"/>
+                                        </p:tgtEl>
+                                        <p:attrNameLst>
+                                          <p:attrName>ppt_h</p:attrName>
+                                        </p:attrNameLst>
+                                      </p:cBhvr>
+                                      <p:tavLst>
+                                        <p:tav tm="0">
+                                          <p:val>
+                                            <p:fltVal val="0"/>
+                                          </p:val>
+                                        </p:tav>
+                                        <p:tav tm="100000">
+                                          <p:val>
+                                            <p:strVal val="#ppt_h"/>
+                                          </p:val>
+                                        </p:tav>
+                                      </p:tavLst>
+                                    </p:anim>
+                                    <p:animEffect transition="in" filter="fade">
+                                      <p:cBhvr>
+                                        <p:cTn id="14" dur="500"/>
+                                        <p:tgtEl>
+                                          <p:spTgt spid="16"/>
+                                        </p:tgtEl>
+                                      </p:cBhvr>
+                                    </p:animEffect>
+                                  </p:childTnLst>
+                                </p:cTn>
+                              </p:par>
+                              <p:par>
+                                <p:cTn id="15" presetID="22" presetClass="entr" presetSubtype="2" fill="hold" nodeType="withEffect">
+                                  <p:stCondLst>
+                                    <p:cond delay="250"/>
+                                  </p:stCondLst>
+                                  <p:childTnLst>
+                                    <p:set>
+                                      <p:cBhvr>
+                                        <p:cTn id="16" dur="1" fill="hold">
+                                          <p:stCondLst>
+                                            <p:cond delay="0"/>
+                                          </p:stCondLst>
+                                        </p:cTn>
+                                        <p:tgtEl>
+                                          <p:spTgt spid="17"/>
+                                        </p:tgtEl>
+                                        <p:attrNameLst>
+                                          <p:attrName>style.visibility</p:attrName>
+                                        </p:attrNameLst>
+                                      </p:cBhvr>
+                                      <p:to>
+                                        <p:strVal val="visible"/>
+                                      </p:to>
+                                    </p:set>
+                                    <p:animEffect transition="in" filter="wipe(right)">
+                                      <p:cBhvr>
+                                        <p:cTn id="17" dur="750"/>
+                                        <p:tgtEl>
+                                          <p:spTgt spid="17"/>
+                                        </p:tgtEl>
+                                      </p:cBhvr>
+                                    </p:animEffect>
+                                  </p:childTnLst>
+                                </p:cTn>
+                              </p:par>
+                            </p:childTnLst>
+                          </p:cTn>
+                        </p:par>
+                      </p:childTnLst>
+                    </p:cTn>
+                  </p:par>
+                </p:childTnLst>
+              </p:cTn>
+              <p:prevCondLst>
+                <p:cond evt="onPrev" delay="0">
+                  <p:tgtEl>
+                    <p:sldTgt/>
+                  </p:tgtEl>
+                </p:cond>
+              </p:prevCondLst>
+              <p:nextCondLst>
+                <p:cond evt="onNext" delay="0">
+                  <p:tgtEl>
+                    <p:sldTgt/>
+                  </p:tgtEl>
+                </p:cond>
+              </p:nextCondLst>
+            </p:seq>
+          </p:childTnLst>
+        </p:cTn>
+      </p:par>
+    </p:tnLst>
+    <p:bldLst>
+      <p:bldP spid="16" grpId="0"/>
+    </p:bldLst>
+  </p:timing>
+</p:sld>
+</file>
+
+<file path=ppt/slides/slide3.xml><?xml version="1.0" encoding="utf-8"?>
+<p:sld xmlns:a="http://schemas.openxmlformats.org/drawingml/2006/main" xmlns:r="http://schemas.openxmlformats.org/officeDocument/2006/relationships" xmlns:p="http://schemas.openxmlformats.org/presentationml/2006/main">
+  <p:cSld>
+    <p:spTree>
+      <p:nvGrpSpPr>
+        <p:cNvPr id="1" name=""/>
+        <p:cNvGrpSpPr/>
+        <p:nvPr/>
+      </p:nvGrpSpPr>
+      <p:grpSpPr>
+        <a:xfrm>
+          <a:off x="0" y="0"/>
+          <a:ext cx="0" cy="0"/>
+          <a:chOff x="0" y="0"/>
+          <a:chExt cx="0" cy="0"/>
+        </a:xfrm>
+      </p:grpSpPr>
+      <p:grpSp>
+        <p:nvGrpSpPr>
+          <p:cNvPr id="2" name="1"/>
+          <p:cNvGrpSpPr/>
+          <p:nvPr/>
+        </p:nvGrpSpPr>
+        <p:grpSpPr>
+          <a:xfrm>
+            <a:off x="583060" y="342545"/>
+            <a:ext cx="637243" cy="227778"/>
+            <a:chOff x="264939" y="188640"/>
+            <a:chExt cx="604358" cy="216024"/>
+          </a:xfrm>
+          <a:solidFill>
+            <a:srgbClr val="0D4960"/>
+          </a:solidFill>
+        </p:grpSpPr>
+        <p:sp>
+          <p:nvSpPr>
+            <p:cNvPr id="13" name="燕尾形 12"/>
+            <p:cNvSpPr/>
+            <p:nvPr/>
+          </p:nvSpPr>
+          <p:spPr>
+            <a:xfrm>
+              <a:off x="264939" y="188640"/>
+              <a:ext cx="216024" cy="216024"/>
+            </a:xfrm>
+            <a:prstGeom prst="chevron">
+              <a:avLst/>
+            </a:prstGeom>
+            <a:grpFill/>
+            <a:ln>
+              <a:noFill/>
+            </a:ln>
+            <a:effectLst>
+              <a:outerShdw blurRad="63500" algn="ctr" rotWithShape="0">
+                <a:prstClr val="black">
+                  <a:alpha val="40000"/>
+                </a:prstClr>
+              </a:outerShdw>
+            </a:effectLst>
+          </p:spPr>
+          <p:txBody>
+            <a:bodyPr lIns="0" tIns="0" rIns="0" bIns="0" anchor="ctr"/>
+            <a:lstStyle/>
+            <a:p>
+              <a:endParaRPr lang="zh-CN" altLang="en-US" sz="900">
+                <a:solidFill>
+                  <a:srgbClr val="0070C0"/>
+                </a:solidFill>
+                <a:cs typeface="+mn-ea"/>
+              </a:endParaRPr>
+            </a:p>
+          </p:txBody>
+        </p:sp>
+        <p:sp>
+          <p:nvSpPr>
+            <p:cNvPr id="14" name="燕尾形 13"/>
+            <p:cNvSpPr/>
+            <p:nvPr/>
+          </p:nvSpPr>
+          <p:spPr>
+            <a:xfrm>
+              <a:off x="454914" y="188640"/>
+              <a:ext cx="216024" cy="216024"/>
+            </a:xfrm>
+            <a:prstGeom prst="chevron">
+              <a:avLst/>
+            </a:prstGeom>
+            <a:grpFill/>
+            <a:ln>
+              <a:noFill/>
+            </a:ln>
+            <a:effectLst>
+              <a:outerShdw blurRad="63500" algn="ctr" rotWithShape="0">
+                <a:prstClr val="black">
+                  <a:alpha val="40000"/>
+                </a:prstClr>
+              </a:outerShdw>
+            </a:effectLst>
+          </p:spPr>
+          <p:txBody>
+            <a:bodyPr lIns="0" tIns="0" rIns="0" bIns="0" anchor="ctr"/>
+            <a:lstStyle/>
+            <a:p>
+              <a:endParaRPr lang="zh-CN" altLang="en-US" sz="900">
+                <a:solidFill>
+                  <a:srgbClr val="0070C0"/>
+                </a:solidFill>
+                <a:cs typeface="+mn-ea"/>
+              </a:endParaRPr>
+            </a:p>
+          </p:txBody>
+        </p:sp>
+        <p:sp>
+          <p:nvSpPr>
+            <p:cNvPr id="15" name="燕尾形 14"/>
+            <p:cNvSpPr/>
+            <p:nvPr/>
+          </p:nvSpPr>
+          <p:spPr>
+            <a:xfrm>
+              <a:off x="653273" y="188640"/>
+              <a:ext cx="216024" cy="216024"/>
+            </a:xfrm>
+            <a:prstGeom prst="chevron">
+              <a:avLst/>
+            </a:prstGeom>
+            <a:grpFill/>
+            <a:ln>
+              <a:noFill/>
+            </a:ln>
+            <a:effectLst>
+              <a:outerShdw blurRad="63500" algn="ctr" rotWithShape="0">
+                <a:prstClr val="black">
+                  <a:alpha val="40000"/>
+                </a:prstClr>
+              </a:outerShdw>
+            </a:effectLst>
+          </p:spPr>
+          <p:txBody>
+            <a:bodyPr lIns="0" tIns="0" rIns="0" bIns="0" anchor="ctr"/>
+            <a:lstStyle/>
+            <a:p>
+              <a:endParaRPr lang="zh-CN" altLang="en-US" sz="900">
+                <a:solidFill>
+                  <a:srgbClr val="0070C0"/>
+                </a:solidFill>
+                <a:cs typeface="+mn-ea"/>
+              </a:endParaRPr>
+            </a:p>
+          </p:txBody>
+        </p:sp>
+      </p:grpSp>
+      <p:sp>
+        <p:nvSpPr>
+          <p:cNvPr id="16" name="2"/>
+          <p:cNvSpPr txBox="1"/>
+          <p:nvPr/>
+        </p:nvSpPr>
+        <p:spPr>
+          <a:xfrm>
+            <a:off x="1418247" y="211364"/>
+            <a:ext cx="5306644" cy="503905"/>
+          </a:xfrm>
+          <a:prstGeom prst="rect">
+            <a:avLst/>
+          </a:prstGeom>
+          <a:noFill/>
+        </p:spPr>
+        <p:txBody>
+          <a:bodyPr wrap="square" lIns="72312" tIns="36156" rIns="72312" bIns="36156" rtlCol="0">
+            <a:spAutoFit/>
+          </a:bodyPr>
+          <a:lstStyle/>
+          <a:p>
+            <a:pPr marL="0" lvl="1"/>
+            <a:r>
+              <a:rPr lang="en-US" altLang="zh-CN" sz="2800" spc="300" dirty="0">
+                <a:solidFill>
+                  <a:srgbClr val="0D4960"/>
+                </a:solidFill>
+                <a:latin typeface="方正尚酷简体" panose="03000509000000000000" pitchFamily="65" charset="-122"/>
+                <a:ea typeface="方正尚酷简体" panose="03000509000000000000" pitchFamily="65" charset="-122"/>
+              </a:rPr>
+              <a:t>Spring Cloud Eureka</a:t>
             </a:r>
           </a:p>
         </p:txBody>
@@ -9851,20 +11282,20 @@
     </p:spTree>
     <p:extLst>
       <p:ext uri="{BB962C8B-B14F-4D97-AF65-F5344CB8AC3E}">
-        <p14:creationId xmlns:p14="http://schemas.microsoft.com/office/powerpoint/2010/main" xmlns="" val="264814506"/>
+        <p14:creationId xmlns:p14="http://schemas.microsoft.com/office/powerpoint/2010/main" val="3171371657"/>
       </p:ext>
     </p:extLst>
   </p:cSld>
   <p:clrMapOvr>
     <a:masterClrMapping/>
   </p:clrMapOvr>
-  <mc:AlternateContent xmlns:mc="http://schemas.openxmlformats.org/markup-compatibility/2006">
-    <mc:Choice xmlns:p14="http://schemas.microsoft.com/office/powerpoint/2010/main" xmlns="" Requires="p14">
+  <mc:AlternateContent xmlns:mc="http://schemas.openxmlformats.org/markup-compatibility/2006" xmlns:p14="http://schemas.microsoft.com/office/powerpoint/2010/main">
+    <mc:Choice Requires="p14">
       <p:transition spd="slow" p14:dur="1500">
         <p:random/>
       </p:transition>
     </mc:Choice>
-    <mc:Fallback>
+    <mc:Fallback xmlns="">
       <p:transition spd="slow">
         <p:random/>
       </p:transition>
@@ -10389,7 +11820,7 @@
   <a:extraClrSchemeLst/>
   <a:extLst>
     <a:ext uri="{05A4C25C-085E-4340-85A3-A5531E510DB2}">
-      <thm15:themeFamily xmlns:thm15="http://schemas.microsoft.com/office/thememl/2012/main" xmlns="" name="Office Theme" id="{62F939B6-93AF-4DB8-9C6B-D6C7DFDC589F}" vid="{4A3C46E8-61CC-4603-A589-7422A47A8E4A}"/>
+      <thm15:themeFamily xmlns:thm15="http://schemas.microsoft.com/office/thememl/2012/main" name="Office Theme" id="{62F939B6-93AF-4DB8-9C6B-D6C7DFDC589F}" vid="{4A3C46E8-61CC-4603-A589-7422A47A8E4A}"/>
     </a:ext>
   </a:extLst>
 </a:theme>
@@ -10650,7 +12081,7 @@
   <a:extraClrSchemeLst/>
   <a:extLst>
     <a:ext uri="{05A4C25C-085E-4340-85A3-A5531E510DB2}">
-      <thm15:themeFamily xmlns:thm15="http://schemas.microsoft.com/office/thememl/2012/main" xmlns="" name="Office Theme" id="{62F939B6-93AF-4DB8-9C6B-D6C7DFDC589F}" vid="{4A3C46E8-61CC-4603-A589-7422A47A8E4A}"/>
+      <thm15:themeFamily xmlns:thm15="http://schemas.microsoft.com/office/thememl/2012/main" name="Office Theme" id="{62F939B6-93AF-4DB8-9C6B-D6C7DFDC589F}" vid="{4A3C46E8-61CC-4603-A589-7422A47A8E4A}"/>
     </a:ext>
   </a:extLst>
 </a:theme>

--- a/springcloud.pptx
+++ b/springcloud.pptx
@@ -5,17 +5,22 @@
     <p:sldMasterId id="2147483648" r:id="rId1"/>
   </p:sldMasterIdLst>
   <p:notesMasterIdLst>
-    <p:notesMasterId r:id="rId5"/>
+    <p:notesMasterId r:id="rId10"/>
   </p:notesMasterIdLst>
   <p:sldIdLst>
     <p:sldId id="256" r:id="rId2"/>
     <p:sldId id="307" r:id="rId3"/>
     <p:sldId id="308" r:id="rId4"/>
+    <p:sldId id="310" r:id="rId5"/>
+    <p:sldId id="311" r:id="rId6"/>
+    <p:sldId id="312" r:id="rId7"/>
+    <p:sldId id="313" r:id="rId8"/>
+    <p:sldId id="314" r:id="rId9"/>
   </p:sldIdLst>
   <p:sldSz cx="12192000" cy="6858000"/>
   <p:notesSz cx="6858000" cy="9144000"/>
   <p:custDataLst>
-    <p:tags r:id="rId6"/>
+    <p:tags r:id="rId11"/>
   </p:custDataLst>
   <p:defaultTextStyle>
     <a:defPPr>
@@ -214,7 +219,7 @@
             <a:fld id="{05B1D5F9-199E-4B77-ACFB-0D659EE03F6C}" type="datetimeFigureOut">
               <a:rPr lang="zh-CN" altLang="en-US" smtClean="0"/>
               <a:pPr/>
-              <a:t>2018/6/6</a:t>
+              <a:t>2018/6/8</a:t>
             </a:fld>
             <a:endParaRPr lang="zh-CN" altLang="en-US"/>
           </a:p>
@@ -737,6 +742,431 @@
 </p:notes>
 </file>
 
+<file path=ppt/notesSlides/notesSlide4.xml><?xml version="1.0" encoding="utf-8"?>
+<p:notes xmlns:a="http://schemas.openxmlformats.org/drawingml/2006/main" xmlns:r="http://schemas.openxmlformats.org/officeDocument/2006/relationships" xmlns:p="http://schemas.openxmlformats.org/presentationml/2006/main">
+  <p:cSld>
+    <p:spTree>
+      <p:nvGrpSpPr>
+        <p:cNvPr id="1" name=""/>
+        <p:cNvGrpSpPr/>
+        <p:nvPr/>
+      </p:nvGrpSpPr>
+      <p:grpSpPr>
+        <a:xfrm>
+          <a:off x="0" y="0"/>
+          <a:ext cx="0" cy="0"/>
+          <a:chOff x="0" y="0"/>
+          <a:chExt cx="0" cy="0"/>
+        </a:xfrm>
+      </p:grpSpPr>
+      <p:sp>
+        <p:nvSpPr>
+          <p:cNvPr id="2" name="幻灯片图像占位符 1"/>
+          <p:cNvSpPr>
+            <a:spLocks noGrp="1" noRot="1" noChangeAspect="1"/>
+          </p:cNvSpPr>
+          <p:nvPr>
+            <p:ph type="sldImg"/>
+          </p:nvPr>
+        </p:nvSpPr>
+        <p:spPr/>
+      </p:sp>
+      <p:sp>
+        <p:nvSpPr>
+          <p:cNvPr id="3" name="备注占位符 2"/>
+          <p:cNvSpPr>
+            <a:spLocks noGrp="1"/>
+          </p:cNvSpPr>
+          <p:nvPr>
+            <p:ph type="body" idx="1"/>
+          </p:nvPr>
+        </p:nvSpPr>
+        <p:spPr/>
+        <p:txBody>
+          <a:bodyPr/>
+          <a:lstStyle/>
+          <a:p>
+            <a:endParaRPr lang="zh-CN" altLang="en-US"/>
+          </a:p>
+        </p:txBody>
+      </p:sp>
+      <p:sp>
+        <p:nvSpPr>
+          <p:cNvPr id="4" name="灯片编号占位符 3"/>
+          <p:cNvSpPr>
+            <a:spLocks noGrp="1"/>
+          </p:cNvSpPr>
+          <p:nvPr>
+            <p:ph type="sldNum" sz="quarter" idx="10"/>
+          </p:nvPr>
+        </p:nvSpPr>
+        <p:spPr/>
+        <p:txBody>
+          <a:bodyPr/>
+          <a:lstStyle/>
+          <a:p>
+            <a:fld id="{22553725-671C-4999-8D68-861E5DC01BD8}" type="slidenum">
+              <a:rPr lang="zh-CN" altLang="en-US" smtClean="0"/>
+              <a:pPr/>
+              <a:t>4</a:t>
+            </a:fld>
+            <a:endParaRPr lang="zh-CN" altLang="en-US"/>
+          </a:p>
+        </p:txBody>
+      </p:sp>
+    </p:spTree>
+    <p:extLst>
+      <p:ext uri="{BB962C8B-B14F-4D97-AF65-F5344CB8AC3E}">
+        <p14:creationId xmlns:p14="http://schemas.microsoft.com/office/powerpoint/2010/main" val="2094086634"/>
+      </p:ext>
+    </p:extLst>
+  </p:cSld>
+  <p:clrMapOvr>
+    <a:masterClrMapping/>
+  </p:clrMapOvr>
+</p:notes>
+</file>
+
+<file path=ppt/notesSlides/notesSlide5.xml><?xml version="1.0" encoding="utf-8"?>
+<p:notes xmlns:a="http://schemas.openxmlformats.org/drawingml/2006/main" xmlns:r="http://schemas.openxmlformats.org/officeDocument/2006/relationships" xmlns:p="http://schemas.openxmlformats.org/presentationml/2006/main">
+  <p:cSld>
+    <p:spTree>
+      <p:nvGrpSpPr>
+        <p:cNvPr id="1" name=""/>
+        <p:cNvGrpSpPr/>
+        <p:nvPr/>
+      </p:nvGrpSpPr>
+      <p:grpSpPr>
+        <a:xfrm>
+          <a:off x="0" y="0"/>
+          <a:ext cx="0" cy="0"/>
+          <a:chOff x="0" y="0"/>
+          <a:chExt cx="0" cy="0"/>
+        </a:xfrm>
+      </p:grpSpPr>
+      <p:sp>
+        <p:nvSpPr>
+          <p:cNvPr id="2" name="幻灯片图像占位符 1"/>
+          <p:cNvSpPr>
+            <a:spLocks noGrp="1" noRot="1" noChangeAspect="1"/>
+          </p:cNvSpPr>
+          <p:nvPr>
+            <p:ph type="sldImg"/>
+          </p:nvPr>
+        </p:nvSpPr>
+        <p:spPr/>
+      </p:sp>
+      <p:sp>
+        <p:nvSpPr>
+          <p:cNvPr id="3" name="备注占位符 2"/>
+          <p:cNvSpPr>
+            <a:spLocks noGrp="1"/>
+          </p:cNvSpPr>
+          <p:nvPr>
+            <p:ph type="body" idx="1"/>
+          </p:nvPr>
+        </p:nvSpPr>
+        <p:spPr/>
+        <p:txBody>
+          <a:bodyPr/>
+          <a:lstStyle/>
+          <a:p>
+            <a:endParaRPr lang="zh-CN" altLang="en-US"/>
+          </a:p>
+        </p:txBody>
+      </p:sp>
+      <p:sp>
+        <p:nvSpPr>
+          <p:cNvPr id="4" name="灯片编号占位符 3"/>
+          <p:cNvSpPr>
+            <a:spLocks noGrp="1"/>
+          </p:cNvSpPr>
+          <p:nvPr>
+            <p:ph type="sldNum" sz="quarter" idx="10"/>
+          </p:nvPr>
+        </p:nvSpPr>
+        <p:spPr/>
+        <p:txBody>
+          <a:bodyPr/>
+          <a:lstStyle/>
+          <a:p>
+            <a:fld id="{22553725-671C-4999-8D68-861E5DC01BD8}" type="slidenum">
+              <a:rPr lang="zh-CN" altLang="en-US" smtClean="0"/>
+              <a:pPr/>
+              <a:t>5</a:t>
+            </a:fld>
+            <a:endParaRPr lang="zh-CN" altLang="en-US"/>
+          </a:p>
+        </p:txBody>
+      </p:sp>
+    </p:spTree>
+    <p:extLst>
+      <p:ext uri="{BB962C8B-B14F-4D97-AF65-F5344CB8AC3E}">
+        <p14:creationId xmlns:p14="http://schemas.microsoft.com/office/powerpoint/2010/main" val="3890051078"/>
+      </p:ext>
+    </p:extLst>
+  </p:cSld>
+  <p:clrMapOvr>
+    <a:masterClrMapping/>
+  </p:clrMapOvr>
+</p:notes>
+</file>
+
+<file path=ppt/notesSlides/notesSlide6.xml><?xml version="1.0" encoding="utf-8"?>
+<p:notes xmlns:a="http://schemas.openxmlformats.org/drawingml/2006/main" xmlns:r="http://schemas.openxmlformats.org/officeDocument/2006/relationships" xmlns:p="http://schemas.openxmlformats.org/presentationml/2006/main">
+  <p:cSld>
+    <p:spTree>
+      <p:nvGrpSpPr>
+        <p:cNvPr id="1" name=""/>
+        <p:cNvGrpSpPr/>
+        <p:nvPr/>
+      </p:nvGrpSpPr>
+      <p:grpSpPr>
+        <a:xfrm>
+          <a:off x="0" y="0"/>
+          <a:ext cx="0" cy="0"/>
+          <a:chOff x="0" y="0"/>
+          <a:chExt cx="0" cy="0"/>
+        </a:xfrm>
+      </p:grpSpPr>
+      <p:sp>
+        <p:nvSpPr>
+          <p:cNvPr id="2" name="幻灯片图像占位符 1"/>
+          <p:cNvSpPr>
+            <a:spLocks noGrp="1" noRot="1" noChangeAspect="1"/>
+          </p:cNvSpPr>
+          <p:nvPr>
+            <p:ph type="sldImg"/>
+          </p:nvPr>
+        </p:nvSpPr>
+        <p:spPr/>
+      </p:sp>
+      <p:sp>
+        <p:nvSpPr>
+          <p:cNvPr id="3" name="备注占位符 2"/>
+          <p:cNvSpPr>
+            <a:spLocks noGrp="1"/>
+          </p:cNvSpPr>
+          <p:nvPr>
+            <p:ph type="body" idx="1"/>
+          </p:nvPr>
+        </p:nvSpPr>
+        <p:spPr/>
+        <p:txBody>
+          <a:bodyPr/>
+          <a:lstStyle/>
+          <a:p>
+            <a:endParaRPr lang="zh-CN" altLang="en-US"/>
+          </a:p>
+        </p:txBody>
+      </p:sp>
+      <p:sp>
+        <p:nvSpPr>
+          <p:cNvPr id="4" name="灯片编号占位符 3"/>
+          <p:cNvSpPr>
+            <a:spLocks noGrp="1"/>
+          </p:cNvSpPr>
+          <p:nvPr>
+            <p:ph type="sldNum" sz="quarter" idx="10"/>
+          </p:nvPr>
+        </p:nvSpPr>
+        <p:spPr/>
+        <p:txBody>
+          <a:bodyPr/>
+          <a:lstStyle/>
+          <a:p>
+            <a:fld id="{22553725-671C-4999-8D68-861E5DC01BD8}" type="slidenum">
+              <a:rPr lang="zh-CN" altLang="en-US" smtClean="0"/>
+              <a:pPr/>
+              <a:t>6</a:t>
+            </a:fld>
+            <a:endParaRPr lang="zh-CN" altLang="en-US"/>
+          </a:p>
+        </p:txBody>
+      </p:sp>
+    </p:spTree>
+    <p:extLst>
+      <p:ext uri="{BB962C8B-B14F-4D97-AF65-F5344CB8AC3E}">
+        <p14:creationId xmlns:p14="http://schemas.microsoft.com/office/powerpoint/2010/main" val="196996080"/>
+      </p:ext>
+    </p:extLst>
+  </p:cSld>
+  <p:clrMapOvr>
+    <a:masterClrMapping/>
+  </p:clrMapOvr>
+</p:notes>
+</file>
+
+<file path=ppt/notesSlides/notesSlide7.xml><?xml version="1.0" encoding="utf-8"?>
+<p:notes xmlns:a="http://schemas.openxmlformats.org/drawingml/2006/main" xmlns:r="http://schemas.openxmlformats.org/officeDocument/2006/relationships" xmlns:p="http://schemas.openxmlformats.org/presentationml/2006/main">
+  <p:cSld>
+    <p:spTree>
+      <p:nvGrpSpPr>
+        <p:cNvPr id="1" name=""/>
+        <p:cNvGrpSpPr/>
+        <p:nvPr/>
+      </p:nvGrpSpPr>
+      <p:grpSpPr>
+        <a:xfrm>
+          <a:off x="0" y="0"/>
+          <a:ext cx="0" cy="0"/>
+          <a:chOff x="0" y="0"/>
+          <a:chExt cx="0" cy="0"/>
+        </a:xfrm>
+      </p:grpSpPr>
+      <p:sp>
+        <p:nvSpPr>
+          <p:cNvPr id="2" name="幻灯片图像占位符 1"/>
+          <p:cNvSpPr>
+            <a:spLocks noGrp="1" noRot="1" noChangeAspect="1"/>
+          </p:cNvSpPr>
+          <p:nvPr>
+            <p:ph type="sldImg"/>
+          </p:nvPr>
+        </p:nvSpPr>
+        <p:spPr/>
+      </p:sp>
+      <p:sp>
+        <p:nvSpPr>
+          <p:cNvPr id="3" name="备注占位符 2"/>
+          <p:cNvSpPr>
+            <a:spLocks noGrp="1"/>
+          </p:cNvSpPr>
+          <p:nvPr>
+            <p:ph type="body" idx="1"/>
+          </p:nvPr>
+        </p:nvSpPr>
+        <p:spPr/>
+        <p:txBody>
+          <a:bodyPr/>
+          <a:lstStyle/>
+          <a:p>
+            <a:endParaRPr lang="zh-CN" altLang="en-US"/>
+          </a:p>
+        </p:txBody>
+      </p:sp>
+      <p:sp>
+        <p:nvSpPr>
+          <p:cNvPr id="4" name="灯片编号占位符 3"/>
+          <p:cNvSpPr>
+            <a:spLocks noGrp="1"/>
+          </p:cNvSpPr>
+          <p:nvPr>
+            <p:ph type="sldNum" sz="quarter" idx="10"/>
+          </p:nvPr>
+        </p:nvSpPr>
+        <p:spPr/>
+        <p:txBody>
+          <a:bodyPr/>
+          <a:lstStyle/>
+          <a:p>
+            <a:fld id="{22553725-671C-4999-8D68-861E5DC01BD8}" type="slidenum">
+              <a:rPr lang="zh-CN" altLang="en-US" smtClean="0"/>
+              <a:pPr/>
+              <a:t>7</a:t>
+            </a:fld>
+            <a:endParaRPr lang="zh-CN" altLang="en-US"/>
+          </a:p>
+        </p:txBody>
+      </p:sp>
+    </p:spTree>
+    <p:extLst>
+      <p:ext uri="{BB962C8B-B14F-4D97-AF65-F5344CB8AC3E}">
+        <p14:creationId xmlns:p14="http://schemas.microsoft.com/office/powerpoint/2010/main" val="4053939129"/>
+      </p:ext>
+    </p:extLst>
+  </p:cSld>
+  <p:clrMapOvr>
+    <a:masterClrMapping/>
+  </p:clrMapOvr>
+</p:notes>
+</file>
+
+<file path=ppt/notesSlides/notesSlide8.xml><?xml version="1.0" encoding="utf-8"?>
+<p:notes xmlns:a="http://schemas.openxmlformats.org/drawingml/2006/main" xmlns:r="http://schemas.openxmlformats.org/officeDocument/2006/relationships" xmlns:p="http://schemas.openxmlformats.org/presentationml/2006/main">
+  <p:cSld>
+    <p:spTree>
+      <p:nvGrpSpPr>
+        <p:cNvPr id="1" name=""/>
+        <p:cNvGrpSpPr/>
+        <p:nvPr/>
+      </p:nvGrpSpPr>
+      <p:grpSpPr>
+        <a:xfrm>
+          <a:off x="0" y="0"/>
+          <a:ext cx="0" cy="0"/>
+          <a:chOff x="0" y="0"/>
+          <a:chExt cx="0" cy="0"/>
+        </a:xfrm>
+      </p:grpSpPr>
+      <p:sp>
+        <p:nvSpPr>
+          <p:cNvPr id="2" name="幻灯片图像占位符 1"/>
+          <p:cNvSpPr>
+            <a:spLocks noGrp="1" noRot="1" noChangeAspect="1"/>
+          </p:cNvSpPr>
+          <p:nvPr>
+            <p:ph type="sldImg"/>
+          </p:nvPr>
+        </p:nvSpPr>
+        <p:spPr/>
+      </p:sp>
+      <p:sp>
+        <p:nvSpPr>
+          <p:cNvPr id="3" name="备注占位符 2"/>
+          <p:cNvSpPr>
+            <a:spLocks noGrp="1"/>
+          </p:cNvSpPr>
+          <p:nvPr>
+            <p:ph type="body" idx="1"/>
+          </p:nvPr>
+        </p:nvSpPr>
+        <p:spPr/>
+        <p:txBody>
+          <a:bodyPr/>
+          <a:lstStyle/>
+          <a:p>
+            <a:endParaRPr lang="zh-CN" altLang="en-US"/>
+          </a:p>
+        </p:txBody>
+      </p:sp>
+      <p:sp>
+        <p:nvSpPr>
+          <p:cNvPr id="4" name="灯片编号占位符 3"/>
+          <p:cNvSpPr>
+            <a:spLocks noGrp="1"/>
+          </p:cNvSpPr>
+          <p:nvPr>
+            <p:ph type="sldNum" sz="quarter" idx="10"/>
+          </p:nvPr>
+        </p:nvSpPr>
+        <p:spPr/>
+        <p:txBody>
+          <a:bodyPr/>
+          <a:lstStyle/>
+          <a:p>
+            <a:fld id="{22553725-671C-4999-8D68-861E5DC01BD8}" type="slidenum">
+              <a:rPr lang="zh-CN" altLang="en-US" smtClean="0"/>
+              <a:pPr/>
+              <a:t>8</a:t>
+            </a:fld>
+            <a:endParaRPr lang="zh-CN" altLang="en-US"/>
+          </a:p>
+        </p:txBody>
+      </p:sp>
+    </p:spTree>
+    <p:extLst>
+      <p:ext uri="{BB962C8B-B14F-4D97-AF65-F5344CB8AC3E}">
+        <p14:creationId xmlns:p14="http://schemas.microsoft.com/office/powerpoint/2010/main" val="2150919067"/>
+      </p:ext>
+    </p:extLst>
+  </p:cSld>
+  <p:clrMapOvr>
+    <a:masterClrMapping/>
+  </p:clrMapOvr>
+</p:notes>
+</file>
+
 <file path=ppt/slideLayouts/slideLayout1.xml><?xml version="1.0" encoding="utf-8"?>
 <p:sldLayout xmlns:a="http://schemas.openxmlformats.org/drawingml/2006/main" xmlns:r="http://schemas.openxmlformats.org/officeDocument/2006/relationships" xmlns:p="http://schemas.openxmlformats.org/presentationml/2006/main" type="title" preserve="1">
   <p:cSld name="标题幻灯片">
@@ -867,7 +1297,7 @@
             <a:fld id="{91AD7F68-8E1B-45E2-8A27-5D5DEAAB1BF2}" type="datetimeFigureOut">
               <a:rPr lang="zh-CN" altLang="en-US" smtClean="0"/>
               <a:pPr/>
-              <a:t>2018/6/6</a:t>
+              <a:t>2018/6/8</a:t>
             </a:fld>
             <a:endParaRPr lang="zh-CN" altLang="en-US"/>
           </a:p>
@@ -1049,7 +1479,7 @@
             <a:fld id="{91AD7F68-8E1B-45E2-8A27-5D5DEAAB1BF2}" type="datetimeFigureOut">
               <a:rPr lang="zh-CN" altLang="en-US" smtClean="0"/>
               <a:pPr/>
-              <a:t>2018/6/6</a:t>
+              <a:t>2018/6/8</a:t>
             </a:fld>
             <a:endParaRPr lang="zh-CN" altLang="en-US"/>
           </a:p>
@@ -1241,7 +1671,7 @@
             <a:fld id="{91AD7F68-8E1B-45E2-8A27-5D5DEAAB1BF2}" type="datetimeFigureOut">
               <a:rPr lang="zh-CN" altLang="en-US" smtClean="0"/>
               <a:pPr/>
-              <a:t>2018/6/6</a:t>
+              <a:t>2018/6/8</a:t>
             </a:fld>
             <a:endParaRPr lang="zh-CN" altLang="en-US"/>
           </a:p>
@@ -1423,7 +1853,7 @@
             <a:fld id="{91AD7F68-8E1B-45E2-8A27-5D5DEAAB1BF2}" type="datetimeFigureOut">
               <a:rPr lang="zh-CN" altLang="en-US" smtClean="0"/>
               <a:pPr/>
-              <a:t>2018/6/6</a:t>
+              <a:t>2018/6/8</a:t>
             </a:fld>
             <a:endParaRPr lang="zh-CN" altLang="en-US"/>
           </a:p>
@@ -1682,7 +2112,7 @@
             <a:fld id="{91AD7F68-8E1B-45E2-8A27-5D5DEAAB1BF2}" type="datetimeFigureOut">
               <a:rPr lang="zh-CN" altLang="en-US" smtClean="0"/>
               <a:pPr/>
-              <a:t>2018/6/6</a:t>
+              <a:t>2018/6/8</a:t>
             </a:fld>
             <a:endParaRPr lang="zh-CN" altLang="en-US"/>
           </a:p>
@@ -1925,7 +2355,7 @@
             <a:fld id="{91AD7F68-8E1B-45E2-8A27-5D5DEAAB1BF2}" type="datetimeFigureOut">
               <a:rPr lang="zh-CN" altLang="en-US" smtClean="0"/>
               <a:pPr/>
-              <a:t>2018/6/6</a:t>
+              <a:t>2018/6/8</a:t>
             </a:fld>
             <a:endParaRPr lang="zh-CN" altLang="en-US"/>
           </a:p>
@@ -2303,7 +2733,7 @@
             <a:fld id="{91AD7F68-8E1B-45E2-8A27-5D5DEAAB1BF2}" type="datetimeFigureOut">
               <a:rPr lang="zh-CN" altLang="en-US" smtClean="0"/>
               <a:pPr/>
-              <a:t>2018/6/6</a:t>
+              <a:t>2018/6/8</a:t>
             </a:fld>
             <a:endParaRPr lang="zh-CN" altLang="en-US"/>
           </a:p>
@@ -2434,7 +2864,7 @@
             <a:fld id="{91AD7F68-8E1B-45E2-8A27-5D5DEAAB1BF2}" type="datetimeFigureOut">
               <a:rPr lang="zh-CN" altLang="en-US" smtClean="0"/>
               <a:pPr/>
-              <a:t>2018/6/6</a:t>
+              <a:t>2018/6/8</a:t>
             </a:fld>
             <a:endParaRPr lang="zh-CN" altLang="en-US"/>
           </a:p>
@@ -2543,7 +2973,7 @@
             <a:fld id="{91AD7F68-8E1B-45E2-8A27-5D5DEAAB1BF2}" type="datetimeFigureOut">
               <a:rPr lang="zh-CN" altLang="en-US" smtClean="0"/>
               <a:pPr/>
-              <a:t>2018/6/6</a:t>
+              <a:t>2018/6/8</a:t>
             </a:fld>
             <a:endParaRPr lang="zh-CN" altLang="en-US"/>
           </a:p>
@@ -2832,7 +3262,7 @@
             <a:fld id="{91AD7F68-8E1B-45E2-8A27-5D5DEAAB1BF2}" type="datetimeFigureOut">
               <a:rPr lang="zh-CN" altLang="en-US" smtClean="0"/>
               <a:pPr/>
-              <a:t>2018/6/6</a:t>
+              <a:t>2018/6/8</a:t>
             </a:fld>
             <a:endParaRPr lang="zh-CN" altLang="en-US"/>
           </a:p>
@@ -3098,7 +3528,7 @@
             <a:fld id="{91AD7F68-8E1B-45E2-8A27-5D5DEAAB1BF2}" type="datetimeFigureOut">
               <a:rPr lang="zh-CN" altLang="en-US" smtClean="0"/>
               <a:pPr/>
-              <a:t>2018/6/6</a:t>
+              <a:t>2018/6/8</a:t>
             </a:fld>
             <a:endParaRPr lang="zh-CN" altLang="en-US"/>
           </a:p>
@@ -3323,7 +3753,7 @@
             <a:fld id="{91AD7F68-8E1B-45E2-8A27-5D5DEAAB1BF2}" type="datetimeFigureOut">
               <a:rPr lang="zh-CN" altLang="en-US" smtClean="0"/>
               <a:pPr/>
-              <a:t>2018/6/6</a:t>
+              <a:t>2018/6/8</a:t>
             </a:fld>
             <a:endParaRPr lang="zh-CN" altLang="en-US"/>
           </a:p>
@@ -9858,8 +10288,8 @@
         </p:nvSpPr>
         <p:spPr>
           <a:xfrm>
-            <a:off x="1418247" y="211364"/>
-            <a:ext cx="5306644" cy="503905"/>
+            <a:off x="1418246" y="211364"/>
+            <a:ext cx="9990381" cy="503905"/>
           </a:xfrm>
           <a:prstGeom prst="rect">
             <a:avLst/>
@@ -9881,8 +10311,25 @@
                 <a:latin typeface="方正尚酷简体" panose="03000509000000000000" pitchFamily="65" charset="-122"/>
                 <a:ea typeface="方正尚酷简体" panose="03000509000000000000" pitchFamily="65" charset="-122"/>
               </a:rPr>
-              <a:t>Spring Cloud Eureka</a:t>
+              <a:t>Spring Cloud Eureka </a:t>
             </a:r>
+            <a:r>
+              <a:rPr lang="zh-CN" altLang="en-US" sz="2800" spc="300" dirty="0">
+                <a:solidFill>
+                  <a:srgbClr val="0D4960"/>
+                </a:solidFill>
+                <a:latin typeface="方正尚酷简体" panose="03000509000000000000" pitchFamily="65" charset="-122"/>
+                <a:ea typeface="方正尚酷简体" panose="03000509000000000000" pitchFamily="65" charset="-122"/>
+              </a:rPr>
+              <a:t>服务治理</a:t>
+            </a:r>
+            <a:endParaRPr lang="en-US" altLang="zh-CN" sz="2800" spc="300" dirty="0">
+              <a:solidFill>
+                <a:srgbClr val="0D4960"/>
+              </a:solidFill>
+              <a:latin typeface="方正尚酷简体" panose="03000509000000000000" pitchFamily="65" charset="-122"/>
+              <a:ea typeface="方正尚酷简体" panose="03000509000000000000" pitchFamily="65" charset="-122"/>
+            </a:endParaRPr>
           </a:p>
         </p:txBody>
       </p:sp>
@@ -11215,7 +11662,7 @@
         <p:spPr>
           <a:xfrm>
             <a:off x="1418247" y="211364"/>
-            <a:ext cx="5306644" cy="503905"/>
+            <a:ext cx="10174106" cy="503905"/>
           </a:xfrm>
           <a:prstGeom prst="rect">
             <a:avLst/>
@@ -11237,8 +11684,25 @@
                 <a:latin typeface="方正尚酷简体" panose="03000509000000000000" pitchFamily="65" charset="-122"/>
                 <a:ea typeface="方正尚酷简体" panose="03000509000000000000" pitchFamily="65" charset="-122"/>
               </a:rPr>
-              <a:t>Spring Cloud Eureka</a:t>
+              <a:t>Spring Cloud Ribbon  </a:t>
             </a:r>
+            <a:r>
+              <a:rPr lang="zh-CN" altLang="en-US" sz="2800" spc="300" dirty="0">
+                <a:solidFill>
+                  <a:srgbClr val="0D4960"/>
+                </a:solidFill>
+                <a:latin typeface="方正尚酷简体" panose="03000509000000000000" pitchFamily="65" charset="-122"/>
+                <a:ea typeface="方正尚酷简体" panose="03000509000000000000" pitchFamily="65" charset="-122"/>
+              </a:rPr>
+              <a:t>负载均衡</a:t>
+            </a:r>
+            <a:endParaRPr lang="en-US" altLang="zh-CN" sz="2800" spc="300" dirty="0">
+              <a:solidFill>
+                <a:srgbClr val="0D4960"/>
+              </a:solidFill>
+              <a:latin typeface="方正尚酷简体" panose="03000509000000000000" pitchFamily="65" charset="-122"/>
+              <a:ea typeface="方正尚酷简体" panose="03000509000000000000" pitchFamily="65" charset="-122"/>
+            </a:endParaRPr>
           </a:p>
         </p:txBody>
       </p:sp>
@@ -11283,6 +11747,2676 @@
     <p:extLst>
       <p:ext uri="{BB962C8B-B14F-4D97-AF65-F5344CB8AC3E}">
         <p14:creationId xmlns:p14="http://schemas.microsoft.com/office/powerpoint/2010/main" val="3171371657"/>
+      </p:ext>
+    </p:extLst>
+  </p:cSld>
+  <p:clrMapOvr>
+    <a:masterClrMapping/>
+  </p:clrMapOvr>
+  <mc:AlternateContent xmlns:mc="http://schemas.openxmlformats.org/markup-compatibility/2006" xmlns:p14="http://schemas.microsoft.com/office/powerpoint/2010/main">
+    <mc:Choice Requires="p14">
+      <p:transition spd="slow" p14:dur="1500">
+        <p:random/>
+      </p:transition>
+    </mc:Choice>
+    <mc:Fallback xmlns="">
+      <p:transition spd="slow">
+        <p:random/>
+      </p:transition>
+    </mc:Fallback>
+  </mc:AlternateContent>
+  <p:timing>
+    <p:tnLst>
+      <p:par>
+        <p:cTn id="1" dur="indefinite" restart="never" nodeType="tmRoot">
+          <p:childTnLst>
+            <p:seq concurrent="1" nextAc="seek">
+              <p:cTn id="2" dur="indefinite" nodeType="mainSeq">
+                <p:childTnLst>
+                  <p:par>
+                    <p:cTn id="3" fill="hold">
+                      <p:stCondLst>
+                        <p:cond delay="indefinite"/>
+                        <p:cond evt="onBegin" delay="0">
+                          <p:tn val="2"/>
+                        </p:cond>
+                      </p:stCondLst>
+                      <p:childTnLst>
+                        <p:par>
+                          <p:cTn id="4" fill="hold">
+                            <p:stCondLst>
+                              <p:cond delay="0"/>
+                            </p:stCondLst>
+                            <p:childTnLst>
+                              <p:par>
+                                <p:cTn id="5" presetID="2" presetClass="entr" presetSubtype="8" fill="hold" nodeType="afterEffect">
+                                  <p:stCondLst>
+                                    <p:cond delay="0"/>
+                                  </p:stCondLst>
+                                  <p:childTnLst>
+                                    <p:set>
+                                      <p:cBhvr>
+                                        <p:cTn id="6" dur="1" fill="hold">
+                                          <p:stCondLst>
+                                            <p:cond delay="0"/>
+                                          </p:stCondLst>
+                                        </p:cTn>
+                                        <p:tgtEl>
+                                          <p:spTgt spid="2"/>
+                                        </p:tgtEl>
+                                        <p:attrNameLst>
+                                          <p:attrName>style.visibility</p:attrName>
+                                        </p:attrNameLst>
+                                      </p:cBhvr>
+                                      <p:to>
+                                        <p:strVal val="visible"/>
+                                      </p:to>
+                                    </p:set>
+                                    <p:anim calcmode="lin" valueType="num">
+                                      <p:cBhvr additive="base">
+                                        <p:cTn id="7" dur="750" fill="hold"/>
+                                        <p:tgtEl>
+                                          <p:spTgt spid="2"/>
+                                        </p:tgtEl>
+                                        <p:attrNameLst>
+                                          <p:attrName>ppt_x</p:attrName>
+                                        </p:attrNameLst>
+                                      </p:cBhvr>
+                                      <p:tavLst>
+                                        <p:tav tm="0">
+                                          <p:val>
+                                            <p:strVal val="0-#ppt_w/2"/>
+                                          </p:val>
+                                        </p:tav>
+                                        <p:tav tm="100000">
+                                          <p:val>
+                                            <p:strVal val="#ppt_x"/>
+                                          </p:val>
+                                        </p:tav>
+                                      </p:tavLst>
+                                    </p:anim>
+                                    <p:anim calcmode="lin" valueType="num">
+                                      <p:cBhvr additive="base">
+                                        <p:cTn id="8" dur="750" fill="hold"/>
+                                        <p:tgtEl>
+                                          <p:spTgt spid="2"/>
+                                        </p:tgtEl>
+                                        <p:attrNameLst>
+                                          <p:attrName>ppt_y</p:attrName>
+                                        </p:attrNameLst>
+                                      </p:cBhvr>
+                                      <p:tavLst>
+                                        <p:tav tm="0">
+                                          <p:val>
+                                            <p:strVal val="#ppt_y"/>
+                                          </p:val>
+                                        </p:tav>
+                                        <p:tav tm="100000">
+                                          <p:val>
+                                            <p:strVal val="#ppt_y"/>
+                                          </p:val>
+                                        </p:tav>
+                                      </p:tavLst>
+                                    </p:anim>
+                                  </p:childTnLst>
+                                </p:cTn>
+                              </p:par>
+                            </p:childTnLst>
+                          </p:cTn>
+                        </p:par>
+                        <p:par>
+                          <p:cTn id="9" fill="hold">
+                            <p:stCondLst>
+                              <p:cond delay="750"/>
+                            </p:stCondLst>
+                            <p:childTnLst>
+                              <p:par>
+                                <p:cTn id="10" presetID="53" presetClass="entr" presetSubtype="16" fill="hold" grpId="0" nodeType="afterEffect">
+                                  <p:stCondLst>
+                                    <p:cond delay="0"/>
+                                  </p:stCondLst>
+                                  <p:iterate type="lt">
+                                    <p:tmPct val="10000"/>
+                                  </p:iterate>
+                                  <p:childTnLst>
+                                    <p:set>
+                                      <p:cBhvr>
+                                        <p:cTn id="11" dur="1" fill="hold">
+                                          <p:stCondLst>
+                                            <p:cond delay="0"/>
+                                          </p:stCondLst>
+                                        </p:cTn>
+                                        <p:tgtEl>
+                                          <p:spTgt spid="16"/>
+                                        </p:tgtEl>
+                                        <p:attrNameLst>
+                                          <p:attrName>style.visibility</p:attrName>
+                                        </p:attrNameLst>
+                                      </p:cBhvr>
+                                      <p:to>
+                                        <p:strVal val="visible"/>
+                                      </p:to>
+                                    </p:set>
+                                    <p:anim calcmode="lin" valueType="num">
+                                      <p:cBhvr>
+                                        <p:cTn id="12" dur="500" fill="hold"/>
+                                        <p:tgtEl>
+                                          <p:spTgt spid="16"/>
+                                        </p:tgtEl>
+                                        <p:attrNameLst>
+                                          <p:attrName>ppt_w</p:attrName>
+                                        </p:attrNameLst>
+                                      </p:cBhvr>
+                                      <p:tavLst>
+                                        <p:tav tm="0">
+                                          <p:val>
+                                            <p:fltVal val="0"/>
+                                          </p:val>
+                                        </p:tav>
+                                        <p:tav tm="100000">
+                                          <p:val>
+                                            <p:strVal val="#ppt_w"/>
+                                          </p:val>
+                                        </p:tav>
+                                      </p:tavLst>
+                                    </p:anim>
+                                    <p:anim calcmode="lin" valueType="num">
+                                      <p:cBhvr>
+                                        <p:cTn id="13" dur="500" fill="hold"/>
+                                        <p:tgtEl>
+                                          <p:spTgt spid="16"/>
+                                        </p:tgtEl>
+                                        <p:attrNameLst>
+                                          <p:attrName>ppt_h</p:attrName>
+                                        </p:attrNameLst>
+                                      </p:cBhvr>
+                                      <p:tavLst>
+                                        <p:tav tm="0">
+                                          <p:val>
+                                            <p:fltVal val="0"/>
+                                          </p:val>
+                                        </p:tav>
+                                        <p:tav tm="100000">
+                                          <p:val>
+                                            <p:strVal val="#ppt_h"/>
+                                          </p:val>
+                                        </p:tav>
+                                      </p:tavLst>
+                                    </p:anim>
+                                    <p:animEffect transition="in" filter="fade">
+                                      <p:cBhvr>
+                                        <p:cTn id="14" dur="500"/>
+                                        <p:tgtEl>
+                                          <p:spTgt spid="16"/>
+                                        </p:tgtEl>
+                                      </p:cBhvr>
+                                    </p:animEffect>
+                                  </p:childTnLst>
+                                </p:cTn>
+                              </p:par>
+                              <p:par>
+                                <p:cTn id="15" presetID="22" presetClass="entr" presetSubtype="2" fill="hold" nodeType="withEffect">
+                                  <p:stCondLst>
+                                    <p:cond delay="250"/>
+                                  </p:stCondLst>
+                                  <p:childTnLst>
+                                    <p:set>
+                                      <p:cBhvr>
+                                        <p:cTn id="16" dur="1" fill="hold">
+                                          <p:stCondLst>
+                                            <p:cond delay="0"/>
+                                          </p:stCondLst>
+                                        </p:cTn>
+                                        <p:tgtEl>
+                                          <p:spTgt spid="17"/>
+                                        </p:tgtEl>
+                                        <p:attrNameLst>
+                                          <p:attrName>style.visibility</p:attrName>
+                                        </p:attrNameLst>
+                                      </p:cBhvr>
+                                      <p:to>
+                                        <p:strVal val="visible"/>
+                                      </p:to>
+                                    </p:set>
+                                    <p:animEffect transition="in" filter="wipe(right)">
+                                      <p:cBhvr>
+                                        <p:cTn id="17" dur="750"/>
+                                        <p:tgtEl>
+                                          <p:spTgt spid="17"/>
+                                        </p:tgtEl>
+                                      </p:cBhvr>
+                                    </p:animEffect>
+                                  </p:childTnLst>
+                                </p:cTn>
+                              </p:par>
+                            </p:childTnLst>
+                          </p:cTn>
+                        </p:par>
+                      </p:childTnLst>
+                    </p:cTn>
+                  </p:par>
+                </p:childTnLst>
+              </p:cTn>
+              <p:prevCondLst>
+                <p:cond evt="onPrev" delay="0">
+                  <p:tgtEl>
+                    <p:sldTgt/>
+                  </p:tgtEl>
+                </p:cond>
+              </p:prevCondLst>
+              <p:nextCondLst>
+                <p:cond evt="onNext" delay="0">
+                  <p:tgtEl>
+                    <p:sldTgt/>
+                  </p:tgtEl>
+                </p:cond>
+              </p:nextCondLst>
+            </p:seq>
+          </p:childTnLst>
+        </p:cTn>
+      </p:par>
+    </p:tnLst>
+    <p:bldLst>
+      <p:bldP spid="16" grpId="0"/>
+    </p:bldLst>
+  </p:timing>
+</p:sld>
+</file>
+
+<file path=ppt/slides/slide4.xml><?xml version="1.0" encoding="utf-8"?>
+<p:sld xmlns:a="http://schemas.openxmlformats.org/drawingml/2006/main" xmlns:r="http://schemas.openxmlformats.org/officeDocument/2006/relationships" xmlns:p="http://schemas.openxmlformats.org/presentationml/2006/main">
+  <p:cSld>
+    <p:spTree>
+      <p:nvGrpSpPr>
+        <p:cNvPr id="1" name=""/>
+        <p:cNvGrpSpPr/>
+        <p:nvPr/>
+      </p:nvGrpSpPr>
+      <p:grpSpPr>
+        <a:xfrm>
+          <a:off x="0" y="0"/>
+          <a:ext cx="0" cy="0"/>
+          <a:chOff x="0" y="0"/>
+          <a:chExt cx="0" cy="0"/>
+        </a:xfrm>
+      </p:grpSpPr>
+      <p:grpSp>
+        <p:nvGrpSpPr>
+          <p:cNvPr id="2" name="1"/>
+          <p:cNvGrpSpPr/>
+          <p:nvPr/>
+        </p:nvGrpSpPr>
+        <p:grpSpPr>
+          <a:xfrm>
+            <a:off x="583060" y="342545"/>
+            <a:ext cx="637243" cy="227778"/>
+            <a:chOff x="264939" y="188640"/>
+            <a:chExt cx="604358" cy="216024"/>
+          </a:xfrm>
+          <a:solidFill>
+            <a:srgbClr val="0D4960"/>
+          </a:solidFill>
+        </p:grpSpPr>
+        <p:sp>
+          <p:nvSpPr>
+            <p:cNvPr id="13" name="燕尾形 12"/>
+            <p:cNvSpPr/>
+            <p:nvPr/>
+          </p:nvSpPr>
+          <p:spPr>
+            <a:xfrm>
+              <a:off x="264939" y="188640"/>
+              <a:ext cx="216024" cy="216024"/>
+            </a:xfrm>
+            <a:prstGeom prst="chevron">
+              <a:avLst/>
+            </a:prstGeom>
+            <a:grpFill/>
+            <a:ln>
+              <a:noFill/>
+            </a:ln>
+            <a:effectLst>
+              <a:outerShdw blurRad="63500" algn="ctr" rotWithShape="0">
+                <a:prstClr val="black">
+                  <a:alpha val="40000"/>
+                </a:prstClr>
+              </a:outerShdw>
+            </a:effectLst>
+          </p:spPr>
+          <p:txBody>
+            <a:bodyPr lIns="0" tIns="0" rIns="0" bIns="0" anchor="ctr"/>
+            <a:lstStyle/>
+            <a:p>
+              <a:endParaRPr lang="zh-CN" altLang="en-US" sz="900">
+                <a:solidFill>
+                  <a:srgbClr val="0070C0"/>
+                </a:solidFill>
+                <a:cs typeface="+mn-ea"/>
+              </a:endParaRPr>
+            </a:p>
+          </p:txBody>
+        </p:sp>
+        <p:sp>
+          <p:nvSpPr>
+            <p:cNvPr id="14" name="燕尾形 13"/>
+            <p:cNvSpPr/>
+            <p:nvPr/>
+          </p:nvSpPr>
+          <p:spPr>
+            <a:xfrm>
+              <a:off x="454914" y="188640"/>
+              <a:ext cx="216024" cy="216024"/>
+            </a:xfrm>
+            <a:prstGeom prst="chevron">
+              <a:avLst/>
+            </a:prstGeom>
+            <a:grpFill/>
+            <a:ln>
+              <a:noFill/>
+            </a:ln>
+            <a:effectLst>
+              <a:outerShdw blurRad="63500" algn="ctr" rotWithShape="0">
+                <a:prstClr val="black">
+                  <a:alpha val="40000"/>
+                </a:prstClr>
+              </a:outerShdw>
+            </a:effectLst>
+          </p:spPr>
+          <p:txBody>
+            <a:bodyPr lIns="0" tIns="0" rIns="0" bIns="0" anchor="ctr"/>
+            <a:lstStyle/>
+            <a:p>
+              <a:endParaRPr lang="zh-CN" altLang="en-US" sz="900">
+                <a:solidFill>
+                  <a:srgbClr val="0070C0"/>
+                </a:solidFill>
+                <a:cs typeface="+mn-ea"/>
+              </a:endParaRPr>
+            </a:p>
+          </p:txBody>
+        </p:sp>
+        <p:sp>
+          <p:nvSpPr>
+            <p:cNvPr id="15" name="燕尾形 14"/>
+            <p:cNvSpPr/>
+            <p:nvPr/>
+          </p:nvSpPr>
+          <p:spPr>
+            <a:xfrm>
+              <a:off x="653273" y="188640"/>
+              <a:ext cx="216024" cy="216024"/>
+            </a:xfrm>
+            <a:prstGeom prst="chevron">
+              <a:avLst/>
+            </a:prstGeom>
+            <a:grpFill/>
+            <a:ln>
+              <a:noFill/>
+            </a:ln>
+            <a:effectLst>
+              <a:outerShdw blurRad="63500" algn="ctr" rotWithShape="0">
+                <a:prstClr val="black">
+                  <a:alpha val="40000"/>
+                </a:prstClr>
+              </a:outerShdw>
+            </a:effectLst>
+          </p:spPr>
+          <p:txBody>
+            <a:bodyPr lIns="0" tIns="0" rIns="0" bIns="0" anchor="ctr"/>
+            <a:lstStyle/>
+            <a:p>
+              <a:endParaRPr lang="zh-CN" altLang="en-US" sz="900">
+                <a:solidFill>
+                  <a:srgbClr val="0070C0"/>
+                </a:solidFill>
+                <a:cs typeface="+mn-ea"/>
+              </a:endParaRPr>
+            </a:p>
+          </p:txBody>
+        </p:sp>
+      </p:grpSp>
+      <p:sp>
+        <p:nvSpPr>
+          <p:cNvPr id="16" name="2"/>
+          <p:cNvSpPr txBox="1"/>
+          <p:nvPr/>
+        </p:nvSpPr>
+        <p:spPr>
+          <a:xfrm>
+            <a:off x="1418247" y="211364"/>
+            <a:ext cx="10174106" cy="503905"/>
+          </a:xfrm>
+          <a:prstGeom prst="rect">
+            <a:avLst/>
+          </a:prstGeom>
+          <a:noFill/>
+        </p:spPr>
+        <p:txBody>
+          <a:bodyPr wrap="square" lIns="72312" tIns="36156" rIns="72312" bIns="36156" rtlCol="0">
+            <a:spAutoFit/>
+          </a:bodyPr>
+          <a:lstStyle/>
+          <a:p>
+            <a:pPr marL="0" lvl="1"/>
+            <a:r>
+              <a:rPr lang="en-US" altLang="zh-CN" sz="2800" spc="300" dirty="0">
+                <a:solidFill>
+                  <a:srgbClr val="0D4960"/>
+                </a:solidFill>
+                <a:latin typeface="方正尚酷简体" panose="03000509000000000000" pitchFamily="65" charset="-122"/>
+                <a:ea typeface="方正尚酷简体" panose="03000509000000000000" pitchFamily="65" charset="-122"/>
+              </a:rPr>
+              <a:t>Spring Cloud </a:t>
+            </a:r>
+            <a:r>
+              <a:rPr lang="en-US" altLang="zh-CN" sz="2800" spc="300" dirty="0" err="1">
+                <a:solidFill>
+                  <a:srgbClr val="0D4960"/>
+                </a:solidFill>
+                <a:latin typeface="方正尚酷简体" panose="03000509000000000000" pitchFamily="65" charset="-122"/>
+                <a:ea typeface="方正尚酷简体" panose="03000509000000000000" pitchFamily="65" charset="-122"/>
+              </a:rPr>
+              <a:t>Hystrix</a:t>
+            </a:r>
+            <a:r>
+              <a:rPr lang="en-US" altLang="zh-CN" sz="2800" spc="300" dirty="0">
+                <a:solidFill>
+                  <a:srgbClr val="0D4960"/>
+                </a:solidFill>
+                <a:latin typeface="方正尚酷简体" panose="03000509000000000000" pitchFamily="65" charset="-122"/>
+                <a:ea typeface="方正尚酷简体" panose="03000509000000000000" pitchFamily="65" charset="-122"/>
+              </a:rPr>
+              <a:t>   </a:t>
+            </a:r>
+            <a:r>
+              <a:rPr lang="zh-CN" altLang="en-US" sz="2800" spc="300" dirty="0">
+                <a:solidFill>
+                  <a:srgbClr val="0D4960"/>
+                </a:solidFill>
+                <a:latin typeface="方正尚酷简体" panose="03000509000000000000" pitchFamily="65" charset="-122"/>
+                <a:ea typeface="方正尚酷简体" panose="03000509000000000000" pitchFamily="65" charset="-122"/>
+              </a:rPr>
+              <a:t>容错保护</a:t>
+            </a:r>
+            <a:endParaRPr lang="en-US" altLang="zh-CN" sz="2800" spc="300" dirty="0">
+              <a:solidFill>
+                <a:srgbClr val="0D4960"/>
+              </a:solidFill>
+              <a:latin typeface="方正尚酷简体" panose="03000509000000000000" pitchFamily="65" charset="-122"/>
+              <a:ea typeface="方正尚酷简体" panose="03000509000000000000" pitchFamily="65" charset="-122"/>
+            </a:endParaRPr>
+          </a:p>
+        </p:txBody>
+      </p:sp>
+      <p:cxnSp>
+        <p:nvCxnSpPr>
+          <p:cNvPr id="17" name="3"/>
+          <p:cNvCxnSpPr/>
+          <p:nvPr/>
+        </p:nvCxnSpPr>
+        <p:spPr>
+          <a:xfrm>
+            <a:off x="1418247" y="761569"/>
+            <a:ext cx="10174106" cy="0"/>
+          </a:xfrm>
+          <a:prstGeom prst="line">
+            <a:avLst/>
+          </a:prstGeom>
+          <a:ln>
+            <a:solidFill>
+              <a:schemeClr val="bg1">
+                <a:lumMod val="75000"/>
+              </a:schemeClr>
+            </a:solidFill>
+          </a:ln>
+        </p:spPr>
+        <p:style>
+          <a:lnRef idx="1">
+            <a:schemeClr val="accent1"/>
+          </a:lnRef>
+          <a:fillRef idx="0">
+            <a:schemeClr val="accent1"/>
+          </a:fillRef>
+          <a:effectRef idx="0">
+            <a:schemeClr val="accent1"/>
+          </a:effectRef>
+          <a:fontRef idx="minor">
+            <a:schemeClr val="tx1"/>
+          </a:fontRef>
+        </p:style>
+      </p:cxnSp>
+    </p:spTree>
+    <p:extLst>
+      <p:ext uri="{BB962C8B-B14F-4D97-AF65-F5344CB8AC3E}">
+        <p14:creationId xmlns:p14="http://schemas.microsoft.com/office/powerpoint/2010/main" val="3275627157"/>
+      </p:ext>
+    </p:extLst>
+  </p:cSld>
+  <p:clrMapOvr>
+    <a:masterClrMapping/>
+  </p:clrMapOvr>
+  <mc:AlternateContent xmlns:mc="http://schemas.openxmlformats.org/markup-compatibility/2006" xmlns:p14="http://schemas.microsoft.com/office/powerpoint/2010/main">
+    <mc:Choice Requires="p14">
+      <p:transition spd="slow" p14:dur="1500">
+        <p:random/>
+      </p:transition>
+    </mc:Choice>
+    <mc:Fallback xmlns="">
+      <p:transition spd="slow">
+        <p:random/>
+      </p:transition>
+    </mc:Fallback>
+  </mc:AlternateContent>
+  <p:timing>
+    <p:tnLst>
+      <p:par>
+        <p:cTn id="1" dur="indefinite" restart="never" nodeType="tmRoot">
+          <p:childTnLst>
+            <p:seq concurrent="1" nextAc="seek">
+              <p:cTn id="2" dur="indefinite" nodeType="mainSeq">
+                <p:childTnLst>
+                  <p:par>
+                    <p:cTn id="3" fill="hold">
+                      <p:stCondLst>
+                        <p:cond delay="indefinite"/>
+                        <p:cond evt="onBegin" delay="0">
+                          <p:tn val="2"/>
+                        </p:cond>
+                      </p:stCondLst>
+                      <p:childTnLst>
+                        <p:par>
+                          <p:cTn id="4" fill="hold">
+                            <p:stCondLst>
+                              <p:cond delay="0"/>
+                            </p:stCondLst>
+                            <p:childTnLst>
+                              <p:par>
+                                <p:cTn id="5" presetID="2" presetClass="entr" presetSubtype="8" fill="hold" nodeType="afterEffect">
+                                  <p:stCondLst>
+                                    <p:cond delay="0"/>
+                                  </p:stCondLst>
+                                  <p:childTnLst>
+                                    <p:set>
+                                      <p:cBhvr>
+                                        <p:cTn id="6" dur="1" fill="hold">
+                                          <p:stCondLst>
+                                            <p:cond delay="0"/>
+                                          </p:stCondLst>
+                                        </p:cTn>
+                                        <p:tgtEl>
+                                          <p:spTgt spid="2"/>
+                                        </p:tgtEl>
+                                        <p:attrNameLst>
+                                          <p:attrName>style.visibility</p:attrName>
+                                        </p:attrNameLst>
+                                      </p:cBhvr>
+                                      <p:to>
+                                        <p:strVal val="visible"/>
+                                      </p:to>
+                                    </p:set>
+                                    <p:anim calcmode="lin" valueType="num">
+                                      <p:cBhvr additive="base">
+                                        <p:cTn id="7" dur="750" fill="hold"/>
+                                        <p:tgtEl>
+                                          <p:spTgt spid="2"/>
+                                        </p:tgtEl>
+                                        <p:attrNameLst>
+                                          <p:attrName>ppt_x</p:attrName>
+                                        </p:attrNameLst>
+                                      </p:cBhvr>
+                                      <p:tavLst>
+                                        <p:tav tm="0">
+                                          <p:val>
+                                            <p:strVal val="0-#ppt_w/2"/>
+                                          </p:val>
+                                        </p:tav>
+                                        <p:tav tm="100000">
+                                          <p:val>
+                                            <p:strVal val="#ppt_x"/>
+                                          </p:val>
+                                        </p:tav>
+                                      </p:tavLst>
+                                    </p:anim>
+                                    <p:anim calcmode="lin" valueType="num">
+                                      <p:cBhvr additive="base">
+                                        <p:cTn id="8" dur="750" fill="hold"/>
+                                        <p:tgtEl>
+                                          <p:spTgt spid="2"/>
+                                        </p:tgtEl>
+                                        <p:attrNameLst>
+                                          <p:attrName>ppt_y</p:attrName>
+                                        </p:attrNameLst>
+                                      </p:cBhvr>
+                                      <p:tavLst>
+                                        <p:tav tm="0">
+                                          <p:val>
+                                            <p:strVal val="#ppt_y"/>
+                                          </p:val>
+                                        </p:tav>
+                                        <p:tav tm="100000">
+                                          <p:val>
+                                            <p:strVal val="#ppt_y"/>
+                                          </p:val>
+                                        </p:tav>
+                                      </p:tavLst>
+                                    </p:anim>
+                                  </p:childTnLst>
+                                </p:cTn>
+                              </p:par>
+                            </p:childTnLst>
+                          </p:cTn>
+                        </p:par>
+                        <p:par>
+                          <p:cTn id="9" fill="hold">
+                            <p:stCondLst>
+                              <p:cond delay="750"/>
+                            </p:stCondLst>
+                            <p:childTnLst>
+                              <p:par>
+                                <p:cTn id="10" presetID="53" presetClass="entr" presetSubtype="16" fill="hold" grpId="0" nodeType="afterEffect">
+                                  <p:stCondLst>
+                                    <p:cond delay="0"/>
+                                  </p:stCondLst>
+                                  <p:iterate type="lt">
+                                    <p:tmPct val="10000"/>
+                                  </p:iterate>
+                                  <p:childTnLst>
+                                    <p:set>
+                                      <p:cBhvr>
+                                        <p:cTn id="11" dur="1" fill="hold">
+                                          <p:stCondLst>
+                                            <p:cond delay="0"/>
+                                          </p:stCondLst>
+                                        </p:cTn>
+                                        <p:tgtEl>
+                                          <p:spTgt spid="16"/>
+                                        </p:tgtEl>
+                                        <p:attrNameLst>
+                                          <p:attrName>style.visibility</p:attrName>
+                                        </p:attrNameLst>
+                                      </p:cBhvr>
+                                      <p:to>
+                                        <p:strVal val="visible"/>
+                                      </p:to>
+                                    </p:set>
+                                    <p:anim calcmode="lin" valueType="num">
+                                      <p:cBhvr>
+                                        <p:cTn id="12" dur="500" fill="hold"/>
+                                        <p:tgtEl>
+                                          <p:spTgt spid="16"/>
+                                        </p:tgtEl>
+                                        <p:attrNameLst>
+                                          <p:attrName>ppt_w</p:attrName>
+                                        </p:attrNameLst>
+                                      </p:cBhvr>
+                                      <p:tavLst>
+                                        <p:tav tm="0">
+                                          <p:val>
+                                            <p:fltVal val="0"/>
+                                          </p:val>
+                                        </p:tav>
+                                        <p:tav tm="100000">
+                                          <p:val>
+                                            <p:strVal val="#ppt_w"/>
+                                          </p:val>
+                                        </p:tav>
+                                      </p:tavLst>
+                                    </p:anim>
+                                    <p:anim calcmode="lin" valueType="num">
+                                      <p:cBhvr>
+                                        <p:cTn id="13" dur="500" fill="hold"/>
+                                        <p:tgtEl>
+                                          <p:spTgt spid="16"/>
+                                        </p:tgtEl>
+                                        <p:attrNameLst>
+                                          <p:attrName>ppt_h</p:attrName>
+                                        </p:attrNameLst>
+                                      </p:cBhvr>
+                                      <p:tavLst>
+                                        <p:tav tm="0">
+                                          <p:val>
+                                            <p:fltVal val="0"/>
+                                          </p:val>
+                                        </p:tav>
+                                        <p:tav tm="100000">
+                                          <p:val>
+                                            <p:strVal val="#ppt_h"/>
+                                          </p:val>
+                                        </p:tav>
+                                      </p:tavLst>
+                                    </p:anim>
+                                    <p:animEffect transition="in" filter="fade">
+                                      <p:cBhvr>
+                                        <p:cTn id="14" dur="500"/>
+                                        <p:tgtEl>
+                                          <p:spTgt spid="16"/>
+                                        </p:tgtEl>
+                                      </p:cBhvr>
+                                    </p:animEffect>
+                                  </p:childTnLst>
+                                </p:cTn>
+                              </p:par>
+                              <p:par>
+                                <p:cTn id="15" presetID="22" presetClass="entr" presetSubtype="2" fill="hold" nodeType="withEffect">
+                                  <p:stCondLst>
+                                    <p:cond delay="250"/>
+                                  </p:stCondLst>
+                                  <p:childTnLst>
+                                    <p:set>
+                                      <p:cBhvr>
+                                        <p:cTn id="16" dur="1" fill="hold">
+                                          <p:stCondLst>
+                                            <p:cond delay="0"/>
+                                          </p:stCondLst>
+                                        </p:cTn>
+                                        <p:tgtEl>
+                                          <p:spTgt spid="17"/>
+                                        </p:tgtEl>
+                                        <p:attrNameLst>
+                                          <p:attrName>style.visibility</p:attrName>
+                                        </p:attrNameLst>
+                                      </p:cBhvr>
+                                      <p:to>
+                                        <p:strVal val="visible"/>
+                                      </p:to>
+                                    </p:set>
+                                    <p:animEffect transition="in" filter="wipe(right)">
+                                      <p:cBhvr>
+                                        <p:cTn id="17" dur="750"/>
+                                        <p:tgtEl>
+                                          <p:spTgt spid="17"/>
+                                        </p:tgtEl>
+                                      </p:cBhvr>
+                                    </p:animEffect>
+                                  </p:childTnLst>
+                                </p:cTn>
+                              </p:par>
+                            </p:childTnLst>
+                          </p:cTn>
+                        </p:par>
+                      </p:childTnLst>
+                    </p:cTn>
+                  </p:par>
+                </p:childTnLst>
+              </p:cTn>
+              <p:prevCondLst>
+                <p:cond evt="onPrev" delay="0">
+                  <p:tgtEl>
+                    <p:sldTgt/>
+                  </p:tgtEl>
+                </p:cond>
+              </p:prevCondLst>
+              <p:nextCondLst>
+                <p:cond evt="onNext" delay="0">
+                  <p:tgtEl>
+                    <p:sldTgt/>
+                  </p:tgtEl>
+                </p:cond>
+              </p:nextCondLst>
+            </p:seq>
+          </p:childTnLst>
+        </p:cTn>
+      </p:par>
+    </p:tnLst>
+    <p:bldLst>
+      <p:bldP spid="16" grpId="0"/>
+    </p:bldLst>
+  </p:timing>
+</p:sld>
+</file>
+
+<file path=ppt/slides/slide5.xml><?xml version="1.0" encoding="utf-8"?>
+<p:sld xmlns:a="http://schemas.openxmlformats.org/drawingml/2006/main" xmlns:r="http://schemas.openxmlformats.org/officeDocument/2006/relationships" xmlns:p="http://schemas.openxmlformats.org/presentationml/2006/main">
+  <p:cSld>
+    <p:spTree>
+      <p:nvGrpSpPr>
+        <p:cNvPr id="1" name=""/>
+        <p:cNvGrpSpPr/>
+        <p:nvPr/>
+      </p:nvGrpSpPr>
+      <p:grpSpPr>
+        <a:xfrm>
+          <a:off x="0" y="0"/>
+          <a:ext cx="0" cy="0"/>
+          <a:chOff x="0" y="0"/>
+          <a:chExt cx="0" cy="0"/>
+        </a:xfrm>
+      </p:grpSpPr>
+      <p:grpSp>
+        <p:nvGrpSpPr>
+          <p:cNvPr id="2" name="1"/>
+          <p:cNvGrpSpPr/>
+          <p:nvPr/>
+        </p:nvGrpSpPr>
+        <p:grpSpPr>
+          <a:xfrm>
+            <a:off x="583060" y="342545"/>
+            <a:ext cx="637243" cy="227778"/>
+            <a:chOff x="264939" y="188640"/>
+            <a:chExt cx="604358" cy="216024"/>
+          </a:xfrm>
+          <a:solidFill>
+            <a:srgbClr val="0D4960"/>
+          </a:solidFill>
+        </p:grpSpPr>
+        <p:sp>
+          <p:nvSpPr>
+            <p:cNvPr id="13" name="燕尾形 12"/>
+            <p:cNvSpPr/>
+            <p:nvPr/>
+          </p:nvSpPr>
+          <p:spPr>
+            <a:xfrm>
+              <a:off x="264939" y="188640"/>
+              <a:ext cx="216024" cy="216024"/>
+            </a:xfrm>
+            <a:prstGeom prst="chevron">
+              <a:avLst/>
+            </a:prstGeom>
+            <a:grpFill/>
+            <a:ln>
+              <a:noFill/>
+            </a:ln>
+            <a:effectLst>
+              <a:outerShdw blurRad="63500" algn="ctr" rotWithShape="0">
+                <a:prstClr val="black">
+                  <a:alpha val="40000"/>
+                </a:prstClr>
+              </a:outerShdw>
+            </a:effectLst>
+          </p:spPr>
+          <p:txBody>
+            <a:bodyPr lIns="0" tIns="0" rIns="0" bIns="0" anchor="ctr"/>
+            <a:lstStyle/>
+            <a:p>
+              <a:endParaRPr lang="zh-CN" altLang="en-US" sz="900">
+                <a:solidFill>
+                  <a:srgbClr val="0070C0"/>
+                </a:solidFill>
+                <a:cs typeface="+mn-ea"/>
+              </a:endParaRPr>
+            </a:p>
+          </p:txBody>
+        </p:sp>
+        <p:sp>
+          <p:nvSpPr>
+            <p:cNvPr id="14" name="燕尾形 13"/>
+            <p:cNvSpPr/>
+            <p:nvPr/>
+          </p:nvSpPr>
+          <p:spPr>
+            <a:xfrm>
+              <a:off x="454914" y="188640"/>
+              <a:ext cx="216024" cy="216024"/>
+            </a:xfrm>
+            <a:prstGeom prst="chevron">
+              <a:avLst/>
+            </a:prstGeom>
+            <a:grpFill/>
+            <a:ln>
+              <a:noFill/>
+            </a:ln>
+            <a:effectLst>
+              <a:outerShdw blurRad="63500" algn="ctr" rotWithShape="0">
+                <a:prstClr val="black">
+                  <a:alpha val="40000"/>
+                </a:prstClr>
+              </a:outerShdw>
+            </a:effectLst>
+          </p:spPr>
+          <p:txBody>
+            <a:bodyPr lIns="0" tIns="0" rIns="0" bIns="0" anchor="ctr"/>
+            <a:lstStyle/>
+            <a:p>
+              <a:endParaRPr lang="zh-CN" altLang="en-US" sz="900">
+                <a:solidFill>
+                  <a:srgbClr val="0070C0"/>
+                </a:solidFill>
+                <a:cs typeface="+mn-ea"/>
+              </a:endParaRPr>
+            </a:p>
+          </p:txBody>
+        </p:sp>
+        <p:sp>
+          <p:nvSpPr>
+            <p:cNvPr id="15" name="燕尾形 14"/>
+            <p:cNvSpPr/>
+            <p:nvPr/>
+          </p:nvSpPr>
+          <p:spPr>
+            <a:xfrm>
+              <a:off x="653273" y="188640"/>
+              <a:ext cx="216024" cy="216024"/>
+            </a:xfrm>
+            <a:prstGeom prst="chevron">
+              <a:avLst/>
+            </a:prstGeom>
+            <a:grpFill/>
+            <a:ln>
+              <a:noFill/>
+            </a:ln>
+            <a:effectLst>
+              <a:outerShdw blurRad="63500" algn="ctr" rotWithShape="0">
+                <a:prstClr val="black">
+                  <a:alpha val="40000"/>
+                </a:prstClr>
+              </a:outerShdw>
+            </a:effectLst>
+          </p:spPr>
+          <p:txBody>
+            <a:bodyPr lIns="0" tIns="0" rIns="0" bIns="0" anchor="ctr"/>
+            <a:lstStyle/>
+            <a:p>
+              <a:endParaRPr lang="zh-CN" altLang="en-US" sz="900">
+                <a:solidFill>
+                  <a:srgbClr val="0070C0"/>
+                </a:solidFill>
+                <a:cs typeface="+mn-ea"/>
+              </a:endParaRPr>
+            </a:p>
+          </p:txBody>
+        </p:sp>
+      </p:grpSp>
+      <p:sp>
+        <p:nvSpPr>
+          <p:cNvPr id="16" name="2"/>
+          <p:cNvSpPr txBox="1"/>
+          <p:nvPr/>
+        </p:nvSpPr>
+        <p:spPr>
+          <a:xfrm>
+            <a:off x="1418247" y="211364"/>
+            <a:ext cx="10174106" cy="503905"/>
+          </a:xfrm>
+          <a:prstGeom prst="rect">
+            <a:avLst/>
+          </a:prstGeom>
+          <a:noFill/>
+        </p:spPr>
+        <p:txBody>
+          <a:bodyPr wrap="square" lIns="72312" tIns="36156" rIns="72312" bIns="36156" rtlCol="0">
+            <a:spAutoFit/>
+          </a:bodyPr>
+          <a:lstStyle/>
+          <a:p>
+            <a:pPr marL="0" lvl="1"/>
+            <a:r>
+              <a:rPr lang="en-US" altLang="zh-CN" sz="2800" spc="300" dirty="0">
+                <a:solidFill>
+                  <a:srgbClr val="0D4960"/>
+                </a:solidFill>
+                <a:latin typeface="方正尚酷简体" panose="03000509000000000000" pitchFamily="65" charset="-122"/>
+                <a:ea typeface="方正尚酷简体" panose="03000509000000000000" pitchFamily="65" charset="-122"/>
+              </a:rPr>
+              <a:t>Spring Cloud Feign   </a:t>
+            </a:r>
+            <a:r>
+              <a:rPr lang="zh-CN" altLang="en-US" sz="2800" spc="300" dirty="0">
+                <a:solidFill>
+                  <a:srgbClr val="0D4960"/>
+                </a:solidFill>
+                <a:latin typeface="方正尚酷简体" panose="03000509000000000000" pitchFamily="65" charset="-122"/>
+                <a:ea typeface="方正尚酷简体" panose="03000509000000000000" pitchFamily="65" charset="-122"/>
+              </a:rPr>
+              <a:t>负载均衡</a:t>
+            </a:r>
+            <a:r>
+              <a:rPr lang="en-US" altLang="zh-CN" sz="2800" spc="300" dirty="0">
+                <a:solidFill>
+                  <a:srgbClr val="0D4960"/>
+                </a:solidFill>
+                <a:latin typeface="方正尚酷简体" panose="03000509000000000000" pitchFamily="65" charset="-122"/>
+                <a:ea typeface="方正尚酷简体" panose="03000509000000000000" pitchFamily="65" charset="-122"/>
+              </a:rPr>
+              <a:t>+</a:t>
+            </a:r>
+            <a:r>
+              <a:rPr lang="zh-CN" altLang="en-US" sz="2800" spc="300" dirty="0">
+                <a:solidFill>
+                  <a:srgbClr val="0D4960"/>
+                </a:solidFill>
+                <a:latin typeface="方正尚酷简体" panose="03000509000000000000" pitchFamily="65" charset="-122"/>
+                <a:ea typeface="方正尚酷简体" panose="03000509000000000000" pitchFamily="65" charset="-122"/>
+              </a:rPr>
+              <a:t>容错保护</a:t>
+            </a:r>
+            <a:endParaRPr lang="en-US" altLang="zh-CN" sz="2800" spc="300" dirty="0">
+              <a:solidFill>
+                <a:srgbClr val="0D4960"/>
+              </a:solidFill>
+              <a:latin typeface="方正尚酷简体" panose="03000509000000000000" pitchFamily="65" charset="-122"/>
+              <a:ea typeface="方正尚酷简体" panose="03000509000000000000" pitchFamily="65" charset="-122"/>
+            </a:endParaRPr>
+          </a:p>
+        </p:txBody>
+      </p:sp>
+      <p:cxnSp>
+        <p:nvCxnSpPr>
+          <p:cNvPr id="17" name="3"/>
+          <p:cNvCxnSpPr/>
+          <p:nvPr/>
+        </p:nvCxnSpPr>
+        <p:spPr>
+          <a:xfrm>
+            <a:off x="1418247" y="761569"/>
+            <a:ext cx="10174106" cy="0"/>
+          </a:xfrm>
+          <a:prstGeom prst="line">
+            <a:avLst/>
+          </a:prstGeom>
+          <a:ln>
+            <a:solidFill>
+              <a:schemeClr val="bg1">
+                <a:lumMod val="75000"/>
+              </a:schemeClr>
+            </a:solidFill>
+          </a:ln>
+        </p:spPr>
+        <p:style>
+          <a:lnRef idx="1">
+            <a:schemeClr val="accent1"/>
+          </a:lnRef>
+          <a:fillRef idx="0">
+            <a:schemeClr val="accent1"/>
+          </a:fillRef>
+          <a:effectRef idx="0">
+            <a:schemeClr val="accent1"/>
+          </a:effectRef>
+          <a:fontRef idx="minor">
+            <a:schemeClr val="tx1"/>
+          </a:fontRef>
+        </p:style>
+      </p:cxnSp>
+    </p:spTree>
+    <p:extLst>
+      <p:ext uri="{BB962C8B-B14F-4D97-AF65-F5344CB8AC3E}">
+        <p14:creationId xmlns:p14="http://schemas.microsoft.com/office/powerpoint/2010/main" val="1016906222"/>
+      </p:ext>
+    </p:extLst>
+  </p:cSld>
+  <p:clrMapOvr>
+    <a:masterClrMapping/>
+  </p:clrMapOvr>
+  <mc:AlternateContent xmlns:mc="http://schemas.openxmlformats.org/markup-compatibility/2006" xmlns:p14="http://schemas.microsoft.com/office/powerpoint/2010/main">
+    <mc:Choice Requires="p14">
+      <p:transition spd="slow" p14:dur="1500">
+        <p:random/>
+      </p:transition>
+    </mc:Choice>
+    <mc:Fallback xmlns="">
+      <p:transition spd="slow">
+        <p:random/>
+      </p:transition>
+    </mc:Fallback>
+  </mc:AlternateContent>
+  <p:timing>
+    <p:tnLst>
+      <p:par>
+        <p:cTn id="1" dur="indefinite" restart="never" nodeType="tmRoot">
+          <p:childTnLst>
+            <p:seq concurrent="1" nextAc="seek">
+              <p:cTn id="2" dur="indefinite" nodeType="mainSeq">
+                <p:childTnLst>
+                  <p:par>
+                    <p:cTn id="3" fill="hold">
+                      <p:stCondLst>
+                        <p:cond delay="indefinite"/>
+                        <p:cond evt="onBegin" delay="0">
+                          <p:tn val="2"/>
+                        </p:cond>
+                      </p:stCondLst>
+                      <p:childTnLst>
+                        <p:par>
+                          <p:cTn id="4" fill="hold">
+                            <p:stCondLst>
+                              <p:cond delay="0"/>
+                            </p:stCondLst>
+                            <p:childTnLst>
+                              <p:par>
+                                <p:cTn id="5" presetID="2" presetClass="entr" presetSubtype="8" fill="hold" nodeType="afterEffect">
+                                  <p:stCondLst>
+                                    <p:cond delay="0"/>
+                                  </p:stCondLst>
+                                  <p:childTnLst>
+                                    <p:set>
+                                      <p:cBhvr>
+                                        <p:cTn id="6" dur="1" fill="hold">
+                                          <p:stCondLst>
+                                            <p:cond delay="0"/>
+                                          </p:stCondLst>
+                                        </p:cTn>
+                                        <p:tgtEl>
+                                          <p:spTgt spid="2"/>
+                                        </p:tgtEl>
+                                        <p:attrNameLst>
+                                          <p:attrName>style.visibility</p:attrName>
+                                        </p:attrNameLst>
+                                      </p:cBhvr>
+                                      <p:to>
+                                        <p:strVal val="visible"/>
+                                      </p:to>
+                                    </p:set>
+                                    <p:anim calcmode="lin" valueType="num">
+                                      <p:cBhvr additive="base">
+                                        <p:cTn id="7" dur="750" fill="hold"/>
+                                        <p:tgtEl>
+                                          <p:spTgt spid="2"/>
+                                        </p:tgtEl>
+                                        <p:attrNameLst>
+                                          <p:attrName>ppt_x</p:attrName>
+                                        </p:attrNameLst>
+                                      </p:cBhvr>
+                                      <p:tavLst>
+                                        <p:tav tm="0">
+                                          <p:val>
+                                            <p:strVal val="0-#ppt_w/2"/>
+                                          </p:val>
+                                        </p:tav>
+                                        <p:tav tm="100000">
+                                          <p:val>
+                                            <p:strVal val="#ppt_x"/>
+                                          </p:val>
+                                        </p:tav>
+                                      </p:tavLst>
+                                    </p:anim>
+                                    <p:anim calcmode="lin" valueType="num">
+                                      <p:cBhvr additive="base">
+                                        <p:cTn id="8" dur="750" fill="hold"/>
+                                        <p:tgtEl>
+                                          <p:spTgt spid="2"/>
+                                        </p:tgtEl>
+                                        <p:attrNameLst>
+                                          <p:attrName>ppt_y</p:attrName>
+                                        </p:attrNameLst>
+                                      </p:cBhvr>
+                                      <p:tavLst>
+                                        <p:tav tm="0">
+                                          <p:val>
+                                            <p:strVal val="#ppt_y"/>
+                                          </p:val>
+                                        </p:tav>
+                                        <p:tav tm="100000">
+                                          <p:val>
+                                            <p:strVal val="#ppt_y"/>
+                                          </p:val>
+                                        </p:tav>
+                                      </p:tavLst>
+                                    </p:anim>
+                                  </p:childTnLst>
+                                </p:cTn>
+                              </p:par>
+                            </p:childTnLst>
+                          </p:cTn>
+                        </p:par>
+                        <p:par>
+                          <p:cTn id="9" fill="hold">
+                            <p:stCondLst>
+                              <p:cond delay="750"/>
+                            </p:stCondLst>
+                            <p:childTnLst>
+                              <p:par>
+                                <p:cTn id="10" presetID="53" presetClass="entr" presetSubtype="16" fill="hold" grpId="0" nodeType="afterEffect">
+                                  <p:stCondLst>
+                                    <p:cond delay="0"/>
+                                  </p:stCondLst>
+                                  <p:iterate type="lt">
+                                    <p:tmPct val="10000"/>
+                                  </p:iterate>
+                                  <p:childTnLst>
+                                    <p:set>
+                                      <p:cBhvr>
+                                        <p:cTn id="11" dur="1" fill="hold">
+                                          <p:stCondLst>
+                                            <p:cond delay="0"/>
+                                          </p:stCondLst>
+                                        </p:cTn>
+                                        <p:tgtEl>
+                                          <p:spTgt spid="16"/>
+                                        </p:tgtEl>
+                                        <p:attrNameLst>
+                                          <p:attrName>style.visibility</p:attrName>
+                                        </p:attrNameLst>
+                                      </p:cBhvr>
+                                      <p:to>
+                                        <p:strVal val="visible"/>
+                                      </p:to>
+                                    </p:set>
+                                    <p:anim calcmode="lin" valueType="num">
+                                      <p:cBhvr>
+                                        <p:cTn id="12" dur="500" fill="hold"/>
+                                        <p:tgtEl>
+                                          <p:spTgt spid="16"/>
+                                        </p:tgtEl>
+                                        <p:attrNameLst>
+                                          <p:attrName>ppt_w</p:attrName>
+                                        </p:attrNameLst>
+                                      </p:cBhvr>
+                                      <p:tavLst>
+                                        <p:tav tm="0">
+                                          <p:val>
+                                            <p:fltVal val="0"/>
+                                          </p:val>
+                                        </p:tav>
+                                        <p:tav tm="100000">
+                                          <p:val>
+                                            <p:strVal val="#ppt_w"/>
+                                          </p:val>
+                                        </p:tav>
+                                      </p:tavLst>
+                                    </p:anim>
+                                    <p:anim calcmode="lin" valueType="num">
+                                      <p:cBhvr>
+                                        <p:cTn id="13" dur="500" fill="hold"/>
+                                        <p:tgtEl>
+                                          <p:spTgt spid="16"/>
+                                        </p:tgtEl>
+                                        <p:attrNameLst>
+                                          <p:attrName>ppt_h</p:attrName>
+                                        </p:attrNameLst>
+                                      </p:cBhvr>
+                                      <p:tavLst>
+                                        <p:tav tm="0">
+                                          <p:val>
+                                            <p:fltVal val="0"/>
+                                          </p:val>
+                                        </p:tav>
+                                        <p:tav tm="100000">
+                                          <p:val>
+                                            <p:strVal val="#ppt_h"/>
+                                          </p:val>
+                                        </p:tav>
+                                      </p:tavLst>
+                                    </p:anim>
+                                    <p:animEffect transition="in" filter="fade">
+                                      <p:cBhvr>
+                                        <p:cTn id="14" dur="500"/>
+                                        <p:tgtEl>
+                                          <p:spTgt spid="16"/>
+                                        </p:tgtEl>
+                                      </p:cBhvr>
+                                    </p:animEffect>
+                                  </p:childTnLst>
+                                </p:cTn>
+                              </p:par>
+                              <p:par>
+                                <p:cTn id="15" presetID="22" presetClass="entr" presetSubtype="2" fill="hold" nodeType="withEffect">
+                                  <p:stCondLst>
+                                    <p:cond delay="250"/>
+                                  </p:stCondLst>
+                                  <p:childTnLst>
+                                    <p:set>
+                                      <p:cBhvr>
+                                        <p:cTn id="16" dur="1" fill="hold">
+                                          <p:stCondLst>
+                                            <p:cond delay="0"/>
+                                          </p:stCondLst>
+                                        </p:cTn>
+                                        <p:tgtEl>
+                                          <p:spTgt spid="17"/>
+                                        </p:tgtEl>
+                                        <p:attrNameLst>
+                                          <p:attrName>style.visibility</p:attrName>
+                                        </p:attrNameLst>
+                                      </p:cBhvr>
+                                      <p:to>
+                                        <p:strVal val="visible"/>
+                                      </p:to>
+                                    </p:set>
+                                    <p:animEffect transition="in" filter="wipe(right)">
+                                      <p:cBhvr>
+                                        <p:cTn id="17" dur="750"/>
+                                        <p:tgtEl>
+                                          <p:spTgt spid="17"/>
+                                        </p:tgtEl>
+                                      </p:cBhvr>
+                                    </p:animEffect>
+                                  </p:childTnLst>
+                                </p:cTn>
+                              </p:par>
+                            </p:childTnLst>
+                          </p:cTn>
+                        </p:par>
+                      </p:childTnLst>
+                    </p:cTn>
+                  </p:par>
+                </p:childTnLst>
+              </p:cTn>
+              <p:prevCondLst>
+                <p:cond evt="onPrev" delay="0">
+                  <p:tgtEl>
+                    <p:sldTgt/>
+                  </p:tgtEl>
+                </p:cond>
+              </p:prevCondLst>
+              <p:nextCondLst>
+                <p:cond evt="onNext" delay="0">
+                  <p:tgtEl>
+                    <p:sldTgt/>
+                  </p:tgtEl>
+                </p:cond>
+              </p:nextCondLst>
+            </p:seq>
+          </p:childTnLst>
+        </p:cTn>
+      </p:par>
+    </p:tnLst>
+    <p:bldLst>
+      <p:bldP spid="16" grpId="0"/>
+    </p:bldLst>
+  </p:timing>
+</p:sld>
+</file>
+
+<file path=ppt/slides/slide6.xml><?xml version="1.0" encoding="utf-8"?>
+<p:sld xmlns:a="http://schemas.openxmlformats.org/drawingml/2006/main" xmlns:r="http://schemas.openxmlformats.org/officeDocument/2006/relationships" xmlns:p="http://schemas.openxmlformats.org/presentationml/2006/main">
+  <p:cSld>
+    <p:spTree>
+      <p:nvGrpSpPr>
+        <p:cNvPr id="1" name=""/>
+        <p:cNvGrpSpPr/>
+        <p:nvPr/>
+      </p:nvGrpSpPr>
+      <p:grpSpPr>
+        <a:xfrm>
+          <a:off x="0" y="0"/>
+          <a:ext cx="0" cy="0"/>
+          <a:chOff x="0" y="0"/>
+          <a:chExt cx="0" cy="0"/>
+        </a:xfrm>
+      </p:grpSpPr>
+      <p:grpSp>
+        <p:nvGrpSpPr>
+          <p:cNvPr id="2" name="1"/>
+          <p:cNvGrpSpPr/>
+          <p:nvPr/>
+        </p:nvGrpSpPr>
+        <p:grpSpPr>
+          <a:xfrm>
+            <a:off x="583060" y="342545"/>
+            <a:ext cx="637243" cy="227778"/>
+            <a:chOff x="264939" y="188640"/>
+            <a:chExt cx="604358" cy="216024"/>
+          </a:xfrm>
+          <a:solidFill>
+            <a:srgbClr val="0D4960"/>
+          </a:solidFill>
+        </p:grpSpPr>
+        <p:sp>
+          <p:nvSpPr>
+            <p:cNvPr id="13" name="燕尾形 12"/>
+            <p:cNvSpPr/>
+            <p:nvPr/>
+          </p:nvSpPr>
+          <p:spPr>
+            <a:xfrm>
+              <a:off x="264939" y="188640"/>
+              <a:ext cx="216024" cy="216024"/>
+            </a:xfrm>
+            <a:prstGeom prst="chevron">
+              <a:avLst/>
+            </a:prstGeom>
+            <a:grpFill/>
+            <a:ln>
+              <a:noFill/>
+            </a:ln>
+            <a:effectLst>
+              <a:outerShdw blurRad="63500" algn="ctr" rotWithShape="0">
+                <a:prstClr val="black">
+                  <a:alpha val="40000"/>
+                </a:prstClr>
+              </a:outerShdw>
+            </a:effectLst>
+          </p:spPr>
+          <p:txBody>
+            <a:bodyPr lIns="0" tIns="0" rIns="0" bIns="0" anchor="ctr"/>
+            <a:lstStyle/>
+            <a:p>
+              <a:endParaRPr lang="zh-CN" altLang="en-US" sz="900">
+                <a:solidFill>
+                  <a:srgbClr val="0070C0"/>
+                </a:solidFill>
+                <a:cs typeface="+mn-ea"/>
+              </a:endParaRPr>
+            </a:p>
+          </p:txBody>
+        </p:sp>
+        <p:sp>
+          <p:nvSpPr>
+            <p:cNvPr id="14" name="燕尾形 13"/>
+            <p:cNvSpPr/>
+            <p:nvPr/>
+          </p:nvSpPr>
+          <p:spPr>
+            <a:xfrm>
+              <a:off x="454914" y="188640"/>
+              <a:ext cx="216024" cy="216024"/>
+            </a:xfrm>
+            <a:prstGeom prst="chevron">
+              <a:avLst/>
+            </a:prstGeom>
+            <a:grpFill/>
+            <a:ln>
+              <a:noFill/>
+            </a:ln>
+            <a:effectLst>
+              <a:outerShdw blurRad="63500" algn="ctr" rotWithShape="0">
+                <a:prstClr val="black">
+                  <a:alpha val="40000"/>
+                </a:prstClr>
+              </a:outerShdw>
+            </a:effectLst>
+          </p:spPr>
+          <p:txBody>
+            <a:bodyPr lIns="0" tIns="0" rIns="0" bIns="0" anchor="ctr"/>
+            <a:lstStyle/>
+            <a:p>
+              <a:endParaRPr lang="zh-CN" altLang="en-US" sz="900">
+                <a:solidFill>
+                  <a:srgbClr val="0070C0"/>
+                </a:solidFill>
+                <a:cs typeface="+mn-ea"/>
+              </a:endParaRPr>
+            </a:p>
+          </p:txBody>
+        </p:sp>
+        <p:sp>
+          <p:nvSpPr>
+            <p:cNvPr id="15" name="燕尾形 14"/>
+            <p:cNvSpPr/>
+            <p:nvPr/>
+          </p:nvSpPr>
+          <p:spPr>
+            <a:xfrm>
+              <a:off x="653273" y="188640"/>
+              <a:ext cx="216024" cy="216024"/>
+            </a:xfrm>
+            <a:prstGeom prst="chevron">
+              <a:avLst/>
+            </a:prstGeom>
+            <a:grpFill/>
+            <a:ln>
+              <a:noFill/>
+            </a:ln>
+            <a:effectLst>
+              <a:outerShdw blurRad="63500" algn="ctr" rotWithShape="0">
+                <a:prstClr val="black">
+                  <a:alpha val="40000"/>
+                </a:prstClr>
+              </a:outerShdw>
+            </a:effectLst>
+          </p:spPr>
+          <p:txBody>
+            <a:bodyPr lIns="0" tIns="0" rIns="0" bIns="0" anchor="ctr"/>
+            <a:lstStyle/>
+            <a:p>
+              <a:endParaRPr lang="zh-CN" altLang="en-US" sz="900">
+                <a:solidFill>
+                  <a:srgbClr val="0070C0"/>
+                </a:solidFill>
+                <a:cs typeface="+mn-ea"/>
+              </a:endParaRPr>
+            </a:p>
+          </p:txBody>
+        </p:sp>
+      </p:grpSp>
+      <p:sp>
+        <p:nvSpPr>
+          <p:cNvPr id="16" name="2"/>
+          <p:cNvSpPr txBox="1"/>
+          <p:nvPr/>
+        </p:nvSpPr>
+        <p:spPr>
+          <a:xfrm>
+            <a:off x="1418247" y="211364"/>
+            <a:ext cx="10174106" cy="503905"/>
+          </a:xfrm>
+          <a:prstGeom prst="rect">
+            <a:avLst/>
+          </a:prstGeom>
+          <a:noFill/>
+        </p:spPr>
+        <p:txBody>
+          <a:bodyPr wrap="square" lIns="72312" tIns="36156" rIns="72312" bIns="36156" rtlCol="0">
+            <a:spAutoFit/>
+          </a:bodyPr>
+          <a:lstStyle/>
+          <a:p>
+            <a:pPr marL="0" lvl="1"/>
+            <a:r>
+              <a:rPr lang="en-US" altLang="zh-CN" sz="2800" spc="300" dirty="0">
+                <a:solidFill>
+                  <a:srgbClr val="0D4960"/>
+                </a:solidFill>
+                <a:latin typeface="方正尚酷简体" panose="03000509000000000000" pitchFamily="65" charset="-122"/>
+                <a:ea typeface="方正尚酷简体" panose="03000509000000000000" pitchFamily="65" charset="-122"/>
+              </a:rPr>
+              <a:t>Spring Cloud Config  </a:t>
+            </a:r>
+            <a:r>
+              <a:rPr lang="zh-CN" altLang="en-US" sz="2800" spc="300" dirty="0">
+                <a:solidFill>
+                  <a:srgbClr val="0D4960"/>
+                </a:solidFill>
+                <a:latin typeface="方正尚酷简体" panose="03000509000000000000" pitchFamily="65" charset="-122"/>
+                <a:ea typeface="方正尚酷简体" panose="03000509000000000000" pitchFamily="65" charset="-122"/>
+              </a:rPr>
+              <a:t>分布式配置中心</a:t>
+            </a:r>
+            <a:endParaRPr lang="en-US" altLang="zh-CN" sz="2800" spc="300" dirty="0">
+              <a:solidFill>
+                <a:srgbClr val="0D4960"/>
+              </a:solidFill>
+              <a:latin typeface="方正尚酷简体" panose="03000509000000000000" pitchFamily="65" charset="-122"/>
+              <a:ea typeface="方正尚酷简体" panose="03000509000000000000" pitchFamily="65" charset="-122"/>
+            </a:endParaRPr>
+          </a:p>
+        </p:txBody>
+      </p:sp>
+      <p:cxnSp>
+        <p:nvCxnSpPr>
+          <p:cNvPr id="17" name="3"/>
+          <p:cNvCxnSpPr/>
+          <p:nvPr/>
+        </p:nvCxnSpPr>
+        <p:spPr>
+          <a:xfrm>
+            <a:off x="1418247" y="761569"/>
+            <a:ext cx="10174106" cy="0"/>
+          </a:xfrm>
+          <a:prstGeom prst="line">
+            <a:avLst/>
+          </a:prstGeom>
+          <a:ln>
+            <a:solidFill>
+              <a:schemeClr val="bg1">
+                <a:lumMod val="75000"/>
+              </a:schemeClr>
+            </a:solidFill>
+          </a:ln>
+        </p:spPr>
+        <p:style>
+          <a:lnRef idx="1">
+            <a:schemeClr val="accent1"/>
+          </a:lnRef>
+          <a:fillRef idx="0">
+            <a:schemeClr val="accent1"/>
+          </a:fillRef>
+          <a:effectRef idx="0">
+            <a:schemeClr val="accent1"/>
+          </a:effectRef>
+          <a:fontRef idx="minor">
+            <a:schemeClr val="tx1"/>
+          </a:fontRef>
+        </p:style>
+      </p:cxnSp>
+    </p:spTree>
+    <p:extLst>
+      <p:ext uri="{BB962C8B-B14F-4D97-AF65-F5344CB8AC3E}">
+        <p14:creationId xmlns:p14="http://schemas.microsoft.com/office/powerpoint/2010/main" val="2565559369"/>
+      </p:ext>
+    </p:extLst>
+  </p:cSld>
+  <p:clrMapOvr>
+    <a:masterClrMapping/>
+  </p:clrMapOvr>
+  <mc:AlternateContent xmlns:mc="http://schemas.openxmlformats.org/markup-compatibility/2006" xmlns:p14="http://schemas.microsoft.com/office/powerpoint/2010/main">
+    <mc:Choice Requires="p14">
+      <p:transition spd="slow" p14:dur="1500">
+        <p:random/>
+      </p:transition>
+    </mc:Choice>
+    <mc:Fallback xmlns="">
+      <p:transition spd="slow">
+        <p:random/>
+      </p:transition>
+    </mc:Fallback>
+  </mc:AlternateContent>
+  <p:timing>
+    <p:tnLst>
+      <p:par>
+        <p:cTn id="1" dur="indefinite" restart="never" nodeType="tmRoot">
+          <p:childTnLst>
+            <p:seq concurrent="1" nextAc="seek">
+              <p:cTn id="2" dur="indefinite" nodeType="mainSeq">
+                <p:childTnLst>
+                  <p:par>
+                    <p:cTn id="3" fill="hold">
+                      <p:stCondLst>
+                        <p:cond delay="indefinite"/>
+                        <p:cond evt="onBegin" delay="0">
+                          <p:tn val="2"/>
+                        </p:cond>
+                      </p:stCondLst>
+                      <p:childTnLst>
+                        <p:par>
+                          <p:cTn id="4" fill="hold">
+                            <p:stCondLst>
+                              <p:cond delay="0"/>
+                            </p:stCondLst>
+                            <p:childTnLst>
+                              <p:par>
+                                <p:cTn id="5" presetID="2" presetClass="entr" presetSubtype="8" fill="hold" nodeType="afterEffect">
+                                  <p:stCondLst>
+                                    <p:cond delay="0"/>
+                                  </p:stCondLst>
+                                  <p:childTnLst>
+                                    <p:set>
+                                      <p:cBhvr>
+                                        <p:cTn id="6" dur="1" fill="hold">
+                                          <p:stCondLst>
+                                            <p:cond delay="0"/>
+                                          </p:stCondLst>
+                                        </p:cTn>
+                                        <p:tgtEl>
+                                          <p:spTgt spid="2"/>
+                                        </p:tgtEl>
+                                        <p:attrNameLst>
+                                          <p:attrName>style.visibility</p:attrName>
+                                        </p:attrNameLst>
+                                      </p:cBhvr>
+                                      <p:to>
+                                        <p:strVal val="visible"/>
+                                      </p:to>
+                                    </p:set>
+                                    <p:anim calcmode="lin" valueType="num">
+                                      <p:cBhvr additive="base">
+                                        <p:cTn id="7" dur="750" fill="hold"/>
+                                        <p:tgtEl>
+                                          <p:spTgt spid="2"/>
+                                        </p:tgtEl>
+                                        <p:attrNameLst>
+                                          <p:attrName>ppt_x</p:attrName>
+                                        </p:attrNameLst>
+                                      </p:cBhvr>
+                                      <p:tavLst>
+                                        <p:tav tm="0">
+                                          <p:val>
+                                            <p:strVal val="0-#ppt_w/2"/>
+                                          </p:val>
+                                        </p:tav>
+                                        <p:tav tm="100000">
+                                          <p:val>
+                                            <p:strVal val="#ppt_x"/>
+                                          </p:val>
+                                        </p:tav>
+                                      </p:tavLst>
+                                    </p:anim>
+                                    <p:anim calcmode="lin" valueType="num">
+                                      <p:cBhvr additive="base">
+                                        <p:cTn id="8" dur="750" fill="hold"/>
+                                        <p:tgtEl>
+                                          <p:spTgt spid="2"/>
+                                        </p:tgtEl>
+                                        <p:attrNameLst>
+                                          <p:attrName>ppt_y</p:attrName>
+                                        </p:attrNameLst>
+                                      </p:cBhvr>
+                                      <p:tavLst>
+                                        <p:tav tm="0">
+                                          <p:val>
+                                            <p:strVal val="#ppt_y"/>
+                                          </p:val>
+                                        </p:tav>
+                                        <p:tav tm="100000">
+                                          <p:val>
+                                            <p:strVal val="#ppt_y"/>
+                                          </p:val>
+                                        </p:tav>
+                                      </p:tavLst>
+                                    </p:anim>
+                                  </p:childTnLst>
+                                </p:cTn>
+                              </p:par>
+                            </p:childTnLst>
+                          </p:cTn>
+                        </p:par>
+                        <p:par>
+                          <p:cTn id="9" fill="hold">
+                            <p:stCondLst>
+                              <p:cond delay="750"/>
+                            </p:stCondLst>
+                            <p:childTnLst>
+                              <p:par>
+                                <p:cTn id="10" presetID="53" presetClass="entr" presetSubtype="16" fill="hold" grpId="0" nodeType="afterEffect">
+                                  <p:stCondLst>
+                                    <p:cond delay="0"/>
+                                  </p:stCondLst>
+                                  <p:iterate type="lt">
+                                    <p:tmPct val="10000"/>
+                                  </p:iterate>
+                                  <p:childTnLst>
+                                    <p:set>
+                                      <p:cBhvr>
+                                        <p:cTn id="11" dur="1" fill="hold">
+                                          <p:stCondLst>
+                                            <p:cond delay="0"/>
+                                          </p:stCondLst>
+                                        </p:cTn>
+                                        <p:tgtEl>
+                                          <p:spTgt spid="16"/>
+                                        </p:tgtEl>
+                                        <p:attrNameLst>
+                                          <p:attrName>style.visibility</p:attrName>
+                                        </p:attrNameLst>
+                                      </p:cBhvr>
+                                      <p:to>
+                                        <p:strVal val="visible"/>
+                                      </p:to>
+                                    </p:set>
+                                    <p:anim calcmode="lin" valueType="num">
+                                      <p:cBhvr>
+                                        <p:cTn id="12" dur="500" fill="hold"/>
+                                        <p:tgtEl>
+                                          <p:spTgt spid="16"/>
+                                        </p:tgtEl>
+                                        <p:attrNameLst>
+                                          <p:attrName>ppt_w</p:attrName>
+                                        </p:attrNameLst>
+                                      </p:cBhvr>
+                                      <p:tavLst>
+                                        <p:tav tm="0">
+                                          <p:val>
+                                            <p:fltVal val="0"/>
+                                          </p:val>
+                                        </p:tav>
+                                        <p:tav tm="100000">
+                                          <p:val>
+                                            <p:strVal val="#ppt_w"/>
+                                          </p:val>
+                                        </p:tav>
+                                      </p:tavLst>
+                                    </p:anim>
+                                    <p:anim calcmode="lin" valueType="num">
+                                      <p:cBhvr>
+                                        <p:cTn id="13" dur="500" fill="hold"/>
+                                        <p:tgtEl>
+                                          <p:spTgt spid="16"/>
+                                        </p:tgtEl>
+                                        <p:attrNameLst>
+                                          <p:attrName>ppt_h</p:attrName>
+                                        </p:attrNameLst>
+                                      </p:cBhvr>
+                                      <p:tavLst>
+                                        <p:tav tm="0">
+                                          <p:val>
+                                            <p:fltVal val="0"/>
+                                          </p:val>
+                                        </p:tav>
+                                        <p:tav tm="100000">
+                                          <p:val>
+                                            <p:strVal val="#ppt_h"/>
+                                          </p:val>
+                                        </p:tav>
+                                      </p:tavLst>
+                                    </p:anim>
+                                    <p:animEffect transition="in" filter="fade">
+                                      <p:cBhvr>
+                                        <p:cTn id="14" dur="500"/>
+                                        <p:tgtEl>
+                                          <p:spTgt spid="16"/>
+                                        </p:tgtEl>
+                                      </p:cBhvr>
+                                    </p:animEffect>
+                                  </p:childTnLst>
+                                </p:cTn>
+                              </p:par>
+                              <p:par>
+                                <p:cTn id="15" presetID="22" presetClass="entr" presetSubtype="2" fill="hold" nodeType="withEffect">
+                                  <p:stCondLst>
+                                    <p:cond delay="250"/>
+                                  </p:stCondLst>
+                                  <p:childTnLst>
+                                    <p:set>
+                                      <p:cBhvr>
+                                        <p:cTn id="16" dur="1" fill="hold">
+                                          <p:stCondLst>
+                                            <p:cond delay="0"/>
+                                          </p:stCondLst>
+                                        </p:cTn>
+                                        <p:tgtEl>
+                                          <p:spTgt spid="17"/>
+                                        </p:tgtEl>
+                                        <p:attrNameLst>
+                                          <p:attrName>style.visibility</p:attrName>
+                                        </p:attrNameLst>
+                                      </p:cBhvr>
+                                      <p:to>
+                                        <p:strVal val="visible"/>
+                                      </p:to>
+                                    </p:set>
+                                    <p:animEffect transition="in" filter="wipe(right)">
+                                      <p:cBhvr>
+                                        <p:cTn id="17" dur="750"/>
+                                        <p:tgtEl>
+                                          <p:spTgt spid="17"/>
+                                        </p:tgtEl>
+                                      </p:cBhvr>
+                                    </p:animEffect>
+                                  </p:childTnLst>
+                                </p:cTn>
+                              </p:par>
+                            </p:childTnLst>
+                          </p:cTn>
+                        </p:par>
+                      </p:childTnLst>
+                    </p:cTn>
+                  </p:par>
+                </p:childTnLst>
+              </p:cTn>
+              <p:prevCondLst>
+                <p:cond evt="onPrev" delay="0">
+                  <p:tgtEl>
+                    <p:sldTgt/>
+                  </p:tgtEl>
+                </p:cond>
+              </p:prevCondLst>
+              <p:nextCondLst>
+                <p:cond evt="onNext" delay="0">
+                  <p:tgtEl>
+                    <p:sldTgt/>
+                  </p:tgtEl>
+                </p:cond>
+              </p:nextCondLst>
+            </p:seq>
+          </p:childTnLst>
+        </p:cTn>
+      </p:par>
+    </p:tnLst>
+    <p:bldLst>
+      <p:bldP spid="16" grpId="0"/>
+    </p:bldLst>
+  </p:timing>
+</p:sld>
+</file>
+
+<file path=ppt/slides/slide7.xml><?xml version="1.0" encoding="utf-8"?>
+<p:sld xmlns:a="http://schemas.openxmlformats.org/drawingml/2006/main" xmlns:r="http://schemas.openxmlformats.org/officeDocument/2006/relationships" xmlns:p="http://schemas.openxmlformats.org/presentationml/2006/main">
+  <p:cSld>
+    <p:spTree>
+      <p:nvGrpSpPr>
+        <p:cNvPr id="1" name=""/>
+        <p:cNvGrpSpPr/>
+        <p:nvPr/>
+      </p:nvGrpSpPr>
+      <p:grpSpPr>
+        <a:xfrm>
+          <a:off x="0" y="0"/>
+          <a:ext cx="0" cy="0"/>
+          <a:chOff x="0" y="0"/>
+          <a:chExt cx="0" cy="0"/>
+        </a:xfrm>
+      </p:grpSpPr>
+      <p:grpSp>
+        <p:nvGrpSpPr>
+          <p:cNvPr id="2" name="1"/>
+          <p:cNvGrpSpPr/>
+          <p:nvPr/>
+        </p:nvGrpSpPr>
+        <p:grpSpPr>
+          <a:xfrm>
+            <a:off x="583060" y="342545"/>
+            <a:ext cx="637243" cy="227778"/>
+            <a:chOff x="264939" y="188640"/>
+            <a:chExt cx="604358" cy="216024"/>
+          </a:xfrm>
+          <a:solidFill>
+            <a:srgbClr val="0D4960"/>
+          </a:solidFill>
+        </p:grpSpPr>
+        <p:sp>
+          <p:nvSpPr>
+            <p:cNvPr id="13" name="燕尾形 12"/>
+            <p:cNvSpPr/>
+            <p:nvPr/>
+          </p:nvSpPr>
+          <p:spPr>
+            <a:xfrm>
+              <a:off x="264939" y="188640"/>
+              <a:ext cx="216024" cy="216024"/>
+            </a:xfrm>
+            <a:prstGeom prst="chevron">
+              <a:avLst/>
+            </a:prstGeom>
+            <a:grpFill/>
+            <a:ln>
+              <a:noFill/>
+            </a:ln>
+            <a:effectLst>
+              <a:outerShdw blurRad="63500" algn="ctr" rotWithShape="0">
+                <a:prstClr val="black">
+                  <a:alpha val="40000"/>
+                </a:prstClr>
+              </a:outerShdw>
+            </a:effectLst>
+          </p:spPr>
+          <p:txBody>
+            <a:bodyPr lIns="0" tIns="0" rIns="0" bIns="0" anchor="ctr"/>
+            <a:lstStyle/>
+            <a:p>
+              <a:endParaRPr lang="zh-CN" altLang="en-US" sz="900">
+                <a:solidFill>
+                  <a:srgbClr val="0070C0"/>
+                </a:solidFill>
+                <a:cs typeface="+mn-ea"/>
+              </a:endParaRPr>
+            </a:p>
+          </p:txBody>
+        </p:sp>
+        <p:sp>
+          <p:nvSpPr>
+            <p:cNvPr id="14" name="燕尾形 13"/>
+            <p:cNvSpPr/>
+            <p:nvPr/>
+          </p:nvSpPr>
+          <p:spPr>
+            <a:xfrm>
+              <a:off x="454914" y="188640"/>
+              <a:ext cx="216024" cy="216024"/>
+            </a:xfrm>
+            <a:prstGeom prst="chevron">
+              <a:avLst/>
+            </a:prstGeom>
+            <a:grpFill/>
+            <a:ln>
+              <a:noFill/>
+            </a:ln>
+            <a:effectLst>
+              <a:outerShdw blurRad="63500" algn="ctr" rotWithShape="0">
+                <a:prstClr val="black">
+                  <a:alpha val="40000"/>
+                </a:prstClr>
+              </a:outerShdw>
+            </a:effectLst>
+          </p:spPr>
+          <p:txBody>
+            <a:bodyPr lIns="0" tIns="0" rIns="0" bIns="0" anchor="ctr"/>
+            <a:lstStyle/>
+            <a:p>
+              <a:endParaRPr lang="zh-CN" altLang="en-US" sz="900">
+                <a:solidFill>
+                  <a:srgbClr val="0070C0"/>
+                </a:solidFill>
+                <a:cs typeface="+mn-ea"/>
+              </a:endParaRPr>
+            </a:p>
+          </p:txBody>
+        </p:sp>
+        <p:sp>
+          <p:nvSpPr>
+            <p:cNvPr id="15" name="燕尾形 14"/>
+            <p:cNvSpPr/>
+            <p:nvPr/>
+          </p:nvSpPr>
+          <p:spPr>
+            <a:xfrm>
+              <a:off x="653273" y="188640"/>
+              <a:ext cx="216024" cy="216024"/>
+            </a:xfrm>
+            <a:prstGeom prst="chevron">
+              <a:avLst/>
+            </a:prstGeom>
+            <a:grpFill/>
+            <a:ln>
+              <a:noFill/>
+            </a:ln>
+            <a:effectLst>
+              <a:outerShdw blurRad="63500" algn="ctr" rotWithShape="0">
+                <a:prstClr val="black">
+                  <a:alpha val="40000"/>
+                </a:prstClr>
+              </a:outerShdw>
+            </a:effectLst>
+          </p:spPr>
+          <p:txBody>
+            <a:bodyPr lIns="0" tIns="0" rIns="0" bIns="0" anchor="ctr"/>
+            <a:lstStyle/>
+            <a:p>
+              <a:endParaRPr lang="zh-CN" altLang="en-US" sz="900">
+                <a:solidFill>
+                  <a:srgbClr val="0070C0"/>
+                </a:solidFill>
+                <a:cs typeface="+mn-ea"/>
+              </a:endParaRPr>
+            </a:p>
+          </p:txBody>
+        </p:sp>
+      </p:grpSp>
+      <p:sp>
+        <p:nvSpPr>
+          <p:cNvPr id="16" name="2"/>
+          <p:cNvSpPr txBox="1"/>
+          <p:nvPr/>
+        </p:nvSpPr>
+        <p:spPr>
+          <a:xfrm>
+            <a:off x="1418247" y="211364"/>
+            <a:ext cx="10174106" cy="503905"/>
+          </a:xfrm>
+          <a:prstGeom prst="rect">
+            <a:avLst/>
+          </a:prstGeom>
+          <a:noFill/>
+        </p:spPr>
+        <p:txBody>
+          <a:bodyPr wrap="square" lIns="72312" tIns="36156" rIns="72312" bIns="36156" rtlCol="0">
+            <a:spAutoFit/>
+          </a:bodyPr>
+          <a:lstStyle/>
+          <a:p>
+            <a:pPr marL="0" lvl="1"/>
+            <a:r>
+              <a:rPr lang="en-US" altLang="zh-CN" sz="2800" spc="300" dirty="0">
+                <a:solidFill>
+                  <a:srgbClr val="0D4960"/>
+                </a:solidFill>
+                <a:latin typeface="方正尚酷简体" panose="03000509000000000000" pitchFamily="65" charset="-122"/>
+                <a:ea typeface="方正尚酷简体" panose="03000509000000000000" pitchFamily="65" charset="-122"/>
+              </a:rPr>
+              <a:t>Spring Cloud Bus  </a:t>
+            </a:r>
+            <a:r>
+              <a:rPr lang="zh-CN" altLang="en-US" sz="2800" spc="300" dirty="0">
+                <a:solidFill>
+                  <a:srgbClr val="0D4960"/>
+                </a:solidFill>
+                <a:latin typeface="方正尚酷简体" panose="03000509000000000000" pitchFamily="65" charset="-122"/>
+                <a:ea typeface="方正尚酷简体" panose="03000509000000000000" pitchFamily="65" charset="-122"/>
+              </a:rPr>
+              <a:t>消息总线</a:t>
+            </a:r>
+            <a:endParaRPr lang="en-US" altLang="zh-CN" sz="2800" spc="300" dirty="0">
+              <a:solidFill>
+                <a:srgbClr val="0D4960"/>
+              </a:solidFill>
+              <a:latin typeface="方正尚酷简体" panose="03000509000000000000" pitchFamily="65" charset="-122"/>
+              <a:ea typeface="方正尚酷简体" panose="03000509000000000000" pitchFamily="65" charset="-122"/>
+            </a:endParaRPr>
+          </a:p>
+        </p:txBody>
+      </p:sp>
+      <p:cxnSp>
+        <p:nvCxnSpPr>
+          <p:cNvPr id="17" name="3"/>
+          <p:cNvCxnSpPr/>
+          <p:nvPr/>
+        </p:nvCxnSpPr>
+        <p:spPr>
+          <a:xfrm>
+            <a:off x="1418247" y="761569"/>
+            <a:ext cx="10174106" cy="0"/>
+          </a:xfrm>
+          <a:prstGeom prst="line">
+            <a:avLst/>
+          </a:prstGeom>
+          <a:ln>
+            <a:solidFill>
+              <a:schemeClr val="bg1">
+                <a:lumMod val="75000"/>
+              </a:schemeClr>
+            </a:solidFill>
+          </a:ln>
+        </p:spPr>
+        <p:style>
+          <a:lnRef idx="1">
+            <a:schemeClr val="accent1"/>
+          </a:lnRef>
+          <a:fillRef idx="0">
+            <a:schemeClr val="accent1"/>
+          </a:fillRef>
+          <a:effectRef idx="0">
+            <a:schemeClr val="accent1"/>
+          </a:effectRef>
+          <a:fontRef idx="minor">
+            <a:schemeClr val="tx1"/>
+          </a:fontRef>
+        </p:style>
+      </p:cxnSp>
+    </p:spTree>
+    <p:extLst>
+      <p:ext uri="{BB962C8B-B14F-4D97-AF65-F5344CB8AC3E}">
+        <p14:creationId xmlns:p14="http://schemas.microsoft.com/office/powerpoint/2010/main" val="446896059"/>
+      </p:ext>
+    </p:extLst>
+  </p:cSld>
+  <p:clrMapOvr>
+    <a:masterClrMapping/>
+  </p:clrMapOvr>
+  <mc:AlternateContent xmlns:mc="http://schemas.openxmlformats.org/markup-compatibility/2006" xmlns:p14="http://schemas.microsoft.com/office/powerpoint/2010/main">
+    <mc:Choice Requires="p14">
+      <p:transition spd="slow" p14:dur="1500">
+        <p:random/>
+      </p:transition>
+    </mc:Choice>
+    <mc:Fallback xmlns="">
+      <p:transition spd="slow">
+        <p:random/>
+      </p:transition>
+    </mc:Fallback>
+  </mc:AlternateContent>
+  <p:timing>
+    <p:tnLst>
+      <p:par>
+        <p:cTn id="1" dur="indefinite" restart="never" nodeType="tmRoot">
+          <p:childTnLst>
+            <p:seq concurrent="1" nextAc="seek">
+              <p:cTn id="2" dur="indefinite" nodeType="mainSeq">
+                <p:childTnLst>
+                  <p:par>
+                    <p:cTn id="3" fill="hold">
+                      <p:stCondLst>
+                        <p:cond delay="indefinite"/>
+                        <p:cond evt="onBegin" delay="0">
+                          <p:tn val="2"/>
+                        </p:cond>
+                      </p:stCondLst>
+                      <p:childTnLst>
+                        <p:par>
+                          <p:cTn id="4" fill="hold">
+                            <p:stCondLst>
+                              <p:cond delay="0"/>
+                            </p:stCondLst>
+                            <p:childTnLst>
+                              <p:par>
+                                <p:cTn id="5" presetID="2" presetClass="entr" presetSubtype="8" fill="hold" nodeType="afterEffect">
+                                  <p:stCondLst>
+                                    <p:cond delay="0"/>
+                                  </p:stCondLst>
+                                  <p:childTnLst>
+                                    <p:set>
+                                      <p:cBhvr>
+                                        <p:cTn id="6" dur="1" fill="hold">
+                                          <p:stCondLst>
+                                            <p:cond delay="0"/>
+                                          </p:stCondLst>
+                                        </p:cTn>
+                                        <p:tgtEl>
+                                          <p:spTgt spid="2"/>
+                                        </p:tgtEl>
+                                        <p:attrNameLst>
+                                          <p:attrName>style.visibility</p:attrName>
+                                        </p:attrNameLst>
+                                      </p:cBhvr>
+                                      <p:to>
+                                        <p:strVal val="visible"/>
+                                      </p:to>
+                                    </p:set>
+                                    <p:anim calcmode="lin" valueType="num">
+                                      <p:cBhvr additive="base">
+                                        <p:cTn id="7" dur="750" fill="hold"/>
+                                        <p:tgtEl>
+                                          <p:spTgt spid="2"/>
+                                        </p:tgtEl>
+                                        <p:attrNameLst>
+                                          <p:attrName>ppt_x</p:attrName>
+                                        </p:attrNameLst>
+                                      </p:cBhvr>
+                                      <p:tavLst>
+                                        <p:tav tm="0">
+                                          <p:val>
+                                            <p:strVal val="0-#ppt_w/2"/>
+                                          </p:val>
+                                        </p:tav>
+                                        <p:tav tm="100000">
+                                          <p:val>
+                                            <p:strVal val="#ppt_x"/>
+                                          </p:val>
+                                        </p:tav>
+                                      </p:tavLst>
+                                    </p:anim>
+                                    <p:anim calcmode="lin" valueType="num">
+                                      <p:cBhvr additive="base">
+                                        <p:cTn id="8" dur="750" fill="hold"/>
+                                        <p:tgtEl>
+                                          <p:spTgt spid="2"/>
+                                        </p:tgtEl>
+                                        <p:attrNameLst>
+                                          <p:attrName>ppt_y</p:attrName>
+                                        </p:attrNameLst>
+                                      </p:cBhvr>
+                                      <p:tavLst>
+                                        <p:tav tm="0">
+                                          <p:val>
+                                            <p:strVal val="#ppt_y"/>
+                                          </p:val>
+                                        </p:tav>
+                                        <p:tav tm="100000">
+                                          <p:val>
+                                            <p:strVal val="#ppt_y"/>
+                                          </p:val>
+                                        </p:tav>
+                                      </p:tavLst>
+                                    </p:anim>
+                                  </p:childTnLst>
+                                </p:cTn>
+                              </p:par>
+                            </p:childTnLst>
+                          </p:cTn>
+                        </p:par>
+                        <p:par>
+                          <p:cTn id="9" fill="hold">
+                            <p:stCondLst>
+                              <p:cond delay="750"/>
+                            </p:stCondLst>
+                            <p:childTnLst>
+                              <p:par>
+                                <p:cTn id="10" presetID="53" presetClass="entr" presetSubtype="16" fill="hold" grpId="0" nodeType="afterEffect">
+                                  <p:stCondLst>
+                                    <p:cond delay="0"/>
+                                  </p:stCondLst>
+                                  <p:iterate type="lt">
+                                    <p:tmPct val="10000"/>
+                                  </p:iterate>
+                                  <p:childTnLst>
+                                    <p:set>
+                                      <p:cBhvr>
+                                        <p:cTn id="11" dur="1" fill="hold">
+                                          <p:stCondLst>
+                                            <p:cond delay="0"/>
+                                          </p:stCondLst>
+                                        </p:cTn>
+                                        <p:tgtEl>
+                                          <p:spTgt spid="16"/>
+                                        </p:tgtEl>
+                                        <p:attrNameLst>
+                                          <p:attrName>style.visibility</p:attrName>
+                                        </p:attrNameLst>
+                                      </p:cBhvr>
+                                      <p:to>
+                                        <p:strVal val="visible"/>
+                                      </p:to>
+                                    </p:set>
+                                    <p:anim calcmode="lin" valueType="num">
+                                      <p:cBhvr>
+                                        <p:cTn id="12" dur="500" fill="hold"/>
+                                        <p:tgtEl>
+                                          <p:spTgt spid="16"/>
+                                        </p:tgtEl>
+                                        <p:attrNameLst>
+                                          <p:attrName>ppt_w</p:attrName>
+                                        </p:attrNameLst>
+                                      </p:cBhvr>
+                                      <p:tavLst>
+                                        <p:tav tm="0">
+                                          <p:val>
+                                            <p:fltVal val="0"/>
+                                          </p:val>
+                                        </p:tav>
+                                        <p:tav tm="100000">
+                                          <p:val>
+                                            <p:strVal val="#ppt_w"/>
+                                          </p:val>
+                                        </p:tav>
+                                      </p:tavLst>
+                                    </p:anim>
+                                    <p:anim calcmode="lin" valueType="num">
+                                      <p:cBhvr>
+                                        <p:cTn id="13" dur="500" fill="hold"/>
+                                        <p:tgtEl>
+                                          <p:spTgt spid="16"/>
+                                        </p:tgtEl>
+                                        <p:attrNameLst>
+                                          <p:attrName>ppt_h</p:attrName>
+                                        </p:attrNameLst>
+                                      </p:cBhvr>
+                                      <p:tavLst>
+                                        <p:tav tm="0">
+                                          <p:val>
+                                            <p:fltVal val="0"/>
+                                          </p:val>
+                                        </p:tav>
+                                        <p:tav tm="100000">
+                                          <p:val>
+                                            <p:strVal val="#ppt_h"/>
+                                          </p:val>
+                                        </p:tav>
+                                      </p:tavLst>
+                                    </p:anim>
+                                    <p:animEffect transition="in" filter="fade">
+                                      <p:cBhvr>
+                                        <p:cTn id="14" dur="500"/>
+                                        <p:tgtEl>
+                                          <p:spTgt spid="16"/>
+                                        </p:tgtEl>
+                                      </p:cBhvr>
+                                    </p:animEffect>
+                                  </p:childTnLst>
+                                </p:cTn>
+                              </p:par>
+                              <p:par>
+                                <p:cTn id="15" presetID="22" presetClass="entr" presetSubtype="2" fill="hold" nodeType="withEffect">
+                                  <p:stCondLst>
+                                    <p:cond delay="250"/>
+                                  </p:stCondLst>
+                                  <p:childTnLst>
+                                    <p:set>
+                                      <p:cBhvr>
+                                        <p:cTn id="16" dur="1" fill="hold">
+                                          <p:stCondLst>
+                                            <p:cond delay="0"/>
+                                          </p:stCondLst>
+                                        </p:cTn>
+                                        <p:tgtEl>
+                                          <p:spTgt spid="17"/>
+                                        </p:tgtEl>
+                                        <p:attrNameLst>
+                                          <p:attrName>style.visibility</p:attrName>
+                                        </p:attrNameLst>
+                                      </p:cBhvr>
+                                      <p:to>
+                                        <p:strVal val="visible"/>
+                                      </p:to>
+                                    </p:set>
+                                    <p:animEffect transition="in" filter="wipe(right)">
+                                      <p:cBhvr>
+                                        <p:cTn id="17" dur="750"/>
+                                        <p:tgtEl>
+                                          <p:spTgt spid="17"/>
+                                        </p:tgtEl>
+                                      </p:cBhvr>
+                                    </p:animEffect>
+                                  </p:childTnLst>
+                                </p:cTn>
+                              </p:par>
+                            </p:childTnLst>
+                          </p:cTn>
+                        </p:par>
+                      </p:childTnLst>
+                    </p:cTn>
+                  </p:par>
+                </p:childTnLst>
+              </p:cTn>
+              <p:prevCondLst>
+                <p:cond evt="onPrev" delay="0">
+                  <p:tgtEl>
+                    <p:sldTgt/>
+                  </p:tgtEl>
+                </p:cond>
+              </p:prevCondLst>
+              <p:nextCondLst>
+                <p:cond evt="onNext" delay="0">
+                  <p:tgtEl>
+                    <p:sldTgt/>
+                  </p:tgtEl>
+                </p:cond>
+              </p:nextCondLst>
+            </p:seq>
+          </p:childTnLst>
+        </p:cTn>
+      </p:par>
+    </p:tnLst>
+    <p:bldLst>
+      <p:bldP spid="16" grpId="0"/>
+    </p:bldLst>
+  </p:timing>
+</p:sld>
+</file>
+
+<file path=ppt/slides/slide8.xml><?xml version="1.0" encoding="utf-8"?>
+<p:sld xmlns:a="http://schemas.openxmlformats.org/drawingml/2006/main" xmlns:r="http://schemas.openxmlformats.org/officeDocument/2006/relationships" xmlns:p="http://schemas.openxmlformats.org/presentationml/2006/main">
+  <p:cSld>
+    <p:spTree>
+      <p:nvGrpSpPr>
+        <p:cNvPr id="1" name=""/>
+        <p:cNvGrpSpPr/>
+        <p:nvPr/>
+      </p:nvGrpSpPr>
+      <p:grpSpPr>
+        <a:xfrm>
+          <a:off x="0" y="0"/>
+          <a:ext cx="0" cy="0"/>
+          <a:chOff x="0" y="0"/>
+          <a:chExt cx="0" cy="0"/>
+        </a:xfrm>
+      </p:grpSpPr>
+      <p:grpSp>
+        <p:nvGrpSpPr>
+          <p:cNvPr id="2" name="1"/>
+          <p:cNvGrpSpPr/>
+          <p:nvPr/>
+        </p:nvGrpSpPr>
+        <p:grpSpPr>
+          <a:xfrm>
+            <a:off x="583060" y="342545"/>
+            <a:ext cx="637243" cy="227778"/>
+            <a:chOff x="264939" y="188640"/>
+            <a:chExt cx="604358" cy="216024"/>
+          </a:xfrm>
+          <a:solidFill>
+            <a:srgbClr val="0D4960"/>
+          </a:solidFill>
+        </p:grpSpPr>
+        <p:sp>
+          <p:nvSpPr>
+            <p:cNvPr id="13" name="燕尾形 12"/>
+            <p:cNvSpPr/>
+            <p:nvPr/>
+          </p:nvSpPr>
+          <p:spPr>
+            <a:xfrm>
+              <a:off x="264939" y="188640"/>
+              <a:ext cx="216024" cy="216024"/>
+            </a:xfrm>
+            <a:prstGeom prst="chevron">
+              <a:avLst/>
+            </a:prstGeom>
+            <a:grpFill/>
+            <a:ln>
+              <a:noFill/>
+            </a:ln>
+            <a:effectLst>
+              <a:outerShdw blurRad="63500" algn="ctr" rotWithShape="0">
+                <a:prstClr val="black">
+                  <a:alpha val="40000"/>
+                </a:prstClr>
+              </a:outerShdw>
+            </a:effectLst>
+          </p:spPr>
+          <p:txBody>
+            <a:bodyPr lIns="0" tIns="0" rIns="0" bIns="0" anchor="ctr"/>
+            <a:lstStyle/>
+            <a:p>
+              <a:endParaRPr lang="zh-CN" altLang="en-US" sz="900">
+                <a:solidFill>
+                  <a:srgbClr val="0070C0"/>
+                </a:solidFill>
+                <a:cs typeface="+mn-ea"/>
+              </a:endParaRPr>
+            </a:p>
+          </p:txBody>
+        </p:sp>
+        <p:sp>
+          <p:nvSpPr>
+            <p:cNvPr id="14" name="燕尾形 13"/>
+            <p:cNvSpPr/>
+            <p:nvPr/>
+          </p:nvSpPr>
+          <p:spPr>
+            <a:xfrm>
+              <a:off x="454914" y="188640"/>
+              <a:ext cx="216024" cy="216024"/>
+            </a:xfrm>
+            <a:prstGeom prst="chevron">
+              <a:avLst/>
+            </a:prstGeom>
+            <a:grpFill/>
+            <a:ln>
+              <a:noFill/>
+            </a:ln>
+            <a:effectLst>
+              <a:outerShdw blurRad="63500" algn="ctr" rotWithShape="0">
+                <a:prstClr val="black">
+                  <a:alpha val="40000"/>
+                </a:prstClr>
+              </a:outerShdw>
+            </a:effectLst>
+          </p:spPr>
+          <p:txBody>
+            <a:bodyPr lIns="0" tIns="0" rIns="0" bIns="0" anchor="ctr"/>
+            <a:lstStyle/>
+            <a:p>
+              <a:endParaRPr lang="zh-CN" altLang="en-US" sz="900">
+                <a:solidFill>
+                  <a:srgbClr val="0070C0"/>
+                </a:solidFill>
+                <a:cs typeface="+mn-ea"/>
+              </a:endParaRPr>
+            </a:p>
+          </p:txBody>
+        </p:sp>
+        <p:sp>
+          <p:nvSpPr>
+            <p:cNvPr id="15" name="燕尾形 14"/>
+            <p:cNvSpPr/>
+            <p:nvPr/>
+          </p:nvSpPr>
+          <p:spPr>
+            <a:xfrm>
+              <a:off x="653273" y="188640"/>
+              <a:ext cx="216024" cy="216024"/>
+            </a:xfrm>
+            <a:prstGeom prst="chevron">
+              <a:avLst/>
+            </a:prstGeom>
+            <a:grpFill/>
+            <a:ln>
+              <a:noFill/>
+            </a:ln>
+            <a:effectLst>
+              <a:outerShdw blurRad="63500" algn="ctr" rotWithShape="0">
+                <a:prstClr val="black">
+                  <a:alpha val="40000"/>
+                </a:prstClr>
+              </a:outerShdw>
+            </a:effectLst>
+          </p:spPr>
+          <p:txBody>
+            <a:bodyPr lIns="0" tIns="0" rIns="0" bIns="0" anchor="ctr"/>
+            <a:lstStyle/>
+            <a:p>
+              <a:endParaRPr lang="zh-CN" altLang="en-US" sz="900">
+                <a:solidFill>
+                  <a:srgbClr val="0070C0"/>
+                </a:solidFill>
+                <a:cs typeface="+mn-ea"/>
+              </a:endParaRPr>
+            </a:p>
+          </p:txBody>
+        </p:sp>
+      </p:grpSp>
+      <p:sp>
+        <p:nvSpPr>
+          <p:cNvPr id="16" name="2"/>
+          <p:cNvSpPr txBox="1"/>
+          <p:nvPr/>
+        </p:nvSpPr>
+        <p:spPr>
+          <a:xfrm>
+            <a:off x="1418247" y="211364"/>
+            <a:ext cx="10174106" cy="503905"/>
+          </a:xfrm>
+          <a:prstGeom prst="rect">
+            <a:avLst/>
+          </a:prstGeom>
+          <a:noFill/>
+        </p:spPr>
+        <p:txBody>
+          <a:bodyPr wrap="square" lIns="72312" tIns="36156" rIns="72312" bIns="36156" rtlCol="0">
+            <a:spAutoFit/>
+          </a:bodyPr>
+          <a:lstStyle/>
+          <a:p>
+            <a:pPr marL="0" lvl="1"/>
+            <a:r>
+              <a:rPr lang="en-US" altLang="zh-CN" sz="2800" spc="300" dirty="0">
+                <a:solidFill>
+                  <a:srgbClr val="0D4960"/>
+                </a:solidFill>
+                <a:latin typeface="方正尚酷简体" panose="03000509000000000000" pitchFamily="65" charset="-122"/>
+                <a:ea typeface="方正尚酷简体" panose="03000509000000000000" pitchFamily="65" charset="-122"/>
+              </a:rPr>
+              <a:t>Spring Cloud </a:t>
+            </a:r>
+            <a:r>
+              <a:rPr lang="en-US" altLang="zh-CN" sz="2800" spc="300" dirty="0" err="1">
+                <a:solidFill>
+                  <a:srgbClr val="0D4960"/>
+                </a:solidFill>
+                <a:latin typeface="方正尚酷简体" panose="03000509000000000000" pitchFamily="65" charset="-122"/>
+                <a:ea typeface="方正尚酷简体" panose="03000509000000000000" pitchFamily="65" charset="-122"/>
+              </a:rPr>
+              <a:t>Zuul</a:t>
+            </a:r>
+            <a:r>
+              <a:rPr lang="en-US" altLang="zh-CN" sz="2800" spc="300" dirty="0">
+                <a:solidFill>
+                  <a:srgbClr val="0D4960"/>
+                </a:solidFill>
+                <a:latin typeface="方正尚酷简体" panose="03000509000000000000" pitchFamily="65" charset="-122"/>
+                <a:ea typeface="方正尚酷简体" panose="03000509000000000000" pitchFamily="65" charset="-122"/>
+              </a:rPr>
+              <a:t>   </a:t>
+            </a:r>
+            <a:r>
+              <a:rPr lang="zh-CN" altLang="en-US" sz="2800" spc="300" dirty="0">
+                <a:solidFill>
+                  <a:srgbClr val="0D4960"/>
+                </a:solidFill>
+                <a:latin typeface="方正尚酷简体" panose="03000509000000000000" pitchFamily="65" charset="-122"/>
+                <a:ea typeface="方正尚酷简体" panose="03000509000000000000" pitchFamily="65" charset="-122"/>
+              </a:rPr>
+              <a:t>网关服务</a:t>
+            </a:r>
+            <a:endParaRPr lang="en-US" altLang="zh-CN" sz="2800" spc="300" dirty="0">
+              <a:solidFill>
+                <a:srgbClr val="0D4960"/>
+              </a:solidFill>
+              <a:latin typeface="方正尚酷简体" panose="03000509000000000000" pitchFamily="65" charset="-122"/>
+              <a:ea typeface="方正尚酷简体" panose="03000509000000000000" pitchFamily="65" charset="-122"/>
+            </a:endParaRPr>
+          </a:p>
+        </p:txBody>
+      </p:sp>
+      <p:cxnSp>
+        <p:nvCxnSpPr>
+          <p:cNvPr id="17" name="3"/>
+          <p:cNvCxnSpPr/>
+          <p:nvPr/>
+        </p:nvCxnSpPr>
+        <p:spPr>
+          <a:xfrm>
+            <a:off x="1418247" y="761569"/>
+            <a:ext cx="10174106" cy="0"/>
+          </a:xfrm>
+          <a:prstGeom prst="line">
+            <a:avLst/>
+          </a:prstGeom>
+          <a:ln>
+            <a:solidFill>
+              <a:schemeClr val="bg1">
+                <a:lumMod val="75000"/>
+              </a:schemeClr>
+            </a:solidFill>
+          </a:ln>
+        </p:spPr>
+        <p:style>
+          <a:lnRef idx="1">
+            <a:schemeClr val="accent1"/>
+          </a:lnRef>
+          <a:fillRef idx="0">
+            <a:schemeClr val="accent1"/>
+          </a:fillRef>
+          <a:effectRef idx="0">
+            <a:schemeClr val="accent1"/>
+          </a:effectRef>
+          <a:fontRef idx="minor">
+            <a:schemeClr val="tx1"/>
+          </a:fontRef>
+        </p:style>
+      </p:cxnSp>
+    </p:spTree>
+    <p:extLst>
+      <p:ext uri="{BB962C8B-B14F-4D97-AF65-F5344CB8AC3E}">
+        <p14:creationId xmlns:p14="http://schemas.microsoft.com/office/powerpoint/2010/main" val="2357855105"/>
       </p:ext>
     </p:extLst>
   </p:cSld>

--- a/springcloud.pptx
+++ b/springcloud.pptx
@@ -119,7 +119,7 @@
   </p:defaultTextStyle>
   <p:extLst>
     <p:ext uri="{EFAFB233-063F-42B5-8137-9DF3F51BA10A}">
-      <p15:sldGuideLst xmlns:p15="http://schemas.microsoft.com/office/powerpoint/2012/main">
+      <p15:sldGuideLst xmlns:p15="http://schemas.microsoft.com/office/powerpoint/2012/main" xmlns="">
         <p15:guide id="1" orient="horz" pos="2160" userDrawn="1">
           <p15:clr>
             <a:srgbClr val="A4A3A4"/>
@@ -219,7 +219,7 @@
             <a:fld id="{05B1D5F9-199E-4B77-ACFB-0D659EE03F6C}" type="datetimeFigureOut">
               <a:rPr lang="zh-CN" altLang="en-US" smtClean="0"/>
               <a:pPr/>
-              <a:t>2018/6/8</a:t>
+              <a:t>2018/6/21 Thursday</a:t>
             </a:fld>
             <a:endParaRPr lang="zh-CN" altLang="en-US"/>
           </a:p>
@@ -387,7 +387,7 @@
     </p:spTree>
     <p:extLst>
       <p:ext uri="{BB962C8B-B14F-4D97-AF65-F5344CB8AC3E}">
-        <p14:creationId xmlns:p14="http://schemas.microsoft.com/office/powerpoint/2010/main" val="4136795833"/>
+        <p14:creationId xmlns:p14="http://schemas.microsoft.com/office/powerpoint/2010/main" xmlns="" val="4136795833"/>
       </p:ext>
     </p:extLst>
   </p:cSld>
@@ -562,7 +562,7 @@
     </p:spTree>
     <p:extLst>
       <p:ext uri="{BB962C8B-B14F-4D97-AF65-F5344CB8AC3E}">
-        <p14:creationId xmlns:p14="http://schemas.microsoft.com/office/powerpoint/2010/main" val="2594768037"/>
+        <p14:creationId xmlns:p14="http://schemas.microsoft.com/office/powerpoint/2010/main" xmlns="" val="2594768037"/>
       </p:ext>
     </p:extLst>
   </p:cSld>
@@ -647,7 +647,7 @@
     </p:spTree>
     <p:extLst>
       <p:ext uri="{BB962C8B-B14F-4D97-AF65-F5344CB8AC3E}">
-        <p14:creationId xmlns:p14="http://schemas.microsoft.com/office/powerpoint/2010/main" val="2506518844"/>
+        <p14:creationId xmlns:p14="http://schemas.microsoft.com/office/powerpoint/2010/main" xmlns="" val="2506518844"/>
       </p:ext>
     </p:extLst>
   </p:cSld>
@@ -732,7 +732,7 @@
     </p:spTree>
     <p:extLst>
       <p:ext uri="{BB962C8B-B14F-4D97-AF65-F5344CB8AC3E}">
-        <p14:creationId xmlns:p14="http://schemas.microsoft.com/office/powerpoint/2010/main" val="417888688"/>
+        <p14:creationId xmlns:p14="http://schemas.microsoft.com/office/powerpoint/2010/main" xmlns="" val="417888688"/>
       </p:ext>
     </p:extLst>
   </p:cSld>
@@ -817,7 +817,7 @@
     </p:spTree>
     <p:extLst>
       <p:ext uri="{BB962C8B-B14F-4D97-AF65-F5344CB8AC3E}">
-        <p14:creationId xmlns:p14="http://schemas.microsoft.com/office/powerpoint/2010/main" val="2094086634"/>
+        <p14:creationId xmlns:p14="http://schemas.microsoft.com/office/powerpoint/2010/main" xmlns="" val="2094086634"/>
       </p:ext>
     </p:extLst>
   </p:cSld>
@@ -902,7 +902,7 @@
     </p:spTree>
     <p:extLst>
       <p:ext uri="{BB962C8B-B14F-4D97-AF65-F5344CB8AC3E}">
-        <p14:creationId xmlns:p14="http://schemas.microsoft.com/office/powerpoint/2010/main" val="3890051078"/>
+        <p14:creationId xmlns:p14="http://schemas.microsoft.com/office/powerpoint/2010/main" xmlns="" val="3890051078"/>
       </p:ext>
     </p:extLst>
   </p:cSld>
@@ -987,7 +987,7 @@
     </p:spTree>
     <p:extLst>
       <p:ext uri="{BB962C8B-B14F-4D97-AF65-F5344CB8AC3E}">
-        <p14:creationId xmlns:p14="http://schemas.microsoft.com/office/powerpoint/2010/main" val="196996080"/>
+        <p14:creationId xmlns:p14="http://schemas.microsoft.com/office/powerpoint/2010/main" xmlns="" val="196996080"/>
       </p:ext>
     </p:extLst>
   </p:cSld>
@@ -1072,7 +1072,7 @@
     </p:spTree>
     <p:extLst>
       <p:ext uri="{BB962C8B-B14F-4D97-AF65-F5344CB8AC3E}">
-        <p14:creationId xmlns:p14="http://schemas.microsoft.com/office/powerpoint/2010/main" val="4053939129"/>
+        <p14:creationId xmlns:p14="http://schemas.microsoft.com/office/powerpoint/2010/main" xmlns="" val="4053939129"/>
       </p:ext>
     </p:extLst>
   </p:cSld>
@@ -1157,7 +1157,7 @@
     </p:spTree>
     <p:extLst>
       <p:ext uri="{BB962C8B-B14F-4D97-AF65-F5344CB8AC3E}">
-        <p14:creationId xmlns:p14="http://schemas.microsoft.com/office/powerpoint/2010/main" val="2150919067"/>
+        <p14:creationId xmlns:p14="http://schemas.microsoft.com/office/powerpoint/2010/main" xmlns="" val="2150919067"/>
       </p:ext>
     </p:extLst>
   </p:cSld>
@@ -1297,7 +1297,7 @@
             <a:fld id="{91AD7F68-8E1B-45E2-8A27-5D5DEAAB1BF2}" type="datetimeFigureOut">
               <a:rPr lang="zh-CN" altLang="en-US" smtClean="0"/>
               <a:pPr/>
-              <a:t>2018/6/8</a:t>
+              <a:t>2018/6/21 Thursday</a:t>
             </a:fld>
             <a:endParaRPr lang="zh-CN" altLang="en-US"/>
           </a:p>
@@ -1349,20 +1349,20 @@
     </p:spTree>
     <p:extLst>
       <p:ext uri="{BB962C8B-B14F-4D97-AF65-F5344CB8AC3E}">
-        <p14:creationId xmlns:p14="http://schemas.microsoft.com/office/powerpoint/2010/main" val="3379505774"/>
+        <p14:creationId xmlns:p14="http://schemas.microsoft.com/office/powerpoint/2010/main" xmlns="" val="3379505774"/>
       </p:ext>
     </p:extLst>
   </p:cSld>
   <p:clrMapOvr>
     <a:masterClrMapping/>
   </p:clrMapOvr>
-  <mc:AlternateContent xmlns:mc="http://schemas.openxmlformats.org/markup-compatibility/2006" xmlns:p14="http://schemas.microsoft.com/office/powerpoint/2010/main">
-    <mc:Choice Requires="p14">
+  <mc:AlternateContent xmlns:mc="http://schemas.openxmlformats.org/markup-compatibility/2006">
+    <mc:Choice xmlns:p14="http://schemas.microsoft.com/office/powerpoint/2010/main" xmlns="" Requires="p14">
       <p:transition spd="slow" p14:dur="1500" advClick="0" advTm="0">
         <p:random/>
       </p:transition>
     </mc:Choice>
-    <mc:Fallback xmlns="">
+    <mc:Fallback>
       <p:transition spd="slow" advClick="0" advTm="0">
         <p:random/>
       </p:transition>
@@ -1479,7 +1479,7 @@
             <a:fld id="{91AD7F68-8E1B-45E2-8A27-5D5DEAAB1BF2}" type="datetimeFigureOut">
               <a:rPr lang="zh-CN" altLang="en-US" smtClean="0"/>
               <a:pPr/>
-              <a:t>2018/6/8</a:t>
+              <a:t>2018/6/21 Thursday</a:t>
             </a:fld>
             <a:endParaRPr lang="zh-CN" altLang="en-US"/>
           </a:p>
@@ -1531,20 +1531,20 @@
     </p:spTree>
     <p:extLst>
       <p:ext uri="{BB962C8B-B14F-4D97-AF65-F5344CB8AC3E}">
-        <p14:creationId xmlns:p14="http://schemas.microsoft.com/office/powerpoint/2010/main" val="4292131042"/>
+        <p14:creationId xmlns:p14="http://schemas.microsoft.com/office/powerpoint/2010/main" xmlns="" val="4292131042"/>
       </p:ext>
     </p:extLst>
   </p:cSld>
   <p:clrMapOvr>
     <a:masterClrMapping/>
   </p:clrMapOvr>
-  <mc:AlternateContent xmlns:mc="http://schemas.openxmlformats.org/markup-compatibility/2006" xmlns:p14="http://schemas.microsoft.com/office/powerpoint/2010/main">
-    <mc:Choice Requires="p14">
+  <mc:AlternateContent xmlns:mc="http://schemas.openxmlformats.org/markup-compatibility/2006">
+    <mc:Choice xmlns:p14="http://schemas.microsoft.com/office/powerpoint/2010/main" xmlns="" Requires="p14">
       <p:transition spd="slow" p14:dur="1500" advClick="0" advTm="0">
         <p:random/>
       </p:transition>
     </mc:Choice>
-    <mc:Fallback xmlns="">
+    <mc:Fallback>
       <p:transition spd="slow" advClick="0" advTm="0">
         <p:random/>
       </p:transition>
@@ -1671,7 +1671,7 @@
             <a:fld id="{91AD7F68-8E1B-45E2-8A27-5D5DEAAB1BF2}" type="datetimeFigureOut">
               <a:rPr lang="zh-CN" altLang="en-US" smtClean="0"/>
               <a:pPr/>
-              <a:t>2018/6/8</a:t>
+              <a:t>2018/6/21 Thursday</a:t>
             </a:fld>
             <a:endParaRPr lang="zh-CN" altLang="en-US"/>
           </a:p>
@@ -1723,20 +1723,20 @@
     </p:spTree>
     <p:extLst>
       <p:ext uri="{BB962C8B-B14F-4D97-AF65-F5344CB8AC3E}">
-        <p14:creationId xmlns:p14="http://schemas.microsoft.com/office/powerpoint/2010/main" val="1952128637"/>
+        <p14:creationId xmlns:p14="http://schemas.microsoft.com/office/powerpoint/2010/main" xmlns="" val="1952128637"/>
       </p:ext>
     </p:extLst>
   </p:cSld>
   <p:clrMapOvr>
     <a:masterClrMapping/>
   </p:clrMapOvr>
-  <mc:AlternateContent xmlns:mc="http://schemas.openxmlformats.org/markup-compatibility/2006" xmlns:p14="http://schemas.microsoft.com/office/powerpoint/2010/main">
-    <mc:Choice Requires="p14">
+  <mc:AlternateContent xmlns:mc="http://schemas.openxmlformats.org/markup-compatibility/2006">
+    <mc:Choice xmlns:p14="http://schemas.microsoft.com/office/powerpoint/2010/main" xmlns="" Requires="p14">
       <p:transition spd="slow" p14:dur="1500" advClick="0" advTm="0">
         <p:random/>
       </p:transition>
     </mc:Choice>
-    <mc:Fallback xmlns="">
+    <mc:Fallback>
       <p:transition spd="slow" advClick="0" advTm="0">
         <p:random/>
       </p:transition>
@@ -1853,7 +1853,7 @@
             <a:fld id="{91AD7F68-8E1B-45E2-8A27-5D5DEAAB1BF2}" type="datetimeFigureOut">
               <a:rPr lang="zh-CN" altLang="en-US" smtClean="0"/>
               <a:pPr/>
-              <a:t>2018/6/8</a:t>
+              <a:t>2018/6/21 Thursday</a:t>
             </a:fld>
             <a:endParaRPr lang="zh-CN" altLang="en-US"/>
           </a:p>
@@ -1905,20 +1905,20 @@
     </p:spTree>
     <p:extLst>
       <p:ext uri="{BB962C8B-B14F-4D97-AF65-F5344CB8AC3E}">
-        <p14:creationId xmlns:p14="http://schemas.microsoft.com/office/powerpoint/2010/main" val="4173798514"/>
+        <p14:creationId xmlns:p14="http://schemas.microsoft.com/office/powerpoint/2010/main" xmlns="" val="4173798514"/>
       </p:ext>
     </p:extLst>
   </p:cSld>
   <p:clrMapOvr>
     <a:masterClrMapping/>
   </p:clrMapOvr>
-  <mc:AlternateContent xmlns:mc="http://schemas.openxmlformats.org/markup-compatibility/2006" xmlns:p14="http://schemas.microsoft.com/office/powerpoint/2010/main">
-    <mc:Choice Requires="p14">
+  <mc:AlternateContent xmlns:mc="http://schemas.openxmlformats.org/markup-compatibility/2006">
+    <mc:Choice xmlns:p14="http://schemas.microsoft.com/office/powerpoint/2010/main" xmlns="" Requires="p14">
       <p:transition spd="slow" p14:dur="1500" advClick="0" advTm="0">
         <p:random/>
       </p:transition>
     </mc:Choice>
-    <mc:Fallback xmlns="">
+    <mc:Fallback>
       <p:transition spd="slow" advClick="0" advTm="0">
         <p:random/>
       </p:transition>
@@ -2112,7 +2112,7 @@
             <a:fld id="{91AD7F68-8E1B-45E2-8A27-5D5DEAAB1BF2}" type="datetimeFigureOut">
               <a:rPr lang="zh-CN" altLang="en-US" smtClean="0"/>
               <a:pPr/>
-              <a:t>2018/6/8</a:t>
+              <a:t>2018/6/21 Thursday</a:t>
             </a:fld>
             <a:endParaRPr lang="zh-CN" altLang="en-US"/>
           </a:p>
@@ -2164,20 +2164,20 @@
     </p:spTree>
     <p:extLst>
       <p:ext uri="{BB962C8B-B14F-4D97-AF65-F5344CB8AC3E}">
-        <p14:creationId xmlns:p14="http://schemas.microsoft.com/office/powerpoint/2010/main" val="2343028950"/>
+        <p14:creationId xmlns:p14="http://schemas.microsoft.com/office/powerpoint/2010/main" xmlns="" val="2343028950"/>
       </p:ext>
     </p:extLst>
   </p:cSld>
   <p:clrMapOvr>
     <a:masterClrMapping/>
   </p:clrMapOvr>
-  <mc:AlternateContent xmlns:mc="http://schemas.openxmlformats.org/markup-compatibility/2006" xmlns:p14="http://schemas.microsoft.com/office/powerpoint/2010/main">
-    <mc:Choice Requires="p14">
+  <mc:AlternateContent xmlns:mc="http://schemas.openxmlformats.org/markup-compatibility/2006">
+    <mc:Choice xmlns:p14="http://schemas.microsoft.com/office/powerpoint/2010/main" xmlns="" Requires="p14">
       <p:transition spd="slow" p14:dur="1500" advClick="0" advTm="0">
         <p:random/>
       </p:transition>
     </mc:Choice>
-    <mc:Fallback xmlns="">
+    <mc:Fallback>
       <p:transition spd="slow" advClick="0" advTm="0">
         <p:random/>
       </p:transition>
@@ -2355,7 +2355,7 @@
             <a:fld id="{91AD7F68-8E1B-45E2-8A27-5D5DEAAB1BF2}" type="datetimeFigureOut">
               <a:rPr lang="zh-CN" altLang="en-US" smtClean="0"/>
               <a:pPr/>
-              <a:t>2018/6/8</a:t>
+              <a:t>2018/6/21 Thursday</a:t>
             </a:fld>
             <a:endParaRPr lang="zh-CN" altLang="en-US"/>
           </a:p>
@@ -2407,20 +2407,20 @@
     </p:spTree>
     <p:extLst>
       <p:ext uri="{BB962C8B-B14F-4D97-AF65-F5344CB8AC3E}">
-        <p14:creationId xmlns:p14="http://schemas.microsoft.com/office/powerpoint/2010/main" val="1951757828"/>
+        <p14:creationId xmlns:p14="http://schemas.microsoft.com/office/powerpoint/2010/main" xmlns="" val="1951757828"/>
       </p:ext>
     </p:extLst>
   </p:cSld>
   <p:clrMapOvr>
     <a:masterClrMapping/>
   </p:clrMapOvr>
-  <mc:AlternateContent xmlns:mc="http://schemas.openxmlformats.org/markup-compatibility/2006" xmlns:p14="http://schemas.microsoft.com/office/powerpoint/2010/main">
-    <mc:Choice Requires="p14">
+  <mc:AlternateContent xmlns:mc="http://schemas.openxmlformats.org/markup-compatibility/2006">
+    <mc:Choice xmlns:p14="http://schemas.microsoft.com/office/powerpoint/2010/main" xmlns="" Requires="p14">
       <p:transition spd="slow" p14:dur="1500" advClick="0" advTm="0">
         <p:random/>
       </p:transition>
     </mc:Choice>
-    <mc:Fallback xmlns="">
+    <mc:Fallback>
       <p:transition spd="slow" advClick="0" advTm="0">
         <p:random/>
       </p:transition>
@@ -2733,7 +2733,7 @@
             <a:fld id="{91AD7F68-8E1B-45E2-8A27-5D5DEAAB1BF2}" type="datetimeFigureOut">
               <a:rPr lang="zh-CN" altLang="en-US" smtClean="0"/>
               <a:pPr/>
-              <a:t>2018/6/8</a:t>
+              <a:t>2018/6/21 Thursday</a:t>
             </a:fld>
             <a:endParaRPr lang="zh-CN" altLang="en-US"/>
           </a:p>
@@ -2785,20 +2785,20 @@
     </p:spTree>
     <p:extLst>
       <p:ext uri="{BB962C8B-B14F-4D97-AF65-F5344CB8AC3E}">
-        <p14:creationId xmlns:p14="http://schemas.microsoft.com/office/powerpoint/2010/main" val="3785743930"/>
+        <p14:creationId xmlns:p14="http://schemas.microsoft.com/office/powerpoint/2010/main" xmlns="" val="3785743930"/>
       </p:ext>
     </p:extLst>
   </p:cSld>
   <p:clrMapOvr>
     <a:masterClrMapping/>
   </p:clrMapOvr>
-  <mc:AlternateContent xmlns:mc="http://schemas.openxmlformats.org/markup-compatibility/2006" xmlns:p14="http://schemas.microsoft.com/office/powerpoint/2010/main">
-    <mc:Choice Requires="p14">
+  <mc:AlternateContent xmlns:mc="http://schemas.openxmlformats.org/markup-compatibility/2006">
+    <mc:Choice xmlns:p14="http://schemas.microsoft.com/office/powerpoint/2010/main" xmlns="" Requires="p14">
       <p:transition spd="slow" p14:dur="1500" advClick="0" advTm="0">
         <p:random/>
       </p:transition>
     </mc:Choice>
-    <mc:Fallback xmlns="">
+    <mc:Fallback>
       <p:transition spd="slow" advClick="0" advTm="0">
         <p:random/>
       </p:transition>
@@ -2864,7 +2864,7 @@
             <a:fld id="{91AD7F68-8E1B-45E2-8A27-5D5DEAAB1BF2}" type="datetimeFigureOut">
               <a:rPr lang="zh-CN" altLang="en-US" smtClean="0"/>
               <a:pPr/>
-              <a:t>2018/6/8</a:t>
+              <a:t>2018/6/21 Thursday</a:t>
             </a:fld>
             <a:endParaRPr lang="zh-CN" altLang="en-US"/>
           </a:p>
@@ -2916,20 +2916,20 @@
     </p:spTree>
     <p:extLst>
       <p:ext uri="{BB962C8B-B14F-4D97-AF65-F5344CB8AC3E}">
-        <p14:creationId xmlns:p14="http://schemas.microsoft.com/office/powerpoint/2010/main" val="1272998583"/>
+        <p14:creationId xmlns:p14="http://schemas.microsoft.com/office/powerpoint/2010/main" xmlns="" val="1272998583"/>
       </p:ext>
     </p:extLst>
   </p:cSld>
   <p:clrMapOvr>
     <a:masterClrMapping/>
   </p:clrMapOvr>
-  <mc:AlternateContent xmlns:mc="http://schemas.openxmlformats.org/markup-compatibility/2006" xmlns:p14="http://schemas.microsoft.com/office/powerpoint/2010/main">
-    <mc:Choice Requires="p14">
+  <mc:AlternateContent xmlns:mc="http://schemas.openxmlformats.org/markup-compatibility/2006">
+    <mc:Choice xmlns:p14="http://schemas.microsoft.com/office/powerpoint/2010/main" xmlns="" Requires="p14">
       <p:transition spd="slow" p14:dur="1500" advClick="0" advTm="0">
         <p:random/>
       </p:transition>
     </mc:Choice>
-    <mc:Fallback xmlns="">
+    <mc:Fallback>
       <p:transition spd="slow" advClick="0" advTm="0">
         <p:random/>
       </p:transition>
@@ -2973,7 +2973,7 @@
             <a:fld id="{91AD7F68-8E1B-45E2-8A27-5D5DEAAB1BF2}" type="datetimeFigureOut">
               <a:rPr lang="zh-CN" altLang="en-US" smtClean="0"/>
               <a:pPr/>
-              <a:t>2018/6/8</a:t>
+              <a:t>2018/6/21 Thursday</a:t>
             </a:fld>
             <a:endParaRPr lang="zh-CN" altLang="en-US"/>
           </a:p>
@@ -3025,20 +3025,20 @@
     </p:spTree>
     <p:extLst>
       <p:ext uri="{BB962C8B-B14F-4D97-AF65-F5344CB8AC3E}">
-        <p14:creationId xmlns:p14="http://schemas.microsoft.com/office/powerpoint/2010/main" val="2103091704"/>
+        <p14:creationId xmlns:p14="http://schemas.microsoft.com/office/powerpoint/2010/main" xmlns="" val="2103091704"/>
       </p:ext>
     </p:extLst>
   </p:cSld>
   <p:clrMapOvr>
     <a:masterClrMapping/>
   </p:clrMapOvr>
-  <mc:AlternateContent xmlns:mc="http://schemas.openxmlformats.org/markup-compatibility/2006" xmlns:p14="http://schemas.microsoft.com/office/powerpoint/2010/main">
-    <mc:Choice Requires="p14">
+  <mc:AlternateContent xmlns:mc="http://schemas.openxmlformats.org/markup-compatibility/2006">
+    <mc:Choice xmlns:p14="http://schemas.microsoft.com/office/powerpoint/2010/main" xmlns="" Requires="p14">
       <p:transition spd="slow" p14:dur="1500" advClick="0" advTm="0">
         <p:random/>
       </p:transition>
     </mc:Choice>
-    <mc:Fallback xmlns="">
+    <mc:Fallback>
       <p:transition spd="slow" advClick="0" advTm="0">
         <p:random/>
       </p:transition>
@@ -3262,7 +3262,7 @@
             <a:fld id="{91AD7F68-8E1B-45E2-8A27-5D5DEAAB1BF2}" type="datetimeFigureOut">
               <a:rPr lang="zh-CN" altLang="en-US" smtClean="0"/>
               <a:pPr/>
-              <a:t>2018/6/8</a:t>
+              <a:t>2018/6/21 Thursday</a:t>
             </a:fld>
             <a:endParaRPr lang="zh-CN" altLang="en-US"/>
           </a:p>
@@ -3314,20 +3314,20 @@
     </p:spTree>
     <p:extLst>
       <p:ext uri="{BB962C8B-B14F-4D97-AF65-F5344CB8AC3E}">
-        <p14:creationId xmlns:p14="http://schemas.microsoft.com/office/powerpoint/2010/main" val="2275436477"/>
+        <p14:creationId xmlns:p14="http://schemas.microsoft.com/office/powerpoint/2010/main" xmlns="" val="2275436477"/>
       </p:ext>
     </p:extLst>
   </p:cSld>
   <p:clrMapOvr>
     <a:masterClrMapping/>
   </p:clrMapOvr>
-  <mc:AlternateContent xmlns:mc="http://schemas.openxmlformats.org/markup-compatibility/2006" xmlns:p14="http://schemas.microsoft.com/office/powerpoint/2010/main">
-    <mc:Choice Requires="p14">
+  <mc:AlternateContent xmlns:mc="http://schemas.openxmlformats.org/markup-compatibility/2006">
+    <mc:Choice xmlns:p14="http://schemas.microsoft.com/office/powerpoint/2010/main" xmlns="" Requires="p14">
       <p:transition spd="slow" p14:dur="1500" advClick="0" advTm="0">
         <p:random/>
       </p:transition>
     </mc:Choice>
-    <mc:Fallback xmlns="">
+    <mc:Fallback>
       <p:transition spd="slow" advClick="0" advTm="0">
         <p:random/>
       </p:transition>
@@ -3528,7 +3528,7 @@
             <a:fld id="{91AD7F68-8E1B-45E2-8A27-5D5DEAAB1BF2}" type="datetimeFigureOut">
               <a:rPr lang="zh-CN" altLang="en-US" smtClean="0"/>
               <a:pPr/>
-              <a:t>2018/6/8</a:t>
+              <a:t>2018/6/21 Thursday</a:t>
             </a:fld>
             <a:endParaRPr lang="zh-CN" altLang="en-US"/>
           </a:p>
@@ -3580,20 +3580,20 @@
     </p:spTree>
     <p:extLst>
       <p:ext uri="{BB962C8B-B14F-4D97-AF65-F5344CB8AC3E}">
-        <p14:creationId xmlns:p14="http://schemas.microsoft.com/office/powerpoint/2010/main" val="2724821356"/>
+        <p14:creationId xmlns:p14="http://schemas.microsoft.com/office/powerpoint/2010/main" xmlns="" val="2724821356"/>
       </p:ext>
     </p:extLst>
   </p:cSld>
   <p:clrMapOvr>
     <a:masterClrMapping/>
   </p:clrMapOvr>
-  <mc:AlternateContent xmlns:mc="http://schemas.openxmlformats.org/markup-compatibility/2006" xmlns:p14="http://schemas.microsoft.com/office/powerpoint/2010/main">
-    <mc:Choice Requires="p14">
+  <mc:AlternateContent xmlns:mc="http://schemas.openxmlformats.org/markup-compatibility/2006">
+    <mc:Choice xmlns:p14="http://schemas.microsoft.com/office/powerpoint/2010/main" xmlns="" Requires="p14">
       <p:transition spd="slow" p14:dur="1500" advClick="0" advTm="0">
         <p:random/>
       </p:transition>
     </mc:Choice>
-    <mc:Fallback xmlns="">
+    <mc:Fallback>
       <p:transition spd="slow" advClick="0" advTm="0">
         <p:random/>
       </p:transition>
@@ -3753,7 +3753,7 @@
             <a:fld id="{91AD7F68-8E1B-45E2-8A27-5D5DEAAB1BF2}" type="datetimeFigureOut">
               <a:rPr lang="zh-CN" altLang="en-US" smtClean="0"/>
               <a:pPr/>
-              <a:t>2018/6/8</a:t>
+              <a:t>2018/6/21 Thursday</a:t>
             </a:fld>
             <a:endParaRPr lang="zh-CN" altLang="en-US"/>
           </a:p>
@@ -3841,7 +3841,7 @@
     </p:spTree>
     <p:extLst>
       <p:ext uri="{BB962C8B-B14F-4D97-AF65-F5344CB8AC3E}">
-        <p14:creationId xmlns:p14="http://schemas.microsoft.com/office/powerpoint/2010/main" val="666783823"/>
+        <p14:creationId xmlns:p14="http://schemas.microsoft.com/office/powerpoint/2010/main" xmlns="" val="666783823"/>
       </p:ext>
     </p:extLst>
   </p:cSld>
@@ -3859,13 +3859,13 @@
     <p:sldLayoutId id="2147483658" r:id="rId10"/>
     <p:sldLayoutId id="2147483659" r:id="rId11"/>
   </p:sldLayoutIdLst>
-  <mc:AlternateContent xmlns:mc="http://schemas.openxmlformats.org/markup-compatibility/2006" xmlns:p14="http://schemas.microsoft.com/office/powerpoint/2010/main">
-    <mc:Choice Requires="p14">
+  <mc:AlternateContent xmlns:mc="http://schemas.openxmlformats.org/markup-compatibility/2006">
+    <mc:Choice xmlns:p14="http://schemas.microsoft.com/office/powerpoint/2010/main" xmlns="" Requires="p14">
       <p:transition spd="slow" p14:dur="1500" advClick="0" advTm="0">
         <p:random/>
       </p:transition>
     </mc:Choice>
-    <mc:Fallback xmlns="">
+    <mc:Fallback>
       <p:transition spd="slow" advClick="0" advTm="0">
         <p:random/>
       </p:transition>
@@ -4183,7 +4183,7 @@
           <a:blip r:embed="rId3" cstate="print">
             <a:extLst>
               <a:ext uri="{28A0092B-C50C-407E-A947-70E740481C1C}">
-                <a14:useLocalDpi xmlns:a14="http://schemas.microsoft.com/office/drawing/2010/main"/>
+                <a14:useLocalDpi xmlns:a14="http://schemas.microsoft.com/office/drawing/2010/main" xmlns=""/>
               </a:ext>
             </a:extLst>
           </a:blip>
@@ -9757,7 +9757,7 @@
           <p:cNvPr id="9" name="TextBox 8">
             <a:extLst>
               <a:ext uri="{FF2B5EF4-FFF2-40B4-BE49-F238E27FC236}">
-                <a16:creationId xmlns:a16="http://schemas.microsoft.com/office/drawing/2014/main" id="{73C77ED2-C357-47B7-8381-585C44BF2B89}"/>
+                <a16:creationId xmlns:a16="http://schemas.microsoft.com/office/drawing/2014/main" xmlns="" id="{73C77ED2-C357-47B7-8381-585C44BF2B89}"/>
               </a:ext>
             </a:extLst>
           </p:cNvPr>
@@ -9797,20 +9797,20 @@
     </p:spTree>
     <p:extLst>
       <p:ext uri="{BB962C8B-B14F-4D97-AF65-F5344CB8AC3E}">
-        <p14:creationId xmlns:p14="http://schemas.microsoft.com/office/powerpoint/2010/main" val="656483861"/>
+        <p14:creationId xmlns:p14="http://schemas.microsoft.com/office/powerpoint/2010/main" xmlns="" val="656483861"/>
       </p:ext>
     </p:extLst>
   </p:cSld>
   <p:clrMapOvr>
     <a:masterClrMapping/>
   </p:clrMapOvr>
-  <mc:AlternateContent xmlns:mc="http://schemas.openxmlformats.org/markup-compatibility/2006" xmlns:p14="http://schemas.microsoft.com/office/powerpoint/2010/main">
-    <mc:Choice Requires="p14">
+  <mc:AlternateContent xmlns:mc="http://schemas.openxmlformats.org/markup-compatibility/2006">
+    <mc:Choice xmlns:p14="http://schemas.microsoft.com/office/powerpoint/2010/main" xmlns="" Requires="p14">
       <p:transition spd="slow" p14:dur="1500">
         <p:random/>
       </p:transition>
     </mc:Choice>
-    <mc:Fallback xmlns="">
+    <mc:Fallback>
       <p:transition spd="slow">
         <p:random/>
       </p:transition>
@@ -10375,7 +10375,7 @@
           <p:cNvPr id="3" name="Rectangle: Rounded Corners 2">
             <a:extLst>
               <a:ext uri="{FF2B5EF4-FFF2-40B4-BE49-F238E27FC236}">
-                <a16:creationId xmlns:a16="http://schemas.microsoft.com/office/drawing/2014/main" id="{10D38064-0938-4DB2-8601-E7D0F49FA03C}"/>
+                <a16:creationId xmlns:a16="http://schemas.microsoft.com/office/drawing/2014/main" xmlns="" id="{10D38064-0938-4DB2-8601-E7D0F49FA03C}"/>
               </a:ext>
             </a:extLst>
           </p:cNvPr>
@@ -10431,7 +10431,7 @@
           <p:cNvPr id="9" name="Rectangle: Rounded Corners 8">
             <a:extLst>
               <a:ext uri="{FF2B5EF4-FFF2-40B4-BE49-F238E27FC236}">
-                <a16:creationId xmlns:a16="http://schemas.microsoft.com/office/drawing/2014/main" id="{B935B0D4-597E-4C31-AD2F-D911B5AA7F9D}"/>
+                <a16:creationId xmlns:a16="http://schemas.microsoft.com/office/drawing/2014/main" xmlns="" id="{B935B0D4-597E-4C31-AD2F-D911B5AA7F9D}"/>
               </a:ext>
             </a:extLst>
           </p:cNvPr>
@@ -10480,7 +10480,7 @@
           <p:cNvPr id="7" name="Straight Arrow Connector 6">
             <a:extLst>
               <a:ext uri="{FF2B5EF4-FFF2-40B4-BE49-F238E27FC236}">
-                <a16:creationId xmlns:a16="http://schemas.microsoft.com/office/drawing/2014/main" id="{100989EA-281B-42B0-963F-CECE624E95A5}"/>
+                <a16:creationId xmlns:a16="http://schemas.microsoft.com/office/drawing/2014/main" xmlns="" id="{100989EA-281B-42B0-963F-CECE624E95A5}"/>
               </a:ext>
             </a:extLst>
           </p:cNvPr>
@@ -10524,7 +10524,7 @@
           <p:cNvPr id="18" name="Rectangle: Rounded Corners 17">
             <a:extLst>
               <a:ext uri="{FF2B5EF4-FFF2-40B4-BE49-F238E27FC236}">
-                <a16:creationId xmlns:a16="http://schemas.microsoft.com/office/drawing/2014/main" id="{1FFA5882-5D9B-4F86-8799-2355662C7436}"/>
+                <a16:creationId xmlns:a16="http://schemas.microsoft.com/office/drawing/2014/main" xmlns="" id="{1FFA5882-5D9B-4F86-8799-2355662C7436}"/>
               </a:ext>
             </a:extLst>
           </p:cNvPr>
@@ -10580,7 +10580,7 @@
           <p:cNvPr id="19" name="Rectangle: Rounded Corners 18">
             <a:extLst>
               <a:ext uri="{FF2B5EF4-FFF2-40B4-BE49-F238E27FC236}">
-                <a16:creationId xmlns:a16="http://schemas.microsoft.com/office/drawing/2014/main" id="{DFCCEBA4-6C9B-4728-BFA4-E166BBB14108}"/>
+                <a16:creationId xmlns:a16="http://schemas.microsoft.com/office/drawing/2014/main" xmlns="" id="{DFCCEBA4-6C9B-4728-BFA4-E166BBB14108}"/>
               </a:ext>
             </a:extLst>
           </p:cNvPr>
@@ -10636,7 +10636,7 @@
           <p:cNvPr id="20" name="Rectangle: Rounded Corners 19">
             <a:extLst>
               <a:ext uri="{FF2B5EF4-FFF2-40B4-BE49-F238E27FC236}">
-                <a16:creationId xmlns:a16="http://schemas.microsoft.com/office/drawing/2014/main" id="{547CB603-1086-4990-9058-14326DCC1CEC}"/>
+                <a16:creationId xmlns:a16="http://schemas.microsoft.com/office/drawing/2014/main" xmlns="" id="{547CB603-1086-4990-9058-14326DCC1CEC}"/>
               </a:ext>
             </a:extLst>
           </p:cNvPr>
@@ -10685,7 +10685,7 @@
           <p:cNvPr id="21" name="Rectangle: Rounded Corners 20">
             <a:extLst>
               <a:ext uri="{FF2B5EF4-FFF2-40B4-BE49-F238E27FC236}">
-                <a16:creationId xmlns:a16="http://schemas.microsoft.com/office/drawing/2014/main" id="{DAC3782F-8696-432A-89D9-E450482B4A6A}"/>
+                <a16:creationId xmlns:a16="http://schemas.microsoft.com/office/drawing/2014/main" xmlns="" id="{DAC3782F-8696-432A-89D9-E450482B4A6A}"/>
               </a:ext>
             </a:extLst>
           </p:cNvPr>
@@ -10734,7 +10734,7 @@
           <p:cNvPr id="25" name="Straight Arrow Connector 24">
             <a:extLst>
               <a:ext uri="{FF2B5EF4-FFF2-40B4-BE49-F238E27FC236}">
-                <a16:creationId xmlns:a16="http://schemas.microsoft.com/office/drawing/2014/main" id="{9CC2814F-F387-4C24-B867-85692E9F7CB2}"/>
+                <a16:creationId xmlns:a16="http://schemas.microsoft.com/office/drawing/2014/main" xmlns="" id="{9CC2814F-F387-4C24-B867-85692E9F7CB2}"/>
               </a:ext>
             </a:extLst>
           </p:cNvPr>
@@ -10777,7 +10777,7 @@
           <p:cNvPr id="27" name="Straight Arrow Connector 26">
             <a:extLst>
               <a:ext uri="{FF2B5EF4-FFF2-40B4-BE49-F238E27FC236}">
-                <a16:creationId xmlns:a16="http://schemas.microsoft.com/office/drawing/2014/main" id="{93682BC6-E958-4F65-8C5D-B73AC062922D}"/>
+                <a16:creationId xmlns:a16="http://schemas.microsoft.com/office/drawing/2014/main" xmlns="" id="{93682BC6-E958-4F65-8C5D-B73AC062922D}"/>
               </a:ext>
             </a:extLst>
           </p:cNvPr>
@@ -10820,7 +10820,7 @@
           <p:cNvPr id="29" name="Straight Arrow Connector 28">
             <a:extLst>
               <a:ext uri="{FF2B5EF4-FFF2-40B4-BE49-F238E27FC236}">
-                <a16:creationId xmlns:a16="http://schemas.microsoft.com/office/drawing/2014/main" id="{C8CA35CC-D644-4F03-A945-BFC7BD105BD1}"/>
+                <a16:creationId xmlns:a16="http://schemas.microsoft.com/office/drawing/2014/main" xmlns="" id="{C8CA35CC-D644-4F03-A945-BFC7BD105BD1}"/>
               </a:ext>
             </a:extLst>
           </p:cNvPr>
@@ -10863,7 +10863,7 @@
           <p:cNvPr id="31" name="Straight Arrow Connector 30">
             <a:extLst>
               <a:ext uri="{FF2B5EF4-FFF2-40B4-BE49-F238E27FC236}">
-                <a16:creationId xmlns:a16="http://schemas.microsoft.com/office/drawing/2014/main" id="{5A0C37FC-A2C5-4279-BE26-59185A384733}"/>
+                <a16:creationId xmlns:a16="http://schemas.microsoft.com/office/drawing/2014/main" xmlns="" id="{5A0C37FC-A2C5-4279-BE26-59185A384733}"/>
               </a:ext>
             </a:extLst>
           </p:cNvPr>
@@ -10906,7 +10906,7 @@
           <p:cNvPr id="33" name="Straight Arrow Connector 32">
             <a:extLst>
               <a:ext uri="{FF2B5EF4-FFF2-40B4-BE49-F238E27FC236}">
-                <a16:creationId xmlns:a16="http://schemas.microsoft.com/office/drawing/2014/main" id="{06D91E46-7AA4-4603-8FCB-DCACC0D67A0A}"/>
+                <a16:creationId xmlns:a16="http://schemas.microsoft.com/office/drawing/2014/main" xmlns="" id="{06D91E46-7AA4-4603-8FCB-DCACC0D67A0A}"/>
               </a:ext>
             </a:extLst>
           </p:cNvPr>
@@ -10949,7 +10949,7 @@
           <p:cNvPr id="35" name="Straight Arrow Connector 34">
             <a:extLst>
               <a:ext uri="{FF2B5EF4-FFF2-40B4-BE49-F238E27FC236}">
-                <a16:creationId xmlns:a16="http://schemas.microsoft.com/office/drawing/2014/main" id="{39D53920-5573-403C-B574-200D3EEC671D}"/>
+                <a16:creationId xmlns:a16="http://schemas.microsoft.com/office/drawing/2014/main" xmlns="" id="{39D53920-5573-403C-B574-200D3EEC671D}"/>
               </a:ext>
             </a:extLst>
           </p:cNvPr>
@@ -10992,7 +10992,7 @@
           <p:cNvPr id="37" name="Straight Arrow Connector 36">
             <a:extLst>
               <a:ext uri="{FF2B5EF4-FFF2-40B4-BE49-F238E27FC236}">
-                <a16:creationId xmlns:a16="http://schemas.microsoft.com/office/drawing/2014/main" id="{5A72B58E-2766-4B06-9EDB-15A23C502ED3}"/>
+                <a16:creationId xmlns:a16="http://schemas.microsoft.com/office/drawing/2014/main" xmlns="" id="{5A72B58E-2766-4B06-9EDB-15A23C502ED3}"/>
               </a:ext>
             </a:extLst>
           </p:cNvPr>
@@ -11035,7 +11035,7 @@
           <p:cNvPr id="39" name="Straight Arrow Connector 38">
             <a:extLst>
               <a:ext uri="{FF2B5EF4-FFF2-40B4-BE49-F238E27FC236}">
-                <a16:creationId xmlns:a16="http://schemas.microsoft.com/office/drawing/2014/main" id="{0A6B2A85-1C4B-410A-B35B-327DF8542BF3}"/>
+                <a16:creationId xmlns:a16="http://schemas.microsoft.com/office/drawing/2014/main" xmlns="" id="{0A6B2A85-1C4B-410A-B35B-327DF8542BF3}"/>
               </a:ext>
             </a:extLst>
           </p:cNvPr>
@@ -11078,7 +11078,7 @@
           <p:cNvPr id="40" name="Rectangle 39">
             <a:extLst>
               <a:ext uri="{FF2B5EF4-FFF2-40B4-BE49-F238E27FC236}">
-                <a16:creationId xmlns:a16="http://schemas.microsoft.com/office/drawing/2014/main" id="{08205376-CD3A-4D74-AA6A-04347A8C6EAE}"/>
+                <a16:creationId xmlns:a16="http://schemas.microsoft.com/office/drawing/2014/main" xmlns="" id="{08205376-CD3A-4D74-AA6A-04347A8C6EAE}"/>
               </a:ext>
             </a:extLst>
           </p:cNvPr>
@@ -11152,7 +11152,7 @@
           <p:cNvPr id="65" name="Rectangle 64">
             <a:extLst>
               <a:ext uri="{FF2B5EF4-FFF2-40B4-BE49-F238E27FC236}">
-                <a16:creationId xmlns:a16="http://schemas.microsoft.com/office/drawing/2014/main" id="{C5E324DB-6B02-43E8-93BF-C07286747FD2}"/>
+                <a16:creationId xmlns:a16="http://schemas.microsoft.com/office/drawing/2014/main" xmlns="" id="{C5E324DB-6B02-43E8-93BF-C07286747FD2}"/>
               </a:ext>
             </a:extLst>
           </p:cNvPr>
@@ -11224,20 +11224,20 @@
     </p:spTree>
     <p:extLst>
       <p:ext uri="{BB962C8B-B14F-4D97-AF65-F5344CB8AC3E}">
-        <p14:creationId xmlns:p14="http://schemas.microsoft.com/office/powerpoint/2010/main" val="264814506"/>
+        <p14:creationId xmlns:p14="http://schemas.microsoft.com/office/powerpoint/2010/main" xmlns="" val="264814506"/>
       </p:ext>
     </p:extLst>
   </p:cSld>
   <p:clrMapOvr>
     <a:masterClrMapping/>
   </p:clrMapOvr>
-  <mc:AlternateContent xmlns:mc="http://schemas.openxmlformats.org/markup-compatibility/2006" xmlns:p14="http://schemas.microsoft.com/office/powerpoint/2010/main">
-    <mc:Choice Requires="p14">
+  <mc:AlternateContent xmlns:mc="http://schemas.openxmlformats.org/markup-compatibility/2006">
+    <mc:Choice xmlns:p14="http://schemas.microsoft.com/office/powerpoint/2010/main" xmlns="" Requires="p14">
       <p:transition spd="slow" p14:dur="1500">
         <p:random/>
       </p:transition>
     </mc:Choice>
-    <mc:Fallback xmlns="">
+    <mc:Fallback>
       <p:transition spd="slow">
         <p:random/>
       </p:transition>
@@ -11746,20 +11746,20 @@
     </p:spTree>
     <p:extLst>
       <p:ext uri="{BB962C8B-B14F-4D97-AF65-F5344CB8AC3E}">
-        <p14:creationId xmlns:p14="http://schemas.microsoft.com/office/powerpoint/2010/main" val="3171371657"/>
+        <p14:creationId xmlns:p14="http://schemas.microsoft.com/office/powerpoint/2010/main" xmlns="" val="3171371657"/>
       </p:ext>
     </p:extLst>
   </p:cSld>
   <p:clrMapOvr>
     <a:masterClrMapping/>
   </p:clrMapOvr>
-  <mc:AlternateContent xmlns:mc="http://schemas.openxmlformats.org/markup-compatibility/2006" xmlns:p14="http://schemas.microsoft.com/office/powerpoint/2010/main">
-    <mc:Choice Requires="p14">
+  <mc:AlternateContent xmlns:mc="http://schemas.openxmlformats.org/markup-compatibility/2006">
+    <mc:Choice xmlns:p14="http://schemas.microsoft.com/office/powerpoint/2010/main" xmlns="" Requires="p14">
       <p:transition spd="slow" p14:dur="1500">
         <p:random/>
       </p:transition>
     </mc:Choice>
-    <mc:Fallback xmlns="">
+    <mc:Fallback>
       <p:transition spd="slow">
         <p:random/>
       </p:transition>
@@ -12288,20 +12288,20 @@
     </p:spTree>
     <p:extLst>
       <p:ext uri="{BB962C8B-B14F-4D97-AF65-F5344CB8AC3E}">
-        <p14:creationId xmlns:p14="http://schemas.microsoft.com/office/powerpoint/2010/main" val="3275627157"/>
+        <p14:creationId xmlns:p14="http://schemas.microsoft.com/office/powerpoint/2010/main" xmlns="" val="3275627157"/>
       </p:ext>
     </p:extLst>
   </p:cSld>
   <p:clrMapOvr>
     <a:masterClrMapping/>
   </p:clrMapOvr>
-  <mc:AlternateContent xmlns:mc="http://schemas.openxmlformats.org/markup-compatibility/2006" xmlns:p14="http://schemas.microsoft.com/office/powerpoint/2010/main">
-    <mc:Choice Requires="p14">
+  <mc:AlternateContent xmlns:mc="http://schemas.openxmlformats.org/markup-compatibility/2006">
+    <mc:Choice xmlns:p14="http://schemas.microsoft.com/office/powerpoint/2010/main" xmlns="" Requires="p14">
       <p:transition spd="slow" p14:dur="1500">
         <p:random/>
       </p:transition>
     </mc:Choice>
-    <mc:Fallback xmlns="">
+    <mc:Fallback>
       <p:transition spd="slow">
         <p:random/>
       </p:transition>
@@ -12830,20 +12830,20 @@
     </p:spTree>
     <p:extLst>
       <p:ext uri="{BB962C8B-B14F-4D97-AF65-F5344CB8AC3E}">
-        <p14:creationId xmlns:p14="http://schemas.microsoft.com/office/powerpoint/2010/main" val="1016906222"/>
+        <p14:creationId xmlns:p14="http://schemas.microsoft.com/office/powerpoint/2010/main" xmlns="" val="1016906222"/>
       </p:ext>
     </p:extLst>
   </p:cSld>
   <p:clrMapOvr>
     <a:masterClrMapping/>
   </p:clrMapOvr>
-  <mc:AlternateContent xmlns:mc="http://schemas.openxmlformats.org/markup-compatibility/2006" xmlns:p14="http://schemas.microsoft.com/office/powerpoint/2010/main">
-    <mc:Choice Requires="p14">
+  <mc:AlternateContent xmlns:mc="http://schemas.openxmlformats.org/markup-compatibility/2006">
+    <mc:Choice xmlns:p14="http://schemas.microsoft.com/office/powerpoint/2010/main" xmlns="" Requires="p14">
       <p:transition spd="slow" p14:dur="1500">
         <p:random/>
       </p:transition>
     </mc:Choice>
-    <mc:Fallback xmlns="">
+    <mc:Fallback>
       <p:transition spd="slow">
         <p:random/>
       </p:transition>
@@ -13352,20 +13352,20 @@
     </p:spTree>
     <p:extLst>
       <p:ext uri="{BB962C8B-B14F-4D97-AF65-F5344CB8AC3E}">
-        <p14:creationId xmlns:p14="http://schemas.microsoft.com/office/powerpoint/2010/main" val="2565559369"/>
+        <p14:creationId xmlns:p14="http://schemas.microsoft.com/office/powerpoint/2010/main" xmlns="" val="2565559369"/>
       </p:ext>
     </p:extLst>
   </p:cSld>
   <p:clrMapOvr>
     <a:masterClrMapping/>
   </p:clrMapOvr>
-  <mc:AlternateContent xmlns:mc="http://schemas.openxmlformats.org/markup-compatibility/2006" xmlns:p14="http://schemas.microsoft.com/office/powerpoint/2010/main">
-    <mc:Choice Requires="p14">
+  <mc:AlternateContent xmlns:mc="http://schemas.openxmlformats.org/markup-compatibility/2006">
+    <mc:Choice xmlns:p14="http://schemas.microsoft.com/office/powerpoint/2010/main" xmlns="" Requires="p14">
       <p:transition spd="slow" p14:dur="1500">
         <p:random/>
       </p:transition>
     </mc:Choice>
-    <mc:Fallback xmlns="">
+    <mc:Fallback>
       <p:transition spd="slow">
         <p:random/>
       </p:transition>
@@ -13874,20 +13874,20 @@
     </p:spTree>
     <p:extLst>
       <p:ext uri="{BB962C8B-B14F-4D97-AF65-F5344CB8AC3E}">
-        <p14:creationId xmlns:p14="http://schemas.microsoft.com/office/powerpoint/2010/main" val="446896059"/>
+        <p14:creationId xmlns:p14="http://schemas.microsoft.com/office/powerpoint/2010/main" xmlns="" val="446896059"/>
       </p:ext>
     </p:extLst>
   </p:cSld>
   <p:clrMapOvr>
     <a:masterClrMapping/>
   </p:clrMapOvr>
-  <mc:AlternateContent xmlns:mc="http://schemas.openxmlformats.org/markup-compatibility/2006" xmlns:p14="http://schemas.microsoft.com/office/powerpoint/2010/main">
-    <mc:Choice Requires="p14">
+  <mc:AlternateContent xmlns:mc="http://schemas.openxmlformats.org/markup-compatibility/2006">
+    <mc:Choice xmlns:p14="http://schemas.microsoft.com/office/powerpoint/2010/main" xmlns="" Requires="p14">
       <p:transition spd="slow" p14:dur="1500">
         <p:random/>
       </p:transition>
     </mc:Choice>
-    <mc:Fallback xmlns="">
+    <mc:Fallback>
       <p:transition spd="slow">
         <p:random/>
       </p:transition>
@@ -14416,20 +14416,20 @@
     </p:spTree>
     <p:extLst>
       <p:ext uri="{BB962C8B-B14F-4D97-AF65-F5344CB8AC3E}">
-        <p14:creationId xmlns:p14="http://schemas.microsoft.com/office/powerpoint/2010/main" val="2357855105"/>
+        <p14:creationId xmlns:p14="http://schemas.microsoft.com/office/powerpoint/2010/main" xmlns="" val="2357855105"/>
       </p:ext>
     </p:extLst>
   </p:cSld>
   <p:clrMapOvr>
     <a:masterClrMapping/>
   </p:clrMapOvr>
-  <mc:AlternateContent xmlns:mc="http://schemas.openxmlformats.org/markup-compatibility/2006" xmlns:p14="http://schemas.microsoft.com/office/powerpoint/2010/main">
-    <mc:Choice Requires="p14">
+  <mc:AlternateContent xmlns:mc="http://schemas.openxmlformats.org/markup-compatibility/2006">
+    <mc:Choice xmlns:p14="http://schemas.microsoft.com/office/powerpoint/2010/main" xmlns="" Requires="p14">
       <p:transition spd="slow" p14:dur="1500">
         <p:random/>
       </p:transition>
     </mc:Choice>
-    <mc:Fallback xmlns="">
+    <mc:Fallback>
       <p:transition spd="slow">
         <p:random/>
       </p:transition>
@@ -14954,7 +14954,7 @@
   <a:extraClrSchemeLst/>
   <a:extLst>
     <a:ext uri="{05A4C25C-085E-4340-85A3-A5531E510DB2}">
-      <thm15:themeFamily xmlns:thm15="http://schemas.microsoft.com/office/thememl/2012/main" name="Office Theme" id="{62F939B6-93AF-4DB8-9C6B-D6C7DFDC589F}" vid="{4A3C46E8-61CC-4603-A589-7422A47A8E4A}"/>
+      <thm15:themeFamily xmlns:thm15="http://schemas.microsoft.com/office/thememl/2012/main" xmlns="" name="Office Theme" id="{62F939B6-93AF-4DB8-9C6B-D6C7DFDC589F}" vid="{4A3C46E8-61CC-4603-A589-7422A47A8E4A}"/>
     </a:ext>
   </a:extLst>
 </a:theme>
@@ -15215,7 +15215,7 @@
   <a:extraClrSchemeLst/>
   <a:extLst>
     <a:ext uri="{05A4C25C-085E-4340-85A3-A5531E510DB2}">
-      <thm15:themeFamily xmlns:thm15="http://schemas.microsoft.com/office/thememl/2012/main" name="Office Theme" id="{62F939B6-93AF-4DB8-9C6B-D6C7DFDC589F}" vid="{4A3C46E8-61CC-4603-A589-7422A47A8E4A}"/>
+      <thm15:themeFamily xmlns:thm15="http://schemas.microsoft.com/office/thememl/2012/main" xmlns="" name="Office Theme" id="{62F939B6-93AF-4DB8-9C6B-D6C7DFDC589F}" vid="{4A3C46E8-61CC-4603-A589-7422A47A8E4A}"/>
     </a:ext>
   </a:extLst>
 </a:theme>
